--- a/Swift 데이터베이스.pptx
+++ b/Swift 데이터베이스.pptx
@@ -15,6 +15,10 @@
     <p:sldId id="263" r:id="rId9"/>
     <p:sldId id="264" r:id="rId10"/>
     <p:sldId id="265" r:id="rId11"/>
+    <p:sldId id="266" r:id="rId12"/>
+    <p:sldId id="267" r:id="rId13"/>
+    <p:sldId id="269" r:id="rId14"/>
+    <p:sldId id="268" r:id="rId15"/>
   </p:sldIdLst>
   <p:sldSz cx="12192000" cy="6858000"/>
   <p:notesSz cx="6858000" cy="9144000"/>
@@ -268,7 +272,7 @@
           <a:p>
             <a:fld id="{862355A0-B8CF-DF49-A33F-1886E769A95F}" type="datetimeFigureOut">
               <a:rPr kumimoji="1" lang="ko-KR" altLang="en-US" smtClean="0"/>
-              <a:t>2024. 9. 2.</a:t>
+              <a:t>2024. 9. 4.</a:t>
             </a:fld>
             <a:endParaRPr kumimoji="1" lang="ko-KR" altLang="en-US"/>
           </a:p>
@@ -466,7 +470,7 @@
           <a:p>
             <a:fld id="{862355A0-B8CF-DF49-A33F-1886E769A95F}" type="datetimeFigureOut">
               <a:rPr kumimoji="1" lang="ko-KR" altLang="en-US" smtClean="0"/>
-              <a:t>2024. 9. 2.</a:t>
+              <a:t>2024. 9. 4.</a:t>
             </a:fld>
             <a:endParaRPr kumimoji="1" lang="ko-KR" altLang="en-US"/>
           </a:p>
@@ -674,7 +678,7 @@
           <a:p>
             <a:fld id="{862355A0-B8CF-DF49-A33F-1886E769A95F}" type="datetimeFigureOut">
               <a:rPr kumimoji="1" lang="ko-KR" altLang="en-US" smtClean="0"/>
-              <a:t>2024. 9. 2.</a:t>
+              <a:t>2024. 9. 4.</a:t>
             </a:fld>
             <a:endParaRPr kumimoji="1" lang="ko-KR" altLang="en-US"/>
           </a:p>
@@ -872,7 +876,7 @@
           <a:p>
             <a:fld id="{862355A0-B8CF-DF49-A33F-1886E769A95F}" type="datetimeFigureOut">
               <a:rPr kumimoji="1" lang="ko-KR" altLang="en-US" smtClean="0"/>
-              <a:t>2024. 9. 2.</a:t>
+              <a:t>2024. 9. 4.</a:t>
             </a:fld>
             <a:endParaRPr kumimoji="1" lang="ko-KR" altLang="en-US"/>
           </a:p>
@@ -1147,7 +1151,7 @@
           <a:p>
             <a:fld id="{862355A0-B8CF-DF49-A33F-1886E769A95F}" type="datetimeFigureOut">
               <a:rPr kumimoji="1" lang="ko-KR" altLang="en-US" smtClean="0"/>
-              <a:t>2024. 9. 2.</a:t>
+              <a:t>2024. 9. 4.</a:t>
             </a:fld>
             <a:endParaRPr kumimoji="1" lang="ko-KR" altLang="en-US"/>
           </a:p>
@@ -1412,7 +1416,7 @@
           <a:p>
             <a:fld id="{862355A0-B8CF-DF49-A33F-1886E769A95F}" type="datetimeFigureOut">
               <a:rPr kumimoji="1" lang="ko-KR" altLang="en-US" smtClean="0"/>
-              <a:t>2024. 9. 2.</a:t>
+              <a:t>2024. 9. 4.</a:t>
             </a:fld>
             <a:endParaRPr kumimoji="1" lang="ko-KR" altLang="en-US"/>
           </a:p>
@@ -1824,7 +1828,7 @@
           <a:p>
             <a:fld id="{862355A0-B8CF-DF49-A33F-1886E769A95F}" type="datetimeFigureOut">
               <a:rPr kumimoji="1" lang="ko-KR" altLang="en-US" smtClean="0"/>
-              <a:t>2024. 9. 2.</a:t>
+              <a:t>2024. 9. 4.</a:t>
             </a:fld>
             <a:endParaRPr kumimoji="1" lang="ko-KR" altLang="en-US"/>
           </a:p>
@@ -1965,7 +1969,7 @@
           <a:p>
             <a:fld id="{862355A0-B8CF-DF49-A33F-1886E769A95F}" type="datetimeFigureOut">
               <a:rPr kumimoji="1" lang="ko-KR" altLang="en-US" smtClean="0"/>
-              <a:t>2024. 9. 2.</a:t>
+              <a:t>2024. 9. 4.</a:t>
             </a:fld>
             <a:endParaRPr kumimoji="1" lang="ko-KR" altLang="en-US"/>
           </a:p>
@@ -2078,7 +2082,7 @@
           <a:p>
             <a:fld id="{862355A0-B8CF-DF49-A33F-1886E769A95F}" type="datetimeFigureOut">
               <a:rPr kumimoji="1" lang="ko-KR" altLang="en-US" smtClean="0"/>
-              <a:t>2024. 9. 2.</a:t>
+              <a:t>2024. 9. 4.</a:t>
             </a:fld>
             <a:endParaRPr kumimoji="1" lang="ko-KR" altLang="en-US"/>
           </a:p>
@@ -2389,7 +2393,7 @@
           <a:p>
             <a:fld id="{862355A0-B8CF-DF49-A33F-1886E769A95F}" type="datetimeFigureOut">
               <a:rPr kumimoji="1" lang="ko-KR" altLang="en-US" smtClean="0"/>
-              <a:t>2024. 9. 2.</a:t>
+              <a:t>2024. 9. 4.</a:t>
             </a:fld>
             <a:endParaRPr kumimoji="1" lang="ko-KR" altLang="en-US"/>
           </a:p>
@@ -2677,7 +2681,7 @@
           <a:p>
             <a:fld id="{862355A0-B8CF-DF49-A33F-1886E769A95F}" type="datetimeFigureOut">
               <a:rPr kumimoji="1" lang="ko-KR" altLang="en-US" smtClean="0"/>
-              <a:t>2024. 9. 2.</a:t>
+              <a:t>2024. 9. 4.</a:t>
             </a:fld>
             <a:endParaRPr kumimoji="1" lang="ko-KR" altLang="en-US"/>
           </a:p>
@@ -2918,7 +2922,7 @@
           <a:p>
             <a:fld id="{862355A0-B8CF-DF49-A33F-1886E769A95F}" type="datetimeFigureOut">
               <a:rPr kumimoji="1" lang="ko-KR" altLang="en-US" smtClean="0"/>
-              <a:t>2024. 9. 2.</a:t>
+              <a:t>2024. 9. 4.</a:t>
             </a:fld>
             <a:endParaRPr kumimoji="1" lang="ko-KR" altLang="en-US"/>
           </a:p>
@@ -3884,10 +3888,10 @@
       </p:sp>
       <p:sp>
         <p:nvSpPr>
-          <p:cNvPr id="6" name="TextBox 5">
-            <a:extLst>
-              <a:ext uri="{FF2B5EF4-FFF2-40B4-BE49-F238E27FC236}">
-                <a16:creationId xmlns:a16="http://schemas.microsoft.com/office/drawing/2014/main" id="{D4391C0E-C3C7-DA64-6AB9-D85D48146F7F}"/>
+          <p:cNvPr id="2" name="TextBox 1">
+            <a:extLst>
+              <a:ext uri="{FF2B5EF4-FFF2-40B4-BE49-F238E27FC236}">
+                <a16:creationId xmlns:a16="http://schemas.microsoft.com/office/drawing/2014/main" id="{8679EA66-EC01-627D-E59F-E2889DFB06F6}"/>
               </a:ext>
             </a:extLst>
           </p:cNvPr>
@@ -3896,8 +3900,8 @@
         </p:nvSpPr>
         <p:spPr>
           <a:xfrm>
-            <a:off x="199692" y="1109022"/>
-            <a:ext cx="5429563" cy="1600438"/>
+            <a:off x="199692" y="585802"/>
+            <a:ext cx="11246925" cy="523220"/>
           </a:xfrm>
           <a:prstGeom prst="rect">
             <a:avLst/>
@@ -3910,198 +3914,120 @@
           </a:bodyPr>
           <a:lstStyle/>
           <a:p>
-            <a:endParaRPr lang="en" altLang="ko-KR" sz="1400" dirty="0"/>
-          </a:p>
-          <a:p>
-            <a:pPr>
-              <a:buFont typeface="+mj-lt"/>
-              <a:buAutoNum type="arabicPeriod"/>
-            </a:pPr>
-            <a:r>
-              <a:rPr lang="en" altLang="ko-KR" sz="1400" dirty="0" err="1">
-                <a:effectLst/>
-              </a:rPr>
-              <a:t>NSManagerdObjectContext</a:t>
-            </a:r>
-            <a:r>
-              <a:rPr lang="ko-KR" altLang="en-US" sz="1400" dirty="0">
-                <a:effectLst/>
-              </a:rPr>
-              <a:t>로 </a:t>
-            </a:r>
-            <a:r>
-              <a:rPr lang="en" altLang="ko-KR" sz="1400" dirty="0">
-                <a:effectLst/>
-              </a:rPr>
-              <a:t>Persistent Container</a:t>
-            </a:r>
-            <a:r>
-              <a:rPr lang="ko-KR" altLang="en-US" sz="1400" dirty="0" err="1">
-                <a:effectLst/>
-              </a:rPr>
-              <a:t>를</a:t>
-            </a:r>
-            <a:r>
-              <a:rPr lang="ko-KR" altLang="en-US" sz="1400" dirty="0">
-                <a:effectLst/>
-              </a:rPr>
-              <a:t> 생성한다</a:t>
-            </a:r>
-            <a:r>
-              <a:rPr lang="en-US" altLang="ko-KR" sz="1400" dirty="0">
-                <a:effectLst/>
+            <a:r>
+              <a:rPr kumimoji="1" lang="en-US" altLang="ko-KR" sz="1400" dirty="0"/>
+              <a:t>Core Data </a:t>
+            </a:r>
+            <a:r>
+              <a:rPr kumimoji="1" lang="ko-KR" altLang="en-US" sz="1400" dirty="0"/>
+              <a:t>스택 생성하기 </a:t>
+            </a:r>
+            <a:r>
+              <a:rPr kumimoji="1" lang="en-US" altLang="ko-KR" sz="1400" dirty="0">
+                <a:sym typeface="Wingdings" pitchFamily="2" charset="2"/>
+              </a:rPr>
+              <a:t></a:t>
+            </a:r>
+            <a:r>
+              <a:rPr kumimoji="1" lang="ko-KR" altLang="en-US" sz="1400" dirty="0">
+                <a:sym typeface="Wingdings" pitchFamily="2" charset="2"/>
+              </a:rPr>
+              <a:t> 데이터베이스와 상호작용하기 위한 모든 구성요소 포함</a:t>
+            </a:r>
+            <a:endParaRPr kumimoji="1" lang="en-US" altLang="ko-KR" sz="1400" dirty="0">
+              <a:sym typeface="Wingdings" pitchFamily="2" charset="2"/>
+            </a:endParaRPr>
+          </a:p>
+          <a:p>
+            <a:r>
+              <a:rPr kumimoji="1" lang="en-US" altLang="ko-KR" sz="1400" dirty="0">
+                <a:sym typeface="Wingdings" pitchFamily="2" charset="2"/>
+              </a:rPr>
+              <a:t></a:t>
+            </a:r>
+            <a:r>
+              <a:rPr kumimoji="1" lang="ko-KR" altLang="en-US" sz="1400" dirty="0">
+                <a:sym typeface="Wingdings" pitchFamily="2" charset="2"/>
+              </a:rPr>
+              <a:t> </a:t>
+            </a:r>
+            <a:r>
+              <a:rPr kumimoji="1" lang="en-US" altLang="ko-KR" sz="1400" dirty="0" err="1">
+                <a:sym typeface="Wingdings" pitchFamily="2" charset="2"/>
+              </a:rPr>
+              <a:t>AppDelegate</a:t>
+            </a:r>
+            <a:r>
+              <a:rPr kumimoji="1" lang="ko-KR" altLang="en-US" sz="1400" dirty="0">
+                <a:sym typeface="Wingdings" pitchFamily="2" charset="2"/>
+              </a:rPr>
+              <a:t> 또는 별도의 </a:t>
+            </a:r>
+            <a:r>
+              <a:rPr kumimoji="1" lang="en-US" altLang="ko-KR" sz="1400" dirty="0">
+                <a:sym typeface="Wingdings" pitchFamily="2" charset="2"/>
+              </a:rPr>
+              <a:t>Core Data </a:t>
+            </a:r>
+            <a:r>
+              <a:rPr kumimoji="1" lang="ko-KR" altLang="en-US" sz="1400" dirty="0">
+                <a:sym typeface="Wingdings" pitchFamily="2" charset="2"/>
+              </a:rPr>
+              <a:t>관리 클래스에서 </a:t>
+            </a:r>
+            <a:r>
+              <a:rPr kumimoji="1" lang="en-US" altLang="ko-KR" sz="1400" dirty="0">
+                <a:sym typeface="Wingdings" pitchFamily="2" charset="2"/>
+              </a:rPr>
+              <a:t>Core Data </a:t>
+            </a:r>
+            <a:r>
+              <a:rPr kumimoji="1" lang="ko-KR" altLang="en-US" sz="1400" dirty="0">
+                <a:sym typeface="Wingdings" pitchFamily="2" charset="2"/>
+              </a:rPr>
+              <a:t>스택을 설정합니다</a:t>
+            </a:r>
+            <a:r>
+              <a:rPr kumimoji="1" lang="en-US" altLang="ko-KR" sz="1400" dirty="0">
+                <a:sym typeface="Wingdings" pitchFamily="2" charset="2"/>
               </a:rPr>
               <a:t>.</a:t>
             </a:r>
-          </a:p>
-          <a:p>
-            <a:pPr>
-              <a:buFont typeface="+mj-lt"/>
-              <a:buAutoNum type="arabicPeriod"/>
-            </a:pPr>
-            <a:r>
-              <a:rPr lang="en" altLang="ko-KR" sz="1400" dirty="0">
-                <a:effectLst/>
-              </a:rPr>
-              <a:t>View Controller</a:t>
-            </a:r>
-            <a:r>
-              <a:rPr lang="ko-KR" altLang="en-US" sz="1400" dirty="0" err="1">
-                <a:effectLst/>
-              </a:rPr>
-              <a:t>에</a:t>
-            </a:r>
-            <a:r>
-              <a:rPr lang="ko-KR" altLang="en-US" sz="1400" dirty="0">
-                <a:effectLst/>
-              </a:rPr>
-              <a:t> 생성한 </a:t>
-            </a:r>
-            <a:r>
-              <a:rPr lang="en" altLang="ko-KR" sz="1400" dirty="0">
-                <a:effectLst/>
-              </a:rPr>
-              <a:t>Persistent Container</a:t>
-            </a:r>
-            <a:r>
-              <a:rPr lang="ko-KR" altLang="en-US" sz="1400" dirty="0" err="1">
-                <a:effectLst/>
-              </a:rPr>
-              <a:t>를</a:t>
-            </a:r>
-            <a:r>
-              <a:rPr lang="ko-KR" altLang="en-US" sz="1400" dirty="0">
-                <a:effectLst/>
-              </a:rPr>
-              <a:t> 전달한다</a:t>
-            </a:r>
-            <a:r>
-              <a:rPr lang="en-US" altLang="ko-KR" sz="1400" dirty="0">
-                <a:effectLst/>
-              </a:rPr>
-              <a:t>.</a:t>
-            </a:r>
-          </a:p>
-          <a:p>
-            <a:pPr>
-              <a:buFont typeface="+mj-lt"/>
-              <a:buAutoNum type="arabicPeriod"/>
-            </a:pPr>
-            <a:r>
-              <a:rPr lang="en" altLang="ko-KR" sz="1400" dirty="0">
-                <a:effectLst/>
-              </a:rPr>
-              <a:t>Entity</a:t>
-            </a:r>
-            <a:r>
-              <a:rPr lang="ko-KR" altLang="en-US" sz="1400" dirty="0" err="1">
-                <a:effectLst/>
-              </a:rPr>
-              <a:t>를</a:t>
-            </a:r>
-            <a:r>
-              <a:rPr lang="ko-KR" altLang="en-US" sz="1400" dirty="0">
-                <a:effectLst/>
-              </a:rPr>
-              <a:t> 가지고 온다</a:t>
-            </a:r>
-            <a:r>
-              <a:rPr lang="en-US" altLang="ko-KR" sz="1400" dirty="0">
-                <a:effectLst/>
-              </a:rPr>
-              <a:t>.</a:t>
-            </a:r>
-          </a:p>
-          <a:p>
-            <a:pPr>
-              <a:buFont typeface="+mj-lt"/>
-              <a:buAutoNum type="arabicPeriod"/>
-            </a:pPr>
-            <a:r>
-              <a:rPr lang="en" altLang="ko-KR" sz="1400" dirty="0" err="1">
-                <a:effectLst/>
-              </a:rPr>
-              <a:t>NSManagedObject</a:t>
-            </a:r>
-            <a:r>
-              <a:rPr lang="ko-KR" altLang="en-US" sz="1400" dirty="0" err="1">
-                <a:effectLst/>
-              </a:rPr>
-              <a:t>를</a:t>
-            </a:r>
-            <a:r>
-              <a:rPr lang="ko-KR" altLang="en-US" sz="1400" dirty="0">
-                <a:effectLst/>
-              </a:rPr>
-              <a:t> 만든다</a:t>
-            </a:r>
-          </a:p>
-          <a:p>
-            <a:pPr>
-              <a:buFont typeface="+mj-lt"/>
-              <a:buAutoNum type="arabicPeriod"/>
-            </a:pPr>
-            <a:r>
-              <a:rPr lang="en" altLang="ko-KR" sz="1400" dirty="0" err="1">
-                <a:effectLst/>
-              </a:rPr>
-              <a:t>NSManagedObjectContext</a:t>
-            </a:r>
-            <a:r>
-              <a:rPr lang="ko-KR" altLang="en-US" sz="1400" dirty="0" err="1">
-                <a:effectLst/>
-              </a:rPr>
-              <a:t>에</a:t>
-            </a:r>
-            <a:r>
-              <a:rPr lang="ko-KR" altLang="en-US" sz="1400" dirty="0">
-                <a:effectLst/>
-              </a:rPr>
-              <a:t> 저장한다</a:t>
-            </a:r>
-            <a:r>
-              <a:rPr lang="en-US" altLang="ko-KR" sz="1400" dirty="0">
-                <a:effectLst/>
-              </a:rPr>
-              <a:t>.</a:t>
-            </a:r>
-          </a:p>
-          <a:p>
-            <a:pPr>
-              <a:buFont typeface="+mj-lt"/>
-              <a:buAutoNum type="arabicPeriod"/>
-            </a:pPr>
-            <a:r>
-              <a:rPr lang="ko-KR" altLang="en-US" sz="1400" dirty="0">
-                <a:effectLst/>
-              </a:rPr>
-              <a:t>잘 저장되었는지 앱을 종료하고 확인해본다</a:t>
-            </a:r>
-            <a:r>
-              <a:rPr lang="en-US" altLang="ko-KR" sz="1400" dirty="0">
-                <a:effectLst/>
-              </a:rPr>
-              <a:t>.</a:t>
+            <a:r>
+              <a:rPr kumimoji="1" lang="ko-KR" altLang="en-US" sz="1400" dirty="0">
+                <a:sym typeface="Wingdings" pitchFamily="2" charset="2"/>
+              </a:rPr>
+              <a:t> </a:t>
+            </a:r>
+            <a:r>
+              <a:rPr kumimoji="1" lang="en-US" altLang="ko-KR" sz="1400" dirty="0">
+                <a:sym typeface="Wingdings" pitchFamily="2" charset="2"/>
+              </a:rPr>
+              <a:t>(</a:t>
+            </a:r>
+            <a:r>
+              <a:rPr kumimoji="1" lang="ko-KR" altLang="en-US" sz="1400" dirty="0">
+                <a:sym typeface="Wingdings" pitchFamily="2" charset="2"/>
+              </a:rPr>
+              <a:t>일반적으로 </a:t>
+            </a:r>
+            <a:r>
+              <a:rPr kumimoji="1" lang="en-US" altLang="ko-KR" sz="1400" dirty="0" err="1">
+                <a:sym typeface="Wingdings" pitchFamily="2" charset="2"/>
+              </a:rPr>
+              <a:t>AppDelegate</a:t>
+            </a:r>
+            <a:r>
+              <a:rPr kumimoji="1" lang="ko-KR" altLang="en-US" sz="1400" dirty="0">
+                <a:sym typeface="Wingdings" pitchFamily="2" charset="2"/>
+              </a:rPr>
+              <a:t>에서 하니 그대로 할 것</a:t>
+            </a:r>
+            <a:r>
+              <a:rPr kumimoji="1" lang="en-US" altLang="ko-KR" sz="1400" dirty="0">
+                <a:sym typeface="Wingdings" pitchFamily="2" charset="2"/>
+              </a:rPr>
+              <a:t>)</a:t>
             </a:r>
             <a:endParaRPr kumimoji="1" lang="ko-KR" altLang="en-US" sz="1400" dirty="0"/>
           </a:p>
@@ -4109,10 +4035,10 @@
       </p:sp>
       <p:sp>
         <p:nvSpPr>
-          <p:cNvPr id="2" name="TextBox 1">
-            <a:extLst>
-              <a:ext uri="{FF2B5EF4-FFF2-40B4-BE49-F238E27FC236}">
-                <a16:creationId xmlns:a16="http://schemas.microsoft.com/office/drawing/2014/main" id="{8679EA66-EC01-627D-E59F-E2889DFB06F6}"/>
+          <p:cNvPr id="3" name="TextBox 2">
+            <a:extLst>
+              <a:ext uri="{FF2B5EF4-FFF2-40B4-BE49-F238E27FC236}">
+                <a16:creationId xmlns:a16="http://schemas.microsoft.com/office/drawing/2014/main" id="{91D1A413-9899-EAC6-C617-BD5A6E32B188}"/>
               </a:ext>
             </a:extLst>
           </p:cNvPr>
@@ -4121,8 +4047,8 @@
         </p:nvSpPr>
         <p:spPr>
           <a:xfrm>
-            <a:off x="199692" y="585802"/>
-            <a:ext cx="7207229" cy="523220"/>
+            <a:off x="199692" y="1921916"/>
+            <a:ext cx="12117420" cy="4662815"/>
           </a:xfrm>
           <a:prstGeom prst="rect">
             <a:avLst/>
@@ -4136,85 +4062,776 @@
           <a:lstStyle/>
           <a:p>
             <a:r>
-              <a:rPr kumimoji="1" lang="en-US" altLang="ko-KR" sz="1400" dirty="0"/>
-              <a:t>Core Data </a:t>
-            </a:r>
-            <a:r>
-              <a:rPr kumimoji="1" lang="ko-KR" altLang="en-US" sz="1400" dirty="0"/>
-              <a:t>스택 생성하기 </a:t>
-            </a:r>
-            <a:r>
+              <a:rPr lang="en" altLang="ko-KR" sz="1100" b="1" dirty="0">
+                <a:effectLst/>
+                <a:latin typeface="Helvetica Neue" panose="02000503000000020004" pitchFamily="2" charset="0"/>
+              </a:rPr>
+              <a:t>lazy</a:t>
+            </a:r>
+            <a:r>
+              <a:rPr lang="en" altLang="ko-KR" sz="1100" dirty="0">
+                <a:effectLst/>
+                <a:latin typeface="Helvetica Neue" panose="02000503000000020004" pitchFamily="2" charset="0"/>
+              </a:rPr>
+              <a:t> </a:t>
+            </a:r>
+            <a:r>
+              <a:rPr lang="en" altLang="ko-KR" sz="1100" b="1" dirty="0">
+                <a:effectLst/>
+                <a:latin typeface="Helvetica Neue" panose="02000503000000020004" pitchFamily="2" charset="0"/>
+              </a:rPr>
+              <a:t>var</a:t>
+            </a:r>
+            <a:r>
+              <a:rPr lang="en" altLang="ko-KR" sz="1100" dirty="0">
+                <a:effectLst/>
+                <a:latin typeface="Helvetica Neue" panose="02000503000000020004" pitchFamily="2" charset="0"/>
+              </a:rPr>
+              <a:t> </a:t>
+            </a:r>
+            <a:r>
+              <a:rPr lang="en" altLang="ko-KR" sz="1100" dirty="0" err="1">
+                <a:effectLst/>
+                <a:latin typeface="Helvetica Neue" panose="02000503000000020004" pitchFamily="2" charset="0"/>
+              </a:rPr>
+              <a:t>persistentContainer</a:t>
+            </a:r>
+            <a:r>
+              <a:rPr lang="en" altLang="ko-KR" sz="1100" dirty="0">
+                <a:effectLst/>
+                <a:latin typeface="Helvetica Neue" panose="02000503000000020004" pitchFamily="2" charset="0"/>
+              </a:rPr>
+              <a:t>: </a:t>
+            </a:r>
+            <a:r>
+              <a:rPr lang="en" altLang="ko-KR" sz="1100" dirty="0" err="1">
+                <a:effectLst/>
+                <a:latin typeface="Helvetica Neue" panose="02000503000000020004" pitchFamily="2" charset="0"/>
+              </a:rPr>
+              <a:t>NSPersistentContainer</a:t>
+            </a:r>
+            <a:r>
+              <a:rPr lang="en" altLang="ko-KR" sz="1100" dirty="0">
+                <a:effectLst/>
+                <a:latin typeface="Helvetica Neue" panose="02000503000000020004" pitchFamily="2" charset="0"/>
+              </a:rPr>
+              <a:t> = {</a:t>
+            </a:r>
+          </a:p>
+          <a:p>
+            <a:r>
+              <a:rPr lang="en" altLang="ko-KR" sz="1100" dirty="0">
+                <a:effectLst/>
+                <a:latin typeface="Helvetica Neue" panose="02000503000000020004" pitchFamily="2" charset="0"/>
+              </a:rPr>
+              <a:t>        /*</a:t>
+            </a:r>
+          </a:p>
+          <a:p>
+            <a:r>
+              <a:rPr lang="en" altLang="ko-KR" sz="1100" dirty="0">
+                <a:effectLst/>
+                <a:latin typeface="Helvetica Neue" panose="02000503000000020004" pitchFamily="2" charset="0"/>
+              </a:rPr>
+              <a:t>         The persistent container for the application. This implementation</a:t>
+            </a:r>
+          </a:p>
+          <a:p>
+            <a:r>
+              <a:rPr lang="en" altLang="ko-KR" sz="1100" dirty="0">
+                <a:effectLst/>
+                <a:latin typeface="Helvetica Neue" panose="02000503000000020004" pitchFamily="2" charset="0"/>
+              </a:rPr>
+              <a:t>         creates and returns a container, having loaded the store for the</a:t>
+            </a:r>
+          </a:p>
+          <a:p>
+            <a:r>
+              <a:rPr lang="en" altLang="ko-KR" sz="1100" dirty="0">
+                <a:effectLst/>
+                <a:latin typeface="Helvetica Neue" panose="02000503000000020004" pitchFamily="2" charset="0"/>
+              </a:rPr>
+              <a:t>         application to it. This property is optional since there are legitimate</a:t>
+            </a:r>
+          </a:p>
+          <a:p>
+            <a:r>
+              <a:rPr lang="en" altLang="ko-KR" sz="1100" dirty="0">
+                <a:effectLst/>
+                <a:latin typeface="Helvetica Neue" panose="02000503000000020004" pitchFamily="2" charset="0"/>
+              </a:rPr>
+              <a:t>         error conditions that could cause the creation of the store to fail.</a:t>
+            </a:r>
+          </a:p>
+          <a:p>
+            <a:r>
+              <a:rPr lang="en" altLang="ko-KR" sz="1100" dirty="0">
+                <a:effectLst/>
+                <a:latin typeface="Helvetica Neue" panose="02000503000000020004" pitchFamily="2" charset="0"/>
+              </a:rPr>
+              <a:t>        */</a:t>
+            </a:r>
+          </a:p>
+          <a:p>
+            <a:r>
+              <a:rPr lang="en" altLang="ko-KR" sz="1100" dirty="0">
+                <a:effectLst/>
+                <a:latin typeface="Helvetica Neue" panose="02000503000000020004" pitchFamily="2" charset="0"/>
+              </a:rPr>
+              <a:t>        </a:t>
+            </a:r>
+            <a:r>
+              <a:rPr lang="en" altLang="ko-KR" sz="1100" b="1" dirty="0">
+                <a:effectLst/>
+                <a:latin typeface="Helvetica Neue" panose="02000503000000020004" pitchFamily="2" charset="0"/>
+              </a:rPr>
+              <a:t>let</a:t>
+            </a:r>
+            <a:r>
+              <a:rPr lang="en" altLang="ko-KR" sz="1100" dirty="0">
+                <a:effectLst/>
+                <a:latin typeface="Helvetica Neue" panose="02000503000000020004" pitchFamily="2" charset="0"/>
+              </a:rPr>
+              <a:t> container = </a:t>
+            </a:r>
+            <a:r>
+              <a:rPr lang="en" altLang="ko-KR" sz="1100" dirty="0" err="1">
+                <a:effectLst/>
+                <a:latin typeface="Helvetica Neue" panose="02000503000000020004" pitchFamily="2" charset="0"/>
+              </a:rPr>
+              <a:t>NSPersistentContainer</a:t>
+            </a:r>
+            <a:r>
+              <a:rPr lang="en" altLang="ko-KR" sz="1100" dirty="0">
+                <a:effectLst/>
+                <a:latin typeface="Helvetica Neue" panose="02000503000000020004" pitchFamily="2" charset="0"/>
+              </a:rPr>
+              <a:t>(name: "</a:t>
+            </a:r>
+            <a:r>
+              <a:rPr lang="en" altLang="ko-KR" sz="1100" dirty="0" err="1">
+                <a:effectLst/>
+                <a:latin typeface="Helvetica Neue" panose="02000503000000020004" pitchFamily="2" charset="0"/>
+              </a:rPr>
+              <a:t>CoreDataTest</a:t>
+            </a:r>
+            <a:r>
+              <a:rPr lang="en" altLang="ko-KR" sz="1100" dirty="0">
+                <a:effectLst/>
+                <a:latin typeface="Helvetica Neue" panose="02000503000000020004" pitchFamily="2" charset="0"/>
+              </a:rPr>
+              <a:t>")</a:t>
+            </a:r>
+          </a:p>
+          <a:p>
+            <a:r>
+              <a:rPr lang="en" altLang="ko-KR" sz="1100" dirty="0">
+                <a:effectLst/>
+                <a:latin typeface="Helvetica Neue" panose="02000503000000020004" pitchFamily="2" charset="0"/>
+              </a:rPr>
+              <a:t>        </a:t>
+            </a:r>
+            <a:r>
+              <a:rPr lang="en" altLang="ko-KR" sz="1100" dirty="0" err="1">
+                <a:effectLst/>
+                <a:latin typeface="Helvetica Neue" panose="02000503000000020004" pitchFamily="2" charset="0"/>
+              </a:rPr>
+              <a:t>container.loadPersistentStores</a:t>
+            </a:r>
+            <a:r>
+              <a:rPr lang="en" altLang="ko-KR" sz="1100" dirty="0">
+                <a:effectLst/>
+                <a:latin typeface="Helvetica Neue" panose="02000503000000020004" pitchFamily="2" charset="0"/>
+              </a:rPr>
+              <a:t>(</a:t>
+            </a:r>
+            <a:r>
+              <a:rPr lang="en" altLang="ko-KR" sz="1100" dirty="0" err="1">
+                <a:effectLst/>
+                <a:latin typeface="Helvetica Neue" panose="02000503000000020004" pitchFamily="2" charset="0"/>
+              </a:rPr>
+              <a:t>completionHandler</a:t>
+            </a:r>
+            <a:r>
+              <a:rPr lang="en" altLang="ko-KR" sz="1100" dirty="0">
+                <a:effectLst/>
+                <a:latin typeface="Helvetica Neue" panose="02000503000000020004" pitchFamily="2" charset="0"/>
+              </a:rPr>
+              <a:t>: { (</a:t>
+            </a:r>
+            <a:r>
+              <a:rPr lang="en" altLang="ko-KR" sz="1100" dirty="0" err="1">
+                <a:effectLst/>
+                <a:latin typeface="Helvetica Neue" panose="02000503000000020004" pitchFamily="2" charset="0"/>
+              </a:rPr>
+              <a:t>storeDescription</a:t>
+            </a:r>
+            <a:r>
+              <a:rPr lang="en" altLang="ko-KR" sz="1100" dirty="0">
+                <a:effectLst/>
+                <a:latin typeface="Helvetica Neue" panose="02000503000000020004" pitchFamily="2" charset="0"/>
+              </a:rPr>
+              <a:t>, error) </a:t>
+            </a:r>
+            <a:r>
+              <a:rPr lang="en" altLang="ko-KR" sz="1100" b="1" dirty="0">
+                <a:effectLst/>
+                <a:latin typeface="Helvetica Neue" panose="02000503000000020004" pitchFamily="2" charset="0"/>
+              </a:rPr>
+              <a:t>in</a:t>
+            </a:r>
+            <a:endParaRPr lang="en" altLang="ko-KR" sz="1100" dirty="0">
+              <a:effectLst/>
+              <a:latin typeface="Helvetica Neue" panose="02000503000000020004" pitchFamily="2" charset="0"/>
+            </a:endParaRPr>
+          </a:p>
+          <a:p>
+            <a:r>
+              <a:rPr lang="en" altLang="ko-KR" sz="1100" dirty="0">
+                <a:effectLst/>
+                <a:latin typeface="Helvetica Neue" panose="02000503000000020004" pitchFamily="2" charset="0"/>
+              </a:rPr>
+              <a:t>            </a:t>
+            </a:r>
+            <a:r>
+              <a:rPr lang="en" altLang="ko-KR" sz="1100" b="1" dirty="0">
+                <a:effectLst/>
+                <a:latin typeface="Helvetica Neue" panose="02000503000000020004" pitchFamily="2" charset="0"/>
+              </a:rPr>
+              <a:t>if</a:t>
+            </a:r>
+            <a:r>
+              <a:rPr lang="en" altLang="ko-KR" sz="1100" dirty="0">
+                <a:effectLst/>
+                <a:latin typeface="Helvetica Neue" panose="02000503000000020004" pitchFamily="2" charset="0"/>
+              </a:rPr>
+              <a:t> </a:t>
+            </a:r>
+            <a:r>
+              <a:rPr lang="en" altLang="ko-KR" sz="1100" b="1" dirty="0">
+                <a:effectLst/>
+                <a:latin typeface="Helvetica Neue" panose="02000503000000020004" pitchFamily="2" charset="0"/>
+              </a:rPr>
+              <a:t>let</a:t>
+            </a:r>
+            <a:r>
+              <a:rPr lang="en" altLang="ko-KR" sz="1100" dirty="0">
+                <a:effectLst/>
+                <a:latin typeface="Helvetica Neue" panose="02000503000000020004" pitchFamily="2" charset="0"/>
+              </a:rPr>
+              <a:t> error = error </a:t>
+            </a:r>
+            <a:r>
+              <a:rPr lang="en" altLang="ko-KR" sz="1100" b="1" dirty="0">
+                <a:effectLst/>
+                <a:latin typeface="Helvetica Neue" panose="02000503000000020004" pitchFamily="2" charset="0"/>
+              </a:rPr>
+              <a:t>as</a:t>
+            </a:r>
+            <a:r>
+              <a:rPr lang="en" altLang="ko-KR" sz="1100" dirty="0">
+                <a:effectLst/>
+                <a:latin typeface="Helvetica Neue" panose="02000503000000020004" pitchFamily="2" charset="0"/>
+              </a:rPr>
+              <a:t> </a:t>
+            </a:r>
+            <a:r>
+              <a:rPr lang="en" altLang="ko-KR" sz="1100" dirty="0" err="1">
+                <a:effectLst/>
+                <a:latin typeface="Helvetica Neue" panose="02000503000000020004" pitchFamily="2" charset="0"/>
+              </a:rPr>
+              <a:t>NSError</a:t>
+            </a:r>
+            <a:r>
+              <a:rPr lang="en" altLang="ko-KR" sz="1100" dirty="0">
+                <a:effectLst/>
+                <a:latin typeface="Helvetica Neue" panose="02000503000000020004" pitchFamily="2" charset="0"/>
+              </a:rPr>
+              <a:t>? {</a:t>
+            </a:r>
+          </a:p>
+          <a:p>
+            <a:r>
+              <a:rPr lang="en" altLang="ko-KR" sz="1100" dirty="0">
+                <a:effectLst/>
+                <a:latin typeface="Helvetica Neue" panose="02000503000000020004" pitchFamily="2" charset="0"/>
+              </a:rPr>
+              <a:t>                // Replace this implementation with code to handle the error appropriately.</a:t>
+            </a:r>
+          </a:p>
+          <a:p>
+            <a:r>
+              <a:rPr lang="en" altLang="ko-KR" sz="1100" dirty="0">
+                <a:effectLst/>
+                <a:latin typeface="Helvetica Neue" panose="02000503000000020004" pitchFamily="2" charset="0"/>
+              </a:rPr>
+              <a:t>                // </a:t>
+            </a:r>
+            <a:r>
+              <a:rPr lang="en" altLang="ko-KR" sz="1100" dirty="0" err="1">
+                <a:effectLst/>
+                <a:latin typeface="Helvetica Neue" panose="02000503000000020004" pitchFamily="2" charset="0"/>
+              </a:rPr>
+              <a:t>fatalError</a:t>
+            </a:r>
+            <a:r>
+              <a:rPr lang="en" altLang="ko-KR" sz="1100" dirty="0">
+                <a:effectLst/>
+                <a:latin typeface="Helvetica Neue" panose="02000503000000020004" pitchFamily="2" charset="0"/>
+              </a:rPr>
+              <a:t>() causes the application to generate a crash log and terminate. You should not use this function in a shipping application, although it may be useful during development.</a:t>
+            </a:r>
+          </a:p>
+          <a:p>
+            <a:r>
+              <a:rPr lang="en" altLang="ko-KR" sz="1100" dirty="0">
+                <a:effectLst/>
+                <a:latin typeface="Helvetica Neue" panose="02000503000000020004" pitchFamily="2" charset="0"/>
+              </a:rPr>
+              <a:t>                 </a:t>
+            </a:r>
+          </a:p>
+          <a:p>
+            <a:r>
+              <a:rPr lang="en" altLang="ko-KR" sz="1100" dirty="0">
+                <a:effectLst/>
+                <a:latin typeface="Helvetica Neue" panose="02000503000000020004" pitchFamily="2" charset="0"/>
+              </a:rPr>
+              <a:t>                /*</a:t>
+            </a:r>
+          </a:p>
+          <a:p>
+            <a:r>
+              <a:rPr lang="en" altLang="ko-KR" sz="1100" dirty="0">
+                <a:effectLst/>
+                <a:latin typeface="Helvetica Neue" panose="02000503000000020004" pitchFamily="2" charset="0"/>
+              </a:rPr>
+              <a:t>                 Typical reasons for an error here include:</a:t>
+            </a:r>
+          </a:p>
+          <a:p>
+            <a:r>
+              <a:rPr lang="en" altLang="ko-KR" sz="1100" dirty="0">
+                <a:effectLst/>
+                <a:latin typeface="Helvetica Neue" panose="02000503000000020004" pitchFamily="2" charset="0"/>
+              </a:rPr>
+              <a:t>                 * The parent directory does not exist, cannot be created, or disallows writing.</a:t>
+            </a:r>
+          </a:p>
+          <a:p>
+            <a:r>
+              <a:rPr lang="en" altLang="ko-KR" sz="1100" dirty="0">
+                <a:effectLst/>
+                <a:latin typeface="Helvetica Neue" panose="02000503000000020004" pitchFamily="2" charset="0"/>
+              </a:rPr>
+              <a:t>                 * The persistent store is not accessible, due to permissions or data protection when the device is locked.</a:t>
+            </a:r>
+          </a:p>
+          <a:p>
+            <a:r>
+              <a:rPr lang="en" altLang="ko-KR" sz="1100" dirty="0">
+                <a:effectLst/>
+                <a:latin typeface="Helvetica Neue" panose="02000503000000020004" pitchFamily="2" charset="0"/>
+              </a:rPr>
+              <a:t>                 * The device is out of space.</a:t>
+            </a:r>
+          </a:p>
+          <a:p>
+            <a:r>
+              <a:rPr lang="en" altLang="ko-KR" sz="1100" dirty="0">
+                <a:effectLst/>
+                <a:latin typeface="Helvetica Neue" panose="02000503000000020004" pitchFamily="2" charset="0"/>
+              </a:rPr>
+              <a:t>                 * The store could not be migrated to the current model version.</a:t>
+            </a:r>
+          </a:p>
+          <a:p>
+            <a:r>
+              <a:rPr lang="en" altLang="ko-KR" sz="1100" dirty="0">
+                <a:effectLst/>
+                <a:latin typeface="Helvetica Neue" panose="02000503000000020004" pitchFamily="2" charset="0"/>
+              </a:rPr>
+              <a:t>                 Check the error message to determine what the actual problem was.</a:t>
+            </a:r>
+          </a:p>
+          <a:p>
+            <a:r>
+              <a:rPr lang="en" altLang="ko-KR" sz="1100" dirty="0">
+                <a:effectLst/>
+                <a:latin typeface="Helvetica Neue" panose="02000503000000020004" pitchFamily="2" charset="0"/>
+              </a:rPr>
+              <a:t>                 */</a:t>
+            </a:r>
+          </a:p>
+          <a:p>
+            <a:r>
+              <a:rPr lang="en" altLang="ko-KR" sz="1100" dirty="0">
+                <a:effectLst/>
+                <a:latin typeface="Helvetica Neue" panose="02000503000000020004" pitchFamily="2" charset="0"/>
+              </a:rPr>
+              <a:t>                </a:t>
+            </a:r>
+            <a:r>
+              <a:rPr lang="en" altLang="ko-KR" sz="1100" dirty="0" err="1">
+                <a:effectLst/>
+                <a:latin typeface="Helvetica Neue" panose="02000503000000020004" pitchFamily="2" charset="0"/>
+              </a:rPr>
+              <a:t>fatalError</a:t>
+            </a:r>
+            <a:r>
+              <a:rPr lang="en" altLang="ko-KR" sz="1100" dirty="0">
+                <a:effectLst/>
+                <a:latin typeface="Helvetica Neue" panose="02000503000000020004" pitchFamily="2" charset="0"/>
+              </a:rPr>
+              <a:t>("Unresolved error \(error), \(</a:t>
+            </a:r>
+            <a:r>
+              <a:rPr lang="en" altLang="ko-KR" sz="1100" dirty="0" err="1">
+                <a:effectLst/>
+                <a:latin typeface="Helvetica Neue" panose="02000503000000020004" pitchFamily="2" charset="0"/>
+              </a:rPr>
+              <a:t>error.userInfo</a:t>
+            </a:r>
+            <a:r>
+              <a:rPr lang="en" altLang="ko-KR" sz="1100" dirty="0">
+                <a:effectLst/>
+                <a:latin typeface="Helvetica Neue" panose="02000503000000020004" pitchFamily="2" charset="0"/>
+              </a:rPr>
+              <a:t>)")</a:t>
+            </a:r>
+          </a:p>
+          <a:p>
+            <a:r>
+              <a:rPr lang="en" altLang="ko-KR" sz="1100" dirty="0">
+                <a:effectLst/>
+                <a:latin typeface="Helvetica Neue" panose="02000503000000020004" pitchFamily="2" charset="0"/>
+              </a:rPr>
+              <a:t>            }</a:t>
+            </a:r>
+          </a:p>
+          <a:p>
+            <a:r>
+              <a:rPr lang="en" altLang="ko-KR" sz="1100" dirty="0">
+                <a:effectLst/>
+                <a:latin typeface="Helvetica Neue" panose="02000503000000020004" pitchFamily="2" charset="0"/>
+              </a:rPr>
+              <a:t>        })</a:t>
+            </a:r>
+          </a:p>
+          <a:p>
+            <a:r>
+              <a:rPr lang="en" altLang="ko-KR" sz="1100" dirty="0">
+                <a:effectLst/>
+                <a:latin typeface="Helvetica Neue" panose="02000503000000020004" pitchFamily="2" charset="0"/>
+              </a:rPr>
+              <a:t>        </a:t>
+            </a:r>
+            <a:r>
+              <a:rPr lang="en" altLang="ko-KR" sz="1100" b="1" dirty="0">
+                <a:effectLst/>
+                <a:latin typeface="Helvetica Neue" panose="02000503000000020004" pitchFamily="2" charset="0"/>
+              </a:rPr>
+              <a:t>return</a:t>
+            </a:r>
+            <a:r>
+              <a:rPr lang="en" altLang="ko-KR" sz="1100" dirty="0">
+                <a:effectLst/>
+                <a:latin typeface="Helvetica Neue" panose="02000503000000020004" pitchFamily="2" charset="0"/>
+              </a:rPr>
+              <a:t> container</a:t>
+            </a:r>
+          </a:p>
+          <a:p>
+            <a:r>
+              <a:rPr lang="en" altLang="ko-KR" sz="1100" dirty="0">
+                <a:effectLst/>
+                <a:latin typeface="Helvetica Neue" panose="02000503000000020004" pitchFamily="2" charset="0"/>
+              </a:rPr>
+              <a:t>    }()</a:t>
+            </a:r>
+          </a:p>
+          <a:p>
+            <a:endParaRPr kumimoji="1" lang="ko-KR" altLang="en-US" sz="1100" dirty="0"/>
+          </a:p>
+        </p:txBody>
+      </p:sp>
+      <p:sp>
+        <p:nvSpPr>
+          <p:cNvPr id="4" name="TextBox 3">
+            <a:extLst>
+              <a:ext uri="{FF2B5EF4-FFF2-40B4-BE49-F238E27FC236}">
+                <a16:creationId xmlns:a16="http://schemas.microsoft.com/office/drawing/2014/main" id="{8C8CA208-14FA-21E1-FAE1-E55A17420194}"/>
+              </a:ext>
+            </a:extLst>
+          </p:cNvPr>
+          <p:cNvSpPr txBox="1"/>
+          <p:nvPr/>
+        </p:nvSpPr>
+        <p:spPr>
+          <a:xfrm>
+            <a:off x="199692" y="1399120"/>
+            <a:ext cx="2077172" cy="369332"/>
+          </a:xfrm>
+          <a:prstGeom prst="rect">
+            <a:avLst/>
+          </a:prstGeom>
+          <a:noFill/>
+        </p:spPr>
+        <p:txBody>
+          <a:bodyPr wrap="none" rtlCol="0">
+            <a:spAutoFit/>
+          </a:bodyPr>
+          <a:lstStyle/>
+          <a:p>
+            <a:r>
+              <a:rPr kumimoji="1" lang="en-US" altLang="ko-KR" dirty="0" err="1"/>
+              <a:t>AppDelegate.swift</a:t>
+            </a:r>
+            <a:endParaRPr kumimoji="1" lang="ko-KR" altLang="en-US" dirty="0"/>
+          </a:p>
+        </p:txBody>
+      </p:sp>
+      <p:sp>
+        <p:nvSpPr>
+          <p:cNvPr id="5" name="직사각형 4">
+            <a:extLst>
+              <a:ext uri="{FF2B5EF4-FFF2-40B4-BE49-F238E27FC236}">
+                <a16:creationId xmlns:a16="http://schemas.microsoft.com/office/drawing/2014/main" id="{54377537-C692-C20B-3F91-438EBEF6B87B}"/>
+              </a:ext>
+            </a:extLst>
+          </p:cNvPr>
+          <p:cNvSpPr/>
+          <p:nvPr/>
+        </p:nvSpPr>
+        <p:spPr>
+          <a:xfrm>
+            <a:off x="5441690" y="4946623"/>
+            <a:ext cx="6645207" cy="1791571"/>
+          </a:xfrm>
+          <a:prstGeom prst="rect">
+            <a:avLst/>
+          </a:prstGeom>
+          <a:noFill/>
+          <a:ln>
+            <a:solidFill>
+              <a:srgbClr val="00B050"/>
+            </a:solidFill>
+          </a:ln>
+        </p:spPr>
+        <p:style>
+          <a:lnRef idx="3">
+            <a:schemeClr val="lt1"/>
+          </a:lnRef>
+          <a:fillRef idx="1">
+            <a:schemeClr val="accent1"/>
+          </a:fillRef>
+          <a:effectRef idx="1">
+            <a:schemeClr val="accent1"/>
+          </a:effectRef>
+          <a:fontRef idx="minor">
+            <a:schemeClr val="lt1"/>
+          </a:fontRef>
+        </p:style>
+        <p:txBody>
+          <a:bodyPr rtlCol="0" anchor="t"/>
+          <a:lstStyle/>
+          <a:p>
+            <a:r>
+              <a:rPr kumimoji="1" lang="en-US" altLang="ko-KR" sz="1400" dirty="0" err="1">
+                <a:solidFill>
+                  <a:sysClr val="windowText" lastClr="000000"/>
+                </a:solidFill>
+              </a:rPr>
+              <a:t>NSPersistentContainer</a:t>
+            </a:r>
+            <a:br>
               <a:rPr kumimoji="1" lang="en-US" altLang="ko-KR" sz="1400" dirty="0">
-                <a:sym typeface="Wingdings" pitchFamily="2" charset="2"/>
-              </a:rPr>
-              <a:t></a:t>
+                <a:solidFill>
+                  <a:sysClr val="windowText" lastClr="000000"/>
+                </a:solidFill>
+              </a:rPr>
+            </a:br>
+            <a:r>
+              <a:rPr kumimoji="1" lang="en-US" altLang="ko-KR" sz="1400" dirty="0">
+                <a:solidFill>
+                  <a:sysClr val="windowText" lastClr="000000"/>
+                </a:solidFill>
+                <a:sym typeface="Wingdings" pitchFamily="2" charset="2"/>
+              </a:rPr>
+              <a:t> </a:t>
+            </a:r>
+            <a:r>
+              <a:rPr kumimoji="1" lang="en-US" altLang="ko-KR" sz="1400" dirty="0" err="1">
+                <a:solidFill>
+                  <a:sysClr val="windowText" lastClr="000000"/>
+                </a:solidFill>
+                <a:sym typeface="Wingdings" pitchFamily="2" charset="2"/>
+              </a:rPr>
+              <a:t>CoreData</a:t>
             </a:r>
             <a:r>
               <a:rPr kumimoji="1" lang="ko-KR" altLang="en-US" sz="1400" dirty="0">
-                <a:sym typeface="Wingdings" pitchFamily="2" charset="2"/>
-              </a:rPr>
-              <a:t> 데이터베이스와 상호작용하기 위한 모든 구성요소 포함</a:t>
+                <a:solidFill>
+                  <a:sysClr val="windowText" lastClr="000000"/>
+                </a:solidFill>
+                <a:sym typeface="Wingdings" pitchFamily="2" charset="2"/>
+              </a:rPr>
+              <a:t> 스택을 캡슐화해서 관리하는 컨테이너</a:t>
             </a:r>
             <a:endParaRPr kumimoji="1" lang="en-US" altLang="ko-KR" sz="1400" dirty="0">
+              <a:solidFill>
+                <a:sysClr val="windowText" lastClr="000000"/>
+              </a:solidFill>
               <a:sym typeface="Wingdings" pitchFamily="2" charset="2"/>
             </a:endParaRPr>
           </a:p>
           <a:p>
-            <a:r>
+            <a:endParaRPr kumimoji="1" lang="en-US" altLang="ko-KR" sz="1400" dirty="0">
+              <a:solidFill>
+                <a:sysClr val="windowText" lastClr="000000"/>
+              </a:solidFill>
+              <a:sym typeface="Wingdings" pitchFamily="2" charset="2"/>
+            </a:endParaRPr>
+          </a:p>
+          <a:p>
+            <a:r>
+              <a:rPr kumimoji="1" lang="en-US" altLang="ko-KR" sz="1400" dirty="0" err="1">
+                <a:solidFill>
+                  <a:sysClr val="windowText" lastClr="000000"/>
+                </a:solidFill>
+                <a:sym typeface="Wingdings" pitchFamily="2" charset="2"/>
+              </a:rPr>
+              <a:t>loadPersistentStores</a:t>
+            </a:r>
+            <a:br>
               <a:rPr kumimoji="1" lang="en-US" altLang="ko-KR" sz="1400" dirty="0">
+                <a:solidFill>
+                  <a:sysClr val="windowText" lastClr="000000"/>
+                </a:solidFill>
+                <a:sym typeface="Wingdings" pitchFamily="2" charset="2"/>
+              </a:rPr>
+            </a:br>
+            <a:r>
+              <a:rPr kumimoji="1" lang="en-US" altLang="ko-KR" sz="1400" dirty="0">
+                <a:solidFill>
+                  <a:sysClr val="windowText" lastClr="000000"/>
+                </a:solidFill>
+                <a:sym typeface="Wingdings" pitchFamily="2" charset="2"/>
+              </a:rPr>
+              <a:t> persistent stores </a:t>
+            </a:r>
+            <a:r>
+              <a:rPr kumimoji="1" lang="ko-KR" altLang="en-US" sz="1400" dirty="0">
+                <a:solidFill>
+                  <a:sysClr val="windowText" lastClr="000000"/>
+                </a:solidFill>
+                <a:sym typeface="Wingdings" pitchFamily="2" charset="2"/>
+              </a:rPr>
+              <a:t>호출 완료 후에 해당 스레드를 </a:t>
+            </a:r>
+            <a:r>
+              <a:rPr kumimoji="1" lang="ko-KR" altLang="en-US" sz="1400" dirty="0" err="1">
+                <a:solidFill>
+                  <a:sysClr val="windowText" lastClr="000000"/>
+                </a:solidFill>
+                <a:sym typeface="Wingdings" pitchFamily="2" charset="2"/>
+              </a:rPr>
+              <a:t>블록한</a:t>
+            </a:r>
+            <a:r>
+              <a:rPr kumimoji="1" lang="ko-KR" altLang="en-US" sz="1400" dirty="0">
+                <a:solidFill>
+                  <a:sysClr val="windowText" lastClr="000000"/>
+                </a:solidFill>
+                <a:sym typeface="Wingdings" pitchFamily="2" charset="2"/>
+              </a:rPr>
+              <a:t> 채 </a:t>
+            </a:r>
+            <a:r>
+              <a:rPr kumimoji="1" lang="ko-KR" altLang="en-US" sz="1400" dirty="0" err="1">
+                <a:solidFill>
+                  <a:sysClr val="windowText" lastClr="000000"/>
+                </a:solidFill>
+                <a:sym typeface="Wingdings" pitchFamily="2" charset="2"/>
+              </a:rPr>
+              <a:t>핸들러</a:t>
+            </a:r>
+            <a:r>
+              <a:rPr kumimoji="1" lang="ko-KR" altLang="en-US" sz="1400" dirty="0">
+                <a:solidFill>
+                  <a:sysClr val="windowText" lastClr="000000"/>
+                </a:solidFill>
+                <a:sym typeface="Wingdings" pitchFamily="2" charset="2"/>
+              </a:rPr>
+              <a:t> 수행</a:t>
+            </a:r>
+            <a:br>
+              <a:rPr kumimoji="1" lang="en-US" altLang="ko-KR" sz="1400" dirty="0">
+                <a:solidFill>
+                  <a:sysClr val="windowText" lastClr="000000"/>
+                </a:solidFill>
+                <a:sym typeface="Wingdings" pitchFamily="2" charset="2"/>
+              </a:rPr>
+            </a:br>
+            <a:r>
+              <a:rPr kumimoji="1" lang="en-US" altLang="ko-KR" sz="1400" dirty="0">
+                <a:solidFill>
+                  <a:sysClr val="windowText" lastClr="000000"/>
+                </a:solidFill>
                 <a:sym typeface="Wingdings" pitchFamily="2" charset="2"/>
               </a:rPr>
               <a:t></a:t>
             </a:r>
             <a:r>
               <a:rPr kumimoji="1" lang="ko-KR" altLang="en-US" sz="1400" dirty="0">
+                <a:solidFill>
+                  <a:sysClr val="windowText" lastClr="000000"/>
+                </a:solidFill>
+                <a:sym typeface="Wingdings" pitchFamily="2" charset="2"/>
+              </a:rPr>
+              <a:t> 실제 데이터를 저장하는 공간 </a:t>
+            </a:r>
+            <a:r>
+              <a:rPr kumimoji="1" lang="en-US" altLang="ko-KR" sz="1400" dirty="0">
+                <a:solidFill>
+                  <a:sysClr val="windowText" lastClr="000000"/>
+                </a:solidFill>
+                <a:sym typeface="Wingdings" pitchFamily="2" charset="2"/>
+              </a:rPr>
+              <a:t>&gt;</a:t>
+            </a:r>
+            <a:r>
+              <a:rPr kumimoji="1" lang="ko-KR" altLang="en-US" sz="1400" dirty="0">
+                <a:solidFill>
+                  <a:sysClr val="windowText" lastClr="000000"/>
+                </a:solidFill>
                 <a:sym typeface="Wingdings" pitchFamily="2" charset="2"/>
               </a:rPr>
               <a:t> </a:t>
             </a:r>
             <a:r>
-              <a:rPr kumimoji="1" lang="en-US" altLang="ko-KR" sz="1400" dirty="0" err="1">
-                <a:sym typeface="Wingdings" pitchFamily="2" charset="2"/>
-              </a:rPr>
-              <a:t>AppDelegate</a:t>
+              <a:rPr kumimoji="1" lang="en-US" altLang="ko-KR" sz="1400" dirty="0">
+                <a:solidFill>
+                  <a:sysClr val="windowText" lastClr="000000"/>
+                </a:solidFill>
+                <a:sym typeface="Wingdings" pitchFamily="2" charset="2"/>
+              </a:rPr>
+              <a:t>Load</a:t>
             </a:r>
             <a:r>
               <a:rPr kumimoji="1" lang="ko-KR" altLang="en-US" sz="1400" dirty="0">
-                <a:sym typeface="Wingdings" pitchFamily="2" charset="2"/>
-              </a:rPr>
-              <a:t> 또는 별도의 </a:t>
-            </a:r>
-            <a:r>
-              <a:rPr kumimoji="1" lang="en-US" altLang="ko-KR" sz="1400" dirty="0">
-                <a:sym typeface="Wingdings" pitchFamily="2" charset="2"/>
-              </a:rPr>
-              <a:t>Core Data </a:t>
-            </a:r>
-            <a:r>
-              <a:rPr kumimoji="1" lang="ko-KR" altLang="en-US" sz="1400" dirty="0">
-                <a:sym typeface="Wingdings" pitchFamily="2" charset="2"/>
-              </a:rPr>
-              <a:t>관리 클래스에서 </a:t>
-            </a:r>
-            <a:r>
-              <a:rPr kumimoji="1" lang="en-US" altLang="ko-KR" sz="1400" dirty="0">
-                <a:sym typeface="Wingdings" pitchFamily="2" charset="2"/>
-              </a:rPr>
-              <a:t>Core Data </a:t>
-            </a:r>
-            <a:r>
-              <a:rPr kumimoji="1" lang="ko-KR" altLang="en-US" sz="1400" dirty="0">
-                <a:sym typeface="Wingdings" pitchFamily="2" charset="2"/>
-              </a:rPr>
-              <a:t>스택을 설정합니다</a:t>
-            </a:r>
-            <a:r>
-              <a:rPr kumimoji="1" lang="en-US" altLang="ko-KR" sz="1400" dirty="0">
-                <a:sym typeface="Wingdings" pitchFamily="2" charset="2"/>
-              </a:rPr>
-              <a:t>.</a:t>
-            </a:r>
-            <a:endParaRPr kumimoji="1" lang="ko-KR" altLang="en-US" sz="1400" dirty="0"/>
+                <a:solidFill>
+                  <a:sysClr val="windowText" lastClr="000000"/>
+                </a:solidFill>
+                <a:sym typeface="Wingdings" pitchFamily="2" charset="2"/>
+              </a:rPr>
+              <a:t> </a:t>
+            </a:r>
+            <a:endParaRPr kumimoji="1" lang="ko-KR" altLang="en-US" sz="1400" dirty="0">
+              <a:solidFill>
+                <a:sysClr val="windowText" lastClr="000000"/>
+              </a:solidFill>
+            </a:endParaRPr>
           </a:p>
         </p:txBody>
       </p:sp>
@@ -4222,6 +4839,3603 @@
     <p:extLst>
       <p:ext uri="{BB962C8B-B14F-4D97-AF65-F5344CB8AC3E}">
         <p14:creationId xmlns:p14="http://schemas.microsoft.com/office/powerpoint/2010/main" val="2430957141"/>
+      </p:ext>
+    </p:extLst>
+  </p:cSld>
+  <p:clrMapOvr>
+    <a:masterClrMapping/>
+  </p:clrMapOvr>
+</p:sld>
+</file>
+
+<file path=ppt/slides/slide11.xml><?xml version="1.0" encoding="utf-8"?>
+<p:sld xmlns:a="http://schemas.openxmlformats.org/drawingml/2006/main" xmlns:r="http://schemas.openxmlformats.org/officeDocument/2006/relationships" xmlns:p="http://schemas.openxmlformats.org/presentationml/2006/main">
+  <p:cSld>
+    <p:spTree>
+      <p:nvGrpSpPr>
+        <p:cNvPr id="1" name=""/>
+        <p:cNvGrpSpPr/>
+        <p:nvPr/>
+      </p:nvGrpSpPr>
+      <p:grpSpPr>
+        <a:xfrm>
+          <a:off x="0" y="0"/>
+          <a:ext cx="0" cy="0"/>
+          <a:chOff x="0" y="0"/>
+          <a:chExt cx="0" cy="0"/>
+        </a:xfrm>
+      </p:grpSpPr>
+      <p:sp>
+        <p:nvSpPr>
+          <p:cNvPr id="5" name="TextBox 4">
+            <a:extLst>
+              <a:ext uri="{FF2B5EF4-FFF2-40B4-BE49-F238E27FC236}">
+                <a16:creationId xmlns:a16="http://schemas.microsoft.com/office/drawing/2014/main" id="{2F17E136-0EDC-4EB6-C252-21DCE0AB9B04}"/>
+              </a:ext>
+            </a:extLst>
+          </p:cNvPr>
+          <p:cNvSpPr txBox="1"/>
+          <p:nvPr/>
+        </p:nvSpPr>
+        <p:spPr>
+          <a:xfrm>
+            <a:off x="94589" y="148389"/>
+            <a:ext cx="2077172" cy="369332"/>
+          </a:xfrm>
+          <a:prstGeom prst="rect">
+            <a:avLst/>
+          </a:prstGeom>
+          <a:noFill/>
+        </p:spPr>
+        <p:txBody>
+          <a:bodyPr wrap="none" rtlCol="0">
+            <a:spAutoFit/>
+          </a:bodyPr>
+          <a:lstStyle/>
+          <a:p>
+            <a:r>
+              <a:rPr kumimoji="1" lang="en-US" altLang="ko-KR" dirty="0" err="1"/>
+              <a:t>AppDelegate.swift</a:t>
+            </a:r>
+            <a:endParaRPr kumimoji="1" lang="ko-KR" altLang="en-US" dirty="0"/>
+          </a:p>
+        </p:txBody>
+      </p:sp>
+      <p:sp>
+        <p:nvSpPr>
+          <p:cNvPr id="6" name="TextBox 5">
+            <a:extLst>
+              <a:ext uri="{FF2B5EF4-FFF2-40B4-BE49-F238E27FC236}">
+                <a16:creationId xmlns:a16="http://schemas.microsoft.com/office/drawing/2014/main" id="{5F725F6F-528D-BB12-7766-F74A1FEB77D0}"/>
+              </a:ext>
+            </a:extLst>
+          </p:cNvPr>
+          <p:cNvSpPr txBox="1"/>
+          <p:nvPr/>
+        </p:nvSpPr>
+        <p:spPr>
+          <a:xfrm>
+            <a:off x="94589" y="735725"/>
+            <a:ext cx="13216503" cy="3046988"/>
+          </a:xfrm>
+          <a:prstGeom prst="rect">
+            <a:avLst/>
+          </a:prstGeom>
+          <a:noFill/>
+        </p:spPr>
+        <p:txBody>
+          <a:bodyPr wrap="none" rtlCol="0">
+            <a:spAutoFit/>
+          </a:bodyPr>
+          <a:lstStyle/>
+          <a:p>
+            <a:r>
+              <a:rPr lang="en" altLang="ko-KR" sz="1200" dirty="0">
+                <a:effectLst/>
+                <a:latin typeface="Helvetica Neue" panose="02000503000000020004" pitchFamily="2" charset="0"/>
+              </a:rPr>
+              <a:t> // </a:t>
+            </a:r>
+            <a:r>
+              <a:rPr lang="en" altLang="ko-KR" sz="1200" b="1" dirty="0">
+                <a:effectLst/>
+                <a:latin typeface="Helvetica Neue" panose="02000503000000020004" pitchFamily="2" charset="0"/>
+              </a:rPr>
+              <a:t>MARK: - Core Data Saving support</a:t>
+            </a:r>
+            <a:endParaRPr lang="en" altLang="ko-KR" sz="1200" dirty="0">
+              <a:effectLst/>
+              <a:latin typeface="Helvetica Neue" panose="02000503000000020004" pitchFamily="2" charset="0"/>
+            </a:endParaRPr>
+          </a:p>
+          <a:p>
+            <a:br>
+              <a:rPr lang="en" altLang="ko-KR" sz="1200" dirty="0">
+                <a:effectLst/>
+                <a:latin typeface="Helvetica Neue" panose="02000503000000020004" pitchFamily="2" charset="0"/>
+              </a:rPr>
+            </a:br>
+            <a:endParaRPr lang="en" altLang="ko-KR" sz="1200" dirty="0">
+              <a:effectLst/>
+              <a:latin typeface="Helvetica Neue" panose="02000503000000020004" pitchFamily="2" charset="0"/>
+            </a:endParaRPr>
+          </a:p>
+          <a:p>
+            <a:r>
+              <a:rPr lang="en" altLang="ko-KR" sz="1200" dirty="0">
+                <a:effectLst/>
+                <a:latin typeface="Helvetica Neue" panose="02000503000000020004" pitchFamily="2" charset="0"/>
+              </a:rPr>
+              <a:t>    </a:t>
+            </a:r>
+            <a:r>
+              <a:rPr lang="en" altLang="ko-KR" sz="1200" b="1" dirty="0" err="1">
+                <a:effectLst/>
+                <a:latin typeface="Helvetica Neue" panose="02000503000000020004" pitchFamily="2" charset="0"/>
+              </a:rPr>
+              <a:t>func</a:t>
+            </a:r>
+            <a:r>
+              <a:rPr lang="en" altLang="ko-KR" sz="1200" dirty="0">
+                <a:effectLst/>
+                <a:latin typeface="Helvetica Neue" panose="02000503000000020004" pitchFamily="2" charset="0"/>
+              </a:rPr>
+              <a:t> </a:t>
+            </a:r>
+            <a:r>
+              <a:rPr lang="en" altLang="ko-KR" sz="1200" dirty="0" err="1">
+                <a:effectLst/>
+                <a:latin typeface="Helvetica Neue" panose="02000503000000020004" pitchFamily="2" charset="0"/>
+              </a:rPr>
+              <a:t>saveContext</a:t>
+            </a:r>
+            <a:r>
+              <a:rPr lang="en" altLang="ko-KR" sz="1200" dirty="0">
+                <a:effectLst/>
+                <a:latin typeface="Helvetica Neue" panose="02000503000000020004" pitchFamily="2" charset="0"/>
+              </a:rPr>
+              <a:t> () {</a:t>
+            </a:r>
+          </a:p>
+          <a:p>
+            <a:r>
+              <a:rPr lang="en" altLang="ko-KR" sz="1200" dirty="0">
+                <a:effectLst/>
+                <a:latin typeface="Helvetica Neue" panose="02000503000000020004" pitchFamily="2" charset="0"/>
+              </a:rPr>
+              <a:t>        </a:t>
+            </a:r>
+            <a:r>
+              <a:rPr lang="en" altLang="ko-KR" sz="1200" b="1" dirty="0">
+                <a:effectLst/>
+                <a:latin typeface="Helvetica Neue" panose="02000503000000020004" pitchFamily="2" charset="0"/>
+              </a:rPr>
+              <a:t>let</a:t>
+            </a:r>
+            <a:r>
+              <a:rPr lang="en" altLang="ko-KR" sz="1200" dirty="0">
+                <a:effectLst/>
+                <a:latin typeface="Helvetica Neue" panose="02000503000000020004" pitchFamily="2" charset="0"/>
+              </a:rPr>
+              <a:t> context = </a:t>
+            </a:r>
+            <a:r>
+              <a:rPr lang="en" altLang="ko-KR" sz="1200" dirty="0" err="1">
+                <a:effectLst/>
+                <a:latin typeface="Helvetica Neue" panose="02000503000000020004" pitchFamily="2" charset="0"/>
+              </a:rPr>
+              <a:t>persistentContainer.viewContext</a:t>
+            </a:r>
+            <a:endParaRPr lang="en" altLang="ko-KR" sz="1200" dirty="0">
+              <a:effectLst/>
+              <a:latin typeface="Helvetica Neue" panose="02000503000000020004" pitchFamily="2" charset="0"/>
+            </a:endParaRPr>
+          </a:p>
+          <a:p>
+            <a:r>
+              <a:rPr lang="en" altLang="ko-KR" sz="1200" dirty="0">
+                <a:effectLst/>
+                <a:latin typeface="Helvetica Neue" panose="02000503000000020004" pitchFamily="2" charset="0"/>
+              </a:rPr>
+              <a:t>        </a:t>
+            </a:r>
+            <a:r>
+              <a:rPr lang="en" altLang="ko-KR" sz="1200" b="1" dirty="0">
+                <a:effectLst/>
+                <a:latin typeface="Helvetica Neue" panose="02000503000000020004" pitchFamily="2" charset="0"/>
+              </a:rPr>
+              <a:t>if</a:t>
+            </a:r>
+            <a:r>
+              <a:rPr lang="en" altLang="ko-KR" sz="1200" dirty="0">
+                <a:effectLst/>
+                <a:latin typeface="Helvetica Neue" panose="02000503000000020004" pitchFamily="2" charset="0"/>
+              </a:rPr>
+              <a:t> </a:t>
+            </a:r>
+            <a:r>
+              <a:rPr lang="en" altLang="ko-KR" sz="1200" dirty="0" err="1">
+                <a:effectLst/>
+                <a:latin typeface="Helvetica Neue" panose="02000503000000020004" pitchFamily="2" charset="0"/>
+              </a:rPr>
+              <a:t>context.hasChanges</a:t>
+            </a:r>
+            <a:r>
+              <a:rPr lang="en" altLang="ko-KR" sz="1200" dirty="0">
+                <a:effectLst/>
+                <a:latin typeface="Helvetica Neue" panose="02000503000000020004" pitchFamily="2" charset="0"/>
+              </a:rPr>
+              <a:t> {</a:t>
+            </a:r>
+          </a:p>
+          <a:p>
+            <a:r>
+              <a:rPr lang="en" altLang="ko-KR" sz="1200" dirty="0">
+                <a:effectLst/>
+                <a:latin typeface="Helvetica Neue" panose="02000503000000020004" pitchFamily="2" charset="0"/>
+              </a:rPr>
+              <a:t>            </a:t>
+            </a:r>
+            <a:r>
+              <a:rPr lang="en" altLang="ko-KR" sz="1200" b="1" dirty="0">
+                <a:effectLst/>
+                <a:latin typeface="Helvetica Neue" panose="02000503000000020004" pitchFamily="2" charset="0"/>
+              </a:rPr>
+              <a:t>do</a:t>
+            </a:r>
+            <a:r>
+              <a:rPr lang="en" altLang="ko-KR" sz="1200" dirty="0">
+                <a:effectLst/>
+                <a:latin typeface="Helvetica Neue" panose="02000503000000020004" pitchFamily="2" charset="0"/>
+              </a:rPr>
+              <a:t> {</a:t>
+            </a:r>
+          </a:p>
+          <a:p>
+            <a:r>
+              <a:rPr lang="en" altLang="ko-KR" sz="1200" dirty="0">
+                <a:effectLst/>
+                <a:latin typeface="Helvetica Neue" panose="02000503000000020004" pitchFamily="2" charset="0"/>
+              </a:rPr>
+              <a:t>                </a:t>
+            </a:r>
+            <a:r>
+              <a:rPr lang="en" altLang="ko-KR" sz="1200" b="1" dirty="0">
+                <a:effectLst/>
+                <a:latin typeface="Helvetica Neue" panose="02000503000000020004" pitchFamily="2" charset="0"/>
+              </a:rPr>
+              <a:t>try</a:t>
+            </a:r>
+            <a:r>
+              <a:rPr lang="en" altLang="ko-KR" sz="1200" dirty="0">
+                <a:effectLst/>
+                <a:latin typeface="Helvetica Neue" panose="02000503000000020004" pitchFamily="2" charset="0"/>
+              </a:rPr>
+              <a:t> </a:t>
+            </a:r>
+            <a:r>
+              <a:rPr lang="en" altLang="ko-KR" sz="1200" dirty="0" err="1">
+                <a:effectLst/>
+                <a:latin typeface="Helvetica Neue" panose="02000503000000020004" pitchFamily="2" charset="0"/>
+              </a:rPr>
+              <a:t>context.save</a:t>
+            </a:r>
+            <a:r>
+              <a:rPr lang="en" altLang="ko-KR" sz="1200" dirty="0">
+                <a:effectLst/>
+                <a:latin typeface="Helvetica Neue" panose="02000503000000020004" pitchFamily="2" charset="0"/>
+              </a:rPr>
+              <a:t>()</a:t>
+            </a:r>
+          </a:p>
+          <a:p>
+            <a:r>
+              <a:rPr lang="en" altLang="ko-KR" sz="1200" dirty="0">
+                <a:effectLst/>
+                <a:latin typeface="Helvetica Neue" panose="02000503000000020004" pitchFamily="2" charset="0"/>
+              </a:rPr>
+              <a:t>            } </a:t>
+            </a:r>
+            <a:r>
+              <a:rPr lang="en" altLang="ko-KR" sz="1200" b="1" dirty="0">
+                <a:effectLst/>
+                <a:latin typeface="Helvetica Neue" panose="02000503000000020004" pitchFamily="2" charset="0"/>
+              </a:rPr>
+              <a:t>catch</a:t>
+            </a:r>
+            <a:r>
+              <a:rPr lang="en" altLang="ko-KR" sz="1200" dirty="0">
+                <a:effectLst/>
+                <a:latin typeface="Helvetica Neue" panose="02000503000000020004" pitchFamily="2" charset="0"/>
+              </a:rPr>
+              <a:t> {</a:t>
+            </a:r>
+          </a:p>
+          <a:p>
+            <a:r>
+              <a:rPr lang="en" altLang="ko-KR" sz="1200" dirty="0">
+                <a:effectLst/>
+                <a:latin typeface="Helvetica Neue" panose="02000503000000020004" pitchFamily="2" charset="0"/>
+              </a:rPr>
+              <a:t>                // Replace this implementation with code to handle the error appropriately.</a:t>
+            </a:r>
+          </a:p>
+          <a:p>
+            <a:r>
+              <a:rPr lang="en" altLang="ko-KR" sz="1200" dirty="0">
+                <a:effectLst/>
+                <a:latin typeface="Helvetica Neue" panose="02000503000000020004" pitchFamily="2" charset="0"/>
+              </a:rPr>
+              <a:t>                // </a:t>
+            </a:r>
+            <a:r>
+              <a:rPr lang="en" altLang="ko-KR" sz="1200" dirty="0" err="1">
+                <a:effectLst/>
+                <a:latin typeface="Helvetica Neue" panose="02000503000000020004" pitchFamily="2" charset="0"/>
+              </a:rPr>
+              <a:t>fatalError</a:t>
+            </a:r>
+            <a:r>
+              <a:rPr lang="en" altLang="ko-KR" sz="1200" dirty="0">
+                <a:effectLst/>
+                <a:latin typeface="Helvetica Neue" panose="02000503000000020004" pitchFamily="2" charset="0"/>
+              </a:rPr>
+              <a:t>() causes the application to generate a crash log and terminate. You should not use this function in a shipping application, although it may be useful during development.</a:t>
+            </a:r>
+          </a:p>
+          <a:p>
+            <a:r>
+              <a:rPr lang="en" altLang="ko-KR" sz="1200" dirty="0">
+                <a:effectLst/>
+                <a:latin typeface="Helvetica Neue" panose="02000503000000020004" pitchFamily="2" charset="0"/>
+              </a:rPr>
+              <a:t>                </a:t>
+            </a:r>
+            <a:r>
+              <a:rPr lang="en" altLang="ko-KR" sz="1200" b="1" dirty="0">
+                <a:effectLst/>
+                <a:latin typeface="Helvetica Neue" panose="02000503000000020004" pitchFamily="2" charset="0"/>
+              </a:rPr>
+              <a:t>let</a:t>
+            </a:r>
+            <a:r>
+              <a:rPr lang="en" altLang="ko-KR" sz="1200" dirty="0">
+                <a:effectLst/>
+                <a:latin typeface="Helvetica Neue" panose="02000503000000020004" pitchFamily="2" charset="0"/>
+              </a:rPr>
+              <a:t> </a:t>
+            </a:r>
+            <a:r>
+              <a:rPr lang="en" altLang="ko-KR" sz="1200" dirty="0" err="1">
+                <a:effectLst/>
+                <a:latin typeface="Helvetica Neue" panose="02000503000000020004" pitchFamily="2" charset="0"/>
+              </a:rPr>
+              <a:t>nserror</a:t>
+            </a:r>
+            <a:r>
+              <a:rPr lang="en" altLang="ko-KR" sz="1200" dirty="0">
+                <a:effectLst/>
+                <a:latin typeface="Helvetica Neue" panose="02000503000000020004" pitchFamily="2" charset="0"/>
+              </a:rPr>
+              <a:t> = error </a:t>
+            </a:r>
+            <a:r>
+              <a:rPr lang="en" altLang="ko-KR" sz="1200" b="1" dirty="0">
+                <a:effectLst/>
+                <a:latin typeface="Helvetica Neue" panose="02000503000000020004" pitchFamily="2" charset="0"/>
+              </a:rPr>
+              <a:t>as</a:t>
+            </a:r>
+            <a:r>
+              <a:rPr lang="en" altLang="ko-KR" sz="1200" dirty="0">
+                <a:effectLst/>
+                <a:latin typeface="Helvetica Neue" panose="02000503000000020004" pitchFamily="2" charset="0"/>
+              </a:rPr>
+              <a:t> </a:t>
+            </a:r>
+            <a:r>
+              <a:rPr lang="en" altLang="ko-KR" sz="1200" dirty="0" err="1">
+                <a:effectLst/>
+                <a:latin typeface="Helvetica Neue" panose="02000503000000020004" pitchFamily="2" charset="0"/>
+              </a:rPr>
+              <a:t>NSError</a:t>
+            </a:r>
+            <a:endParaRPr lang="en" altLang="ko-KR" sz="1200" dirty="0">
+              <a:effectLst/>
+              <a:latin typeface="Helvetica Neue" panose="02000503000000020004" pitchFamily="2" charset="0"/>
+            </a:endParaRPr>
+          </a:p>
+          <a:p>
+            <a:r>
+              <a:rPr lang="en" altLang="ko-KR" sz="1200" dirty="0">
+                <a:effectLst/>
+                <a:latin typeface="Helvetica Neue" panose="02000503000000020004" pitchFamily="2" charset="0"/>
+              </a:rPr>
+              <a:t>                </a:t>
+            </a:r>
+            <a:r>
+              <a:rPr lang="en" altLang="ko-KR" sz="1200" dirty="0" err="1">
+                <a:effectLst/>
+                <a:latin typeface="Helvetica Neue" panose="02000503000000020004" pitchFamily="2" charset="0"/>
+              </a:rPr>
+              <a:t>fatalError</a:t>
+            </a:r>
+            <a:r>
+              <a:rPr lang="en" altLang="ko-KR" sz="1200" dirty="0">
+                <a:effectLst/>
+                <a:latin typeface="Helvetica Neue" panose="02000503000000020004" pitchFamily="2" charset="0"/>
+              </a:rPr>
+              <a:t>("Unresolved error \(</a:t>
+            </a:r>
+            <a:r>
+              <a:rPr lang="en" altLang="ko-KR" sz="1200" dirty="0" err="1">
+                <a:effectLst/>
+                <a:latin typeface="Helvetica Neue" panose="02000503000000020004" pitchFamily="2" charset="0"/>
+              </a:rPr>
+              <a:t>nserror</a:t>
+            </a:r>
+            <a:r>
+              <a:rPr lang="en" altLang="ko-KR" sz="1200" dirty="0">
+                <a:effectLst/>
+                <a:latin typeface="Helvetica Neue" panose="02000503000000020004" pitchFamily="2" charset="0"/>
+              </a:rPr>
+              <a:t>), \(</a:t>
+            </a:r>
+            <a:r>
+              <a:rPr lang="en" altLang="ko-KR" sz="1200" dirty="0" err="1">
+                <a:effectLst/>
+                <a:latin typeface="Helvetica Neue" panose="02000503000000020004" pitchFamily="2" charset="0"/>
+              </a:rPr>
+              <a:t>nserror.userInfo</a:t>
+            </a:r>
+            <a:r>
+              <a:rPr lang="en" altLang="ko-KR" sz="1200" dirty="0">
+                <a:effectLst/>
+                <a:latin typeface="Helvetica Neue" panose="02000503000000020004" pitchFamily="2" charset="0"/>
+              </a:rPr>
+              <a:t>)")</a:t>
+            </a:r>
+          </a:p>
+          <a:p>
+            <a:r>
+              <a:rPr lang="en" altLang="ko-KR" sz="1200" dirty="0">
+                <a:effectLst/>
+                <a:latin typeface="Helvetica Neue" panose="02000503000000020004" pitchFamily="2" charset="0"/>
+              </a:rPr>
+              <a:t>            }</a:t>
+            </a:r>
+          </a:p>
+          <a:p>
+            <a:r>
+              <a:rPr lang="en" altLang="ko-KR" sz="1200" dirty="0">
+                <a:effectLst/>
+                <a:latin typeface="Helvetica Neue" panose="02000503000000020004" pitchFamily="2" charset="0"/>
+              </a:rPr>
+              <a:t>        }</a:t>
+            </a:r>
+          </a:p>
+          <a:p>
+            <a:r>
+              <a:rPr lang="en" altLang="ko-KR" sz="1200" dirty="0">
+                <a:effectLst/>
+                <a:latin typeface="Helvetica Neue" panose="02000503000000020004" pitchFamily="2" charset="0"/>
+              </a:rPr>
+              <a:t>    }</a:t>
+            </a:r>
+          </a:p>
+        </p:txBody>
+      </p:sp>
+      <p:sp>
+        <p:nvSpPr>
+          <p:cNvPr id="8" name="직사각형 7">
+            <a:extLst>
+              <a:ext uri="{FF2B5EF4-FFF2-40B4-BE49-F238E27FC236}">
+                <a16:creationId xmlns:a16="http://schemas.microsoft.com/office/drawing/2014/main" id="{ACA47405-BF30-4E71-72A9-3D883747CA1C}"/>
+              </a:ext>
+            </a:extLst>
+          </p:cNvPr>
+          <p:cNvSpPr/>
+          <p:nvPr/>
+        </p:nvSpPr>
+        <p:spPr>
+          <a:xfrm>
+            <a:off x="136630" y="4116306"/>
+            <a:ext cx="11834653" cy="1328054"/>
+          </a:xfrm>
+          <a:prstGeom prst="rect">
+            <a:avLst/>
+          </a:prstGeom>
+          <a:noFill/>
+          <a:ln>
+            <a:solidFill>
+              <a:srgbClr val="00B050"/>
+            </a:solidFill>
+          </a:ln>
+        </p:spPr>
+        <p:style>
+          <a:lnRef idx="3">
+            <a:schemeClr val="lt1"/>
+          </a:lnRef>
+          <a:fillRef idx="1">
+            <a:schemeClr val="accent1"/>
+          </a:fillRef>
+          <a:effectRef idx="1">
+            <a:schemeClr val="accent1"/>
+          </a:effectRef>
+          <a:fontRef idx="minor">
+            <a:schemeClr val="lt1"/>
+          </a:fontRef>
+        </p:style>
+        <p:txBody>
+          <a:bodyPr rtlCol="0" anchor="t"/>
+          <a:lstStyle/>
+          <a:p>
+            <a:r>
+              <a:rPr kumimoji="1" lang="en-US" altLang="ko-KR" sz="1400" dirty="0" err="1">
+                <a:solidFill>
+                  <a:sysClr val="windowText" lastClr="000000"/>
+                </a:solidFill>
+              </a:rPr>
+              <a:t>viewContext</a:t>
+            </a:r>
+            <a:br>
+              <a:rPr kumimoji="1" lang="en-US" altLang="ko-KR" sz="1400" dirty="0">
+                <a:solidFill>
+                  <a:sysClr val="windowText" lastClr="000000"/>
+                </a:solidFill>
+              </a:rPr>
+            </a:br>
+            <a:r>
+              <a:rPr kumimoji="1" lang="en-US" altLang="ko-KR" sz="1400" dirty="0">
+                <a:solidFill>
+                  <a:sysClr val="windowText" lastClr="000000"/>
+                </a:solidFill>
+                <a:sym typeface="Wingdings" pitchFamily="2" charset="2"/>
+              </a:rPr>
+              <a:t> </a:t>
+            </a:r>
+            <a:r>
+              <a:rPr kumimoji="1" lang="en-US" altLang="ko-KR" sz="1400" dirty="0" err="1">
+                <a:solidFill>
+                  <a:sysClr val="windowText" lastClr="000000"/>
+                </a:solidFill>
+                <a:sym typeface="Wingdings" pitchFamily="2" charset="2"/>
+              </a:rPr>
+              <a:t>NSManagedObjectContext</a:t>
+            </a:r>
+            <a:r>
+              <a:rPr kumimoji="1" lang="ko-KR" altLang="en-US" sz="1400" dirty="0" err="1">
+                <a:solidFill>
+                  <a:sysClr val="windowText" lastClr="000000"/>
+                </a:solidFill>
+                <a:sym typeface="Wingdings" pitchFamily="2" charset="2"/>
+              </a:rPr>
+              <a:t>를</a:t>
+            </a:r>
+            <a:r>
+              <a:rPr kumimoji="1" lang="ko-KR" altLang="en-US" sz="1400" dirty="0">
+                <a:solidFill>
+                  <a:sysClr val="windowText" lastClr="000000"/>
+                </a:solidFill>
+                <a:sym typeface="Wingdings" pitchFamily="2" charset="2"/>
+              </a:rPr>
+              <a:t> 달고 있는 </a:t>
+            </a:r>
+            <a:r>
+              <a:rPr kumimoji="1" lang="en-US" altLang="ko-KR" sz="1400" dirty="0">
+                <a:solidFill>
+                  <a:sysClr val="windowText" lastClr="000000"/>
+                </a:solidFill>
+                <a:sym typeface="Wingdings" pitchFamily="2" charset="2"/>
+              </a:rPr>
+              <a:t>Property</a:t>
+            </a:r>
+            <a:r>
+              <a:rPr kumimoji="1" lang="ko-KR" altLang="en-US" sz="1400" dirty="0">
+                <a:solidFill>
+                  <a:sysClr val="windowText" lastClr="000000"/>
+                </a:solidFill>
+                <a:sym typeface="Wingdings" pitchFamily="2" charset="2"/>
+              </a:rPr>
+              <a:t>로</a:t>
+            </a:r>
+            <a:r>
+              <a:rPr kumimoji="1" lang="en-US" altLang="ko-KR" sz="1400" dirty="0">
+                <a:solidFill>
+                  <a:sysClr val="windowText" lastClr="000000"/>
+                </a:solidFill>
+                <a:sym typeface="Wingdings" pitchFamily="2" charset="2"/>
+              </a:rPr>
+              <a:t>,</a:t>
+            </a:r>
+            <a:r>
+              <a:rPr kumimoji="1" lang="ko-KR" altLang="en-US" sz="1400" dirty="0">
+                <a:solidFill>
+                  <a:sysClr val="windowText" lastClr="000000"/>
+                </a:solidFill>
+                <a:sym typeface="Wingdings" pitchFamily="2" charset="2"/>
+              </a:rPr>
+              <a:t> </a:t>
+            </a:r>
+            <a:r>
+              <a:rPr kumimoji="1" lang="en-US" altLang="ko-KR" sz="1400" dirty="0">
+                <a:solidFill>
+                  <a:sysClr val="windowText" lastClr="000000"/>
+                </a:solidFill>
+                <a:sym typeface="Wingdings" pitchFamily="2" charset="2"/>
+              </a:rPr>
+              <a:t>Application</a:t>
+            </a:r>
+            <a:r>
+              <a:rPr kumimoji="1" lang="ko-KR" altLang="en-US" sz="1400" dirty="0">
+                <a:solidFill>
+                  <a:sysClr val="windowText" lastClr="000000"/>
+                </a:solidFill>
+                <a:sym typeface="Wingdings" pitchFamily="2" charset="2"/>
+              </a:rPr>
+              <a:t>의 메인 </a:t>
+            </a:r>
+            <a:r>
+              <a:rPr kumimoji="1" lang="en-US" altLang="ko-KR" sz="1400" dirty="0">
+                <a:solidFill>
+                  <a:sysClr val="windowText" lastClr="000000"/>
+                </a:solidFill>
+                <a:sym typeface="Wingdings" pitchFamily="2" charset="2"/>
+              </a:rPr>
+              <a:t>Queue</a:t>
+            </a:r>
+            <a:r>
+              <a:rPr kumimoji="1" lang="ko-KR" altLang="en-US" sz="1400" dirty="0">
+                <a:solidFill>
+                  <a:sysClr val="windowText" lastClr="000000"/>
+                </a:solidFill>
+                <a:sym typeface="Wingdings" pitchFamily="2" charset="2"/>
+              </a:rPr>
+              <a:t>와 연계된 </a:t>
+            </a:r>
+            <a:r>
+              <a:rPr kumimoji="1" lang="en-US" altLang="ko-KR" sz="1400" dirty="0">
+                <a:solidFill>
+                  <a:sysClr val="windowText" lastClr="000000"/>
+                </a:solidFill>
+                <a:sym typeface="Wingdings" pitchFamily="2" charset="2"/>
+              </a:rPr>
+              <a:t>persistent Container</a:t>
+            </a:r>
+            <a:r>
+              <a:rPr kumimoji="1" lang="ko-KR" altLang="en-US" sz="1400" dirty="0">
+                <a:solidFill>
+                  <a:sysClr val="windowText" lastClr="000000"/>
+                </a:solidFill>
+                <a:sym typeface="Wingdings" pitchFamily="2" charset="2"/>
+              </a:rPr>
+              <a:t> 요소입니다</a:t>
+            </a:r>
+            <a:r>
+              <a:rPr kumimoji="1" lang="en-US" altLang="ko-KR" sz="1400" dirty="0">
+                <a:solidFill>
+                  <a:sysClr val="windowText" lastClr="000000"/>
+                </a:solidFill>
+                <a:sym typeface="Wingdings" pitchFamily="2" charset="2"/>
+              </a:rPr>
+              <a:t>.</a:t>
+            </a:r>
+            <a:br>
+              <a:rPr kumimoji="1" lang="en-US" altLang="ko-KR" sz="1400" dirty="0">
+                <a:solidFill>
+                  <a:sysClr val="windowText" lastClr="000000"/>
+                </a:solidFill>
+                <a:sym typeface="Wingdings" pitchFamily="2" charset="2"/>
+              </a:rPr>
+            </a:br>
+            <a:r>
+              <a:rPr kumimoji="1" lang="en-US" altLang="ko-KR" sz="1400" dirty="0">
+                <a:solidFill>
+                  <a:sysClr val="windowText" lastClr="000000"/>
+                </a:solidFill>
+                <a:sym typeface="Wingdings" pitchFamily="2" charset="2"/>
+              </a:rPr>
+              <a:t></a:t>
+            </a:r>
+            <a:r>
+              <a:rPr kumimoji="1" lang="ko-KR" altLang="en-US" sz="1400" dirty="0">
+                <a:solidFill>
+                  <a:sysClr val="windowText" lastClr="000000"/>
+                </a:solidFill>
+                <a:sym typeface="Wingdings" pitchFamily="2" charset="2"/>
+              </a:rPr>
+              <a:t> 쉽게 말해서 </a:t>
+            </a:r>
+            <a:r>
+              <a:rPr kumimoji="1" lang="en-US" altLang="ko-KR" sz="1400" dirty="0">
+                <a:solidFill>
+                  <a:sysClr val="windowText" lastClr="000000"/>
+                </a:solidFill>
+                <a:sym typeface="Wingdings" pitchFamily="2" charset="2"/>
+              </a:rPr>
+              <a:t>Store</a:t>
+            </a:r>
+            <a:r>
+              <a:rPr kumimoji="1" lang="ko-KR" altLang="en-US" sz="1400" dirty="0" err="1">
+                <a:solidFill>
+                  <a:sysClr val="windowText" lastClr="000000"/>
+                </a:solidFill>
+                <a:sym typeface="Wingdings" pitchFamily="2" charset="2"/>
+              </a:rPr>
+              <a:t>에</a:t>
+            </a:r>
+            <a:r>
+              <a:rPr kumimoji="1" lang="ko-KR" altLang="en-US" sz="1400" dirty="0">
+                <a:solidFill>
+                  <a:sysClr val="windowText" lastClr="000000"/>
+                </a:solidFill>
+                <a:sym typeface="Wingdings" pitchFamily="2" charset="2"/>
+              </a:rPr>
+              <a:t> 접근할 때 어느 컨텍스트에서 붙는지 관리하는 것입니다</a:t>
+            </a:r>
+            <a:r>
+              <a:rPr kumimoji="1" lang="en-US" altLang="ko-KR" sz="1400" dirty="0">
+                <a:solidFill>
+                  <a:sysClr val="windowText" lastClr="000000"/>
+                </a:solidFill>
+                <a:sym typeface="Wingdings" pitchFamily="2" charset="2"/>
+              </a:rPr>
+              <a:t>.</a:t>
+            </a:r>
+            <a:r>
+              <a:rPr kumimoji="1" lang="ko-KR" altLang="en-US" sz="1400" dirty="0">
+                <a:solidFill>
+                  <a:sysClr val="windowText" lastClr="000000"/>
+                </a:solidFill>
+                <a:sym typeface="Wingdings" pitchFamily="2" charset="2"/>
+              </a:rPr>
+              <a:t> </a:t>
+            </a:r>
+            <a:br>
+              <a:rPr kumimoji="1" lang="en-US" altLang="ko-KR" sz="1400" dirty="0">
+                <a:solidFill>
+                  <a:sysClr val="windowText" lastClr="000000"/>
+                </a:solidFill>
+                <a:sym typeface="Wingdings" pitchFamily="2" charset="2"/>
+              </a:rPr>
+            </a:br>
+            <a:r>
+              <a:rPr kumimoji="1" lang="ko-KR" altLang="en-US" sz="1400" dirty="0">
+                <a:solidFill>
+                  <a:sysClr val="windowText" lastClr="000000"/>
+                </a:solidFill>
+                <a:sym typeface="Wingdings" pitchFamily="2" charset="2"/>
+              </a:rPr>
+              <a:t>예를 들어</a:t>
+            </a:r>
+            <a:r>
+              <a:rPr kumimoji="1" lang="en-US" altLang="ko-KR" sz="1400" dirty="0">
+                <a:solidFill>
+                  <a:sysClr val="windowText" lastClr="000000"/>
+                </a:solidFill>
+                <a:sym typeface="Wingdings" pitchFamily="2" charset="2"/>
+              </a:rPr>
+              <a:t>,</a:t>
+            </a:r>
+            <a:r>
+              <a:rPr kumimoji="1" lang="ko-KR" altLang="en-US" sz="1400" dirty="0">
+                <a:solidFill>
+                  <a:sysClr val="windowText" lastClr="000000"/>
+                </a:solidFill>
+                <a:sym typeface="Wingdings" pitchFamily="2" charset="2"/>
+              </a:rPr>
+              <a:t> 위 코드는 현재 </a:t>
+            </a:r>
+            <a:r>
+              <a:rPr kumimoji="1" lang="en-US" altLang="ko-KR" sz="1400" dirty="0">
+                <a:solidFill>
+                  <a:sysClr val="windowText" lastClr="000000"/>
+                </a:solidFill>
+                <a:sym typeface="Wingdings" pitchFamily="2" charset="2"/>
+              </a:rPr>
+              <a:t>Store</a:t>
+            </a:r>
+            <a:r>
+              <a:rPr kumimoji="1" lang="ko-KR" altLang="en-US" sz="1400" dirty="0" err="1">
+                <a:solidFill>
+                  <a:sysClr val="windowText" lastClr="000000"/>
+                </a:solidFill>
+                <a:sym typeface="Wingdings" pitchFamily="2" charset="2"/>
+              </a:rPr>
+              <a:t>에</a:t>
+            </a:r>
+            <a:r>
+              <a:rPr kumimoji="1" lang="ko-KR" altLang="en-US" sz="1400" dirty="0">
+                <a:solidFill>
+                  <a:sysClr val="windowText" lastClr="000000"/>
+                </a:solidFill>
+                <a:sym typeface="Wingdings" pitchFamily="2" charset="2"/>
+              </a:rPr>
+              <a:t> 접근할 </a:t>
+            </a:r>
+            <a:r>
+              <a:rPr kumimoji="1" lang="en-US" altLang="ko-KR" sz="1400" dirty="0">
+                <a:solidFill>
+                  <a:sysClr val="windowText" lastClr="000000"/>
+                </a:solidFill>
+                <a:sym typeface="Wingdings" pitchFamily="2" charset="2"/>
+              </a:rPr>
+              <a:t>Container</a:t>
+            </a:r>
+            <a:r>
+              <a:rPr kumimoji="1" lang="ko-KR" altLang="en-US" sz="1400" dirty="0">
+                <a:solidFill>
+                  <a:sysClr val="windowText" lastClr="000000"/>
+                </a:solidFill>
+                <a:sym typeface="Wingdings" pitchFamily="2" charset="2"/>
+              </a:rPr>
+              <a:t>의 컨텍스트를 가지고 왔는데 기본적으로 메인 스레드에서 사용됩니다</a:t>
+            </a:r>
+            <a:r>
+              <a:rPr kumimoji="1" lang="en-US" altLang="ko-KR" sz="1400" dirty="0">
+                <a:solidFill>
+                  <a:sysClr val="windowText" lastClr="000000"/>
+                </a:solidFill>
+                <a:sym typeface="Wingdings" pitchFamily="2" charset="2"/>
+              </a:rPr>
+              <a:t>.</a:t>
+            </a:r>
+          </a:p>
+          <a:p>
+            <a:r>
+              <a:rPr kumimoji="1" lang="ko-KR" altLang="en-US" sz="1400" dirty="0">
+                <a:solidFill>
+                  <a:sysClr val="windowText" lastClr="000000"/>
+                </a:solidFill>
+                <a:sym typeface="Wingdings" pitchFamily="2" charset="2"/>
+              </a:rPr>
+              <a:t>현 컨텍스트에서 변경 사항을 체크한 후 있다면 변경 사항 저장하여 불필요한 저장 작업을 피하는 역할을 합니다</a:t>
+            </a:r>
+            <a:r>
+              <a:rPr kumimoji="1" lang="en-US" altLang="ko-KR" sz="1400" dirty="0">
+                <a:solidFill>
+                  <a:sysClr val="windowText" lastClr="000000"/>
+                </a:solidFill>
+                <a:sym typeface="Wingdings" pitchFamily="2" charset="2"/>
+              </a:rPr>
+              <a:t>.</a:t>
+            </a:r>
+          </a:p>
+        </p:txBody>
+      </p:sp>
+    </p:spTree>
+    <p:extLst>
+      <p:ext uri="{BB962C8B-B14F-4D97-AF65-F5344CB8AC3E}">
+        <p14:creationId xmlns:p14="http://schemas.microsoft.com/office/powerpoint/2010/main" val="2392419878"/>
+      </p:ext>
+    </p:extLst>
+  </p:cSld>
+  <p:clrMapOvr>
+    <a:masterClrMapping/>
+  </p:clrMapOvr>
+</p:sld>
+</file>
+
+<file path=ppt/slides/slide12.xml><?xml version="1.0" encoding="utf-8"?>
+<p:sld xmlns:a="http://schemas.openxmlformats.org/drawingml/2006/main" xmlns:r="http://schemas.openxmlformats.org/officeDocument/2006/relationships" xmlns:p="http://schemas.openxmlformats.org/presentationml/2006/main">
+  <p:cSld>
+    <p:spTree>
+      <p:nvGrpSpPr>
+        <p:cNvPr id="1" name=""/>
+        <p:cNvGrpSpPr/>
+        <p:nvPr/>
+      </p:nvGrpSpPr>
+      <p:grpSpPr>
+        <a:xfrm>
+          <a:off x="0" y="0"/>
+          <a:ext cx="0" cy="0"/>
+          <a:chOff x="0" y="0"/>
+          <a:chExt cx="0" cy="0"/>
+        </a:xfrm>
+      </p:grpSpPr>
+      <p:sp>
+        <p:nvSpPr>
+          <p:cNvPr id="5" name="TextBox 4">
+            <a:extLst>
+              <a:ext uri="{FF2B5EF4-FFF2-40B4-BE49-F238E27FC236}">
+                <a16:creationId xmlns:a16="http://schemas.microsoft.com/office/drawing/2014/main" id="{2F17E136-0EDC-4EB6-C252-21DCE0AB9B04}"/>
+              </a:ext>
+            </a:extLst>
+          </p:cNvPr>
+          <p:cNvSpPr txBox="1"/>
+          <p:nvPr/>
+        </p:nvSpPr>
+        <p:spPr>
+          <a:xfrm>
+            <a:off x="94589" y="148389"/>
+            <a:ext cx="1749197" cy="369332"/>
+          </a:xfrm>
+          <a:prstGeom prst="rect">
+            <a:avLst/>
+          </a:prstGeom>
+          <a:noFill/>
+        </p:spPr>
+        <p:txBody>
+          <a:bodyPr wrap="none" rtlCol="0">
+            <a:spAutoFit/>
+          </a:bodyPr>
+          <a:lstStyle/>
+          <a:p>
+            <a:r>
+              <a:rPr kumimoji="1" lang="en-US" altLang="ko-KR" dirty="0"/>
+              <a:t>Data Modeling</a:t>
+            </a:r>
+            <a:endParaRPr kumimoji="1" lang="ko-KR" altLang="en-US" dirty="0"/>
+          </a:p>
+        </p:txBody>
+      </p:sp>
+      <p:sp>
+        <p:nvSpPr>
+          <p:cNvPr id="8" name="직사각형 7">
+            <a:extLst>
+              <a:ext uri="{FF2B5EF4-FFF2-40B4-BE49-F238E27FC236}">
+                <a16:creationId xmlns:a16="http://schemas.microsoft.com/office/drawing/2014/main" id="{ACA47405-BF30-4E71-72A9-3D883747CA1C}"/>
+              </a:ext>
+            </a:extLst>
+          </p:cNvPr>
+          <p:cNvSpPr/>
+          <p:nvPr/>
+        </p:nvSpPr>
+        <p:spPr>
+          <a:xfrm>
+            <a:off x="94589" y="721465"/>
+            <a:ext cx="11834653" cy="1328054"/>
+          </a:xfrm>
+          <a:prstGeom prst="rect">
+            <a:avLst/>
+          </a:prstGeom>
+          <a:noFill/>
+          <a:ln>
+            <a:solidFill>
+              <a:srgbClr val="00B050"/>
+            </a:solidFill>
+          </a:ln>
+        </p:spPr>
+        <p:style>
+          <a:lnRef idx="3">
+            <a:schemeClr val="lt1"/>
+          </a:lnRef>
+          <a:fillRef idx="1">
+            <a:schemeClr val="accent1"/>
+          </a:fillRef>
+          <a:effectRef idx="1">
+            <a:schemeClr val="accent1"/>
+          </a:effectRef>
+          <a:fontRef idx="minor">
+            <a:schemeClr val="lt1"/>
+          </a:fontRef>
+        </p:style>
+        <p:txBody>
+          <a:bodyPr rtlCol="0" anchor="t"/>
+          <a:lstStyle/>
+          <a:p>
+            <a:r>
+              <a:rPr kumimoji="1" lang="en-US" altLang="ko-KR" sz="1400" dirty="0">
+                <a:solidFill>
+                  <a:sysClr val="windowText" lastClr="000000"/>
+                </a:solidFill>
+                <a:sym typeface="Wingdings" pitchFamily="2" charset="2"/>
+              </a:rPr>
+              <a:t>1) Entity </a:t>
+            </a:r>
+            <a:r>
+              <a:rPr kumimoji="1" lang="ko-KR" altLang="en-US" sz="1400" dirty="0">
+                <a:solidFill>
+                  <a:sysClr val="windowText" lastClr="000000"/>
+                </a:solidFill>
+                <a:sym typeface="Wingdings" pitchFamily="2" charset="2"/>
+              </a:rPr>
+              <a:t>생성</a:t>
+            </a:r>
+            <a:endParaRPr kumimoji="1" lang="en-US" altLang="ko-KR" sz="1400" dirty="0">
+              <a:solidFill>
+                <a:sysClr val="windowText" lastClr="000000"/>
+              </a:solidFill>
+              <a:sym typeface="Wingdings" pitchFamily="2" charset="2"/>
+            </a:endParaRPr>
+          </a:p>
+          <a:p>
+            <a:r>
+              <a:rPr kumimoji="1" lang="en-US" altLang="ko-KR" sz="1400" dirty="0">
+                <a:solidFill>
+                  <a:sysClr val="windowText" lastClr="000000"/>
+                </a:solidFill>
+                <a:sym typeface="Wingdings" pitchFamily="2" charset="2"/>
+              </a:rPr>
+              <a:t>–</a:t>
+            </a:r>
+            <a:r>
+              <a:rPr kumimoji="1" lang="ko-KR" altLang="en-US" sz="1400" dirty="0">
+                <a:solidFill>
+                  <a:sysClr val="windowText" lastClr="000000"/>
+                </a:solidFill>
+                <a:sym typeface="Wingdings" pitchFamily="2" charset="2"/>
+              </a:rPr>
+              <a:t> 테이블과 비슷한 개념 </a:t>
+            </a:r>
+            <a:r>
+              <a:rPr kumimoji="1" lang="en-US" altLang="ko-KR" sz="1400" dirty="0">
+                <a:solidFill>
+                  <a:sysClr val="windowText" lastClr="000000"/>
+                </a:solidFill>
+                <a:sym typeface="Wingdings" pitchFamily="2" charset="2"/>
+              </a:rPr>
+              <a:t>//</a:t>
+            </a:r>
+            <a:r>
+              <a:rPr kumimoji="1" lang="ko-KR" altLang="en-US" sz="1400" dirty="0">
+                <a:solidFill>
+                  <a:sysClr val="windowText" lastClr="000000"/>
+                </a:solidFill>
+                <a:sym typeface="Wingdings" pitchFamily="2" charset="2"/>
+              </a:rPr>
+              <a:t> 객체 유형 정의 및 속성 처리</a:t>
+            </a:r>
+            <a:endParaRPr kumimoji="1" lang="en-US" altLang="ko-KR" sz="1400" dirty="0">
+              <a:solidFill>
+                <a:sysClr val="windowText" lastClr="000000"/>
+              </a:solidFill>
+              <a:sym typeface="Wingdings" pitchFamily="2" charset="2"/>
+            </a:endParaRPr>
+          </a:p>
+          <a:p>
+            <a:r>
+              <a:rPr kumimoji="1" lang="en-US" altLang="ko-KR" sz="1400" dirty="0">
+                <a:solidFill>
+                  <a:sysClr val="windowText" lastClr="000000"/>
+                </a:solidFill>
+                <a:sym typeface="Wingdings" pitchFamily="2" charset="2"/>
+              </a:rPr>
+              <a:t>2) Entity – Class </a:t>
+            </a:r>
+            <a:r>
+              <a:rPr kumimoji="1" lang="ko-KR" altLang="en-US" sz="1400" dirty="0">
+                <a:solidFill>
+                  <a:sysClr val="windowText" lastClr="000000"/>
+                </a:solidFill>
+                <a:sym typeface="Wingdings" pitchFamily="2" charset="2"/>
+              </a:rPr>
+              <a:t> 명칭 변경</a:t>
+            </a:r>
+            <a:endParaRPr kumimoji="1" lang="en-US" altLang="ko-KR" sz="1400" dirty="0">
+              <a:solidFill>
+                <a:sysClr val="windowText" lastClr="000000"/>
+              </a:solidFill>
+              <a:sym typeface="Wingdings" pitchFamily="2" charset="2"/>
+            </a:endParaRPr>
+          </a:p>
+          <a:p>
+            <a:endParaRPr kumimoji="1" lang="en-US" altLang="ko-KR" sz="1400" dirty="0">
+              <a:solidFill>
+                <a:sysClr val="windowText" lastClr="000000"/>
+              </a:solidFill>
+              <a:sym typeface="Wingdings" pitchFamily="2" charset="2"/>
+            </a:endParaRPr>
+          </a:p>
+        </p:txBody>
+      </p:sp>
+      <p:sp>
+        <p:nvSpPr>
+          <p:cNvPr id="2" name="직사각형 1">
+            <a:extLst>
+              <a:ext uri="{FF2B5EF4-FFF2-40B4-BE49-F238E27FC236}">
+                <a16:creationId xmlns:a16="http://schemas.microsoft.com/office/drawing/2014/main" id="{56B64406-9663-BA0D-75C2-07B989DCD57A}"/>
+              </a:ext>
+            </a:extLst>
+          </p:cNvPr>
+          <p:cNvSpPr/>
+          <p:nvPr/>
+        </p:nvSpPr>
+        <p:spPr>
+          <a:xfrm>
+            <a:off x="94588" y="2246802"/>
+            <a:ext cx="11834653" cy="1484370"/>
+          </a:xfrm>
+          <a:prstGeom prst="rect">
+            <a:avLst/>
+          </a:prstGeom>
+          <a:noFill/>
+          <a:ln>
+            <a:solidFill>
+              <a:schemeClr val="accent3">
+                <a:lumMod val="40000"/>
+                <a:lumOff val="60000"/>
+              </a:schemeClr>
+            </a:solidFill>
+          </a:ln>
+        </p:spPr>
+        <p:style>
+          <a:lnRef idx="3">
+            <a:schemeClr val="lt1"/>
+          </a:lnRef>
+          <a:fillRef idx="1">
+            <a:schemeClr val="accent1"/>
+          </a:fillRef>
+          <a:effectRef idx="1">
+            <a:schemeClr val="accent1"/>
+          </a:effectRef>
+          <a:fontRef idx="minor">
+            <a:schemeClr val="lt1"/>
+          </a:fontRef>
+        </p:style>
+        <p:txBody>
+          <a:bodyPr rtlCol="0" anchor="t"/>
+          <a:lstStyle/>
+          <a:p>
+            <a:r>
+              <a:rPr kumimoji="1" lang="en-US" altLang="ko-KR" sz="1400" dirty="0">
+                <a:solidFill>
+                  <a:sysClr val="windowText" lastClr="000000"/>
+                </a:solidFill>
+                <a:sym typeface="Wingdings" pitchFamily="2" charset="2"/>
+              </a:rPr>
+              <a:t>Entity </a:t>
+            </a:r>
+            <a:r>
+              <a:rPr kumimoji="1" lang="ko-KR" altLang="en-US" sz="1400" dirty="0">
+                <a:solidFill>
+                  <a:sysClr val="windowText" lastClr="000000"/>
+                </a:solidFill>
+                <a:sym typeface="Wingdings" pitchFamily="2" charset="2"/>
+              </a:rPr>
+              <a:t>속성</a:t>
+            </a:r>
+            <a:endParaRPr kumimoji="1" lang="en-US" altLang="ko-KR" sz="1400" dirty="0">
+              <a:solidFill>
+                <a:sysClr val="windowText" lastClr="000000"/>
+              </a:solidFill>
+              <a:sym typeface="Wingdings" pitchFamily="2" charset="2"/>
+            </a:endParaRPr>
+          </a:p>
+          <a:p>
+            <a:r>
+              <a:rPr kumimoji="1" lang="en-US" altLang="ko-KR" sz="1400" dirty="0">
+                <a:solidFill>
+                  <a:sysClr val="windowText" lastClr="000000"/>
+                </a:solidFill>
+                <a:sym typeface="Wingdings" pitchFamily="2" charset="2"/>
+              </a:rPr>
+              <a:t>1)</a:t>
+            </a:r>
+            <a:r>
+              <a:rPr kumimoji="1" lang="ko-KR" altLang="en-US" sz="1400" dirty="0">
+                <a:solidFill>
+                  <a:sysClr val="windowText" lastClr="000000"/>
+                </a:solidFill>
+                <a:sym typeface="Wingdings" pitchFamily="2" charset="2"/>
+              </a:rPr>
+              <a:t> </a:t>
+            </a:r>
+            <a:r>
+              <a:rPr kumimoji="1" lang="en-US" altLang="ko-KR" sz="1400" dirty="0">
+                <a:solidFill>
+                  <a:sysClr val="windowText" lastClr="000000"/>
+                </a:solidFill>
+                <a:sym typeface="Wingdings" pitchFamily="2" charset="2"/>
+              </a:rPr>
+              <a:t>Entity name: Entities list</a:t>
+            </a:r>
+            <a:r>
+              <a:rPr kumimoji="1" lang="ko-KR" altLang="en-US" sz="1400" dirty="0" err="1">
+                <a:solidFill>
+                  <a:sysClr val="windowText" lastClr="000000"/>
+                </a:solidFill>
+                <a:sym typeface="Wingdings" pitchFamily="2" charset="2"/>
+              </a:rPr>
+              <a:t>에</a:t>
+            </a:r>
+            <a:r>
+              <a:rPr kumimoji="1" lang="ko-KR" altLang="en-US" sz="1400" dirty="0">
+                <a:solidFill>
+                  <a:sysClr val="windowText" lastClr="000000"/>
+                </a:solidFill>
+                <a:sym typeface="Wingdings" pitchFamily="2" charset="2"/>
+              </a:rPr>
+              <a:t> 표시된 이름</a:t>
+            </a:r>
+            <a:endParaRPr kumimoji="1" lang="en-US" altLang="ko-KR" sz="1400" dirty="0">
+              <a:solidFill>
+                <a:sysClr val="windowText" lastClr="000000"/>
+              </a:solidFill>
+              <a:sym typeface="Wingdings" pitchFamily="2" charset="2"/>
+            </a:endParaRPr>
+          </a:p>
+          <a:p>
+            <a:r>
+              <a:rPr kumimoji="1" lang="en-US" altLang="ko-KR" sz="1400" dirty="0">
+                <a:solidFill>
+                  <a:sysClr val="windowText" lastClr="000000"/>
+                </a:solidFill>
+                <a:sym typeface="Wingdings" pitchFamily="2" charset="2"/>
+              </a:rPr>
+              <a:t>2)</a:t>
+            </a:r>
+            <a:r>
+              <a:rPr kumimoji="1" lang="ko-KR" altLang="en-US" sz="1400" dirty="0">
+                <a:solidFill>
+                  <a:sysClr val="windowText" lastClr="000000"/>
+                </a:solidFill>
+                <a:sym typeface="Wingdings" pitchFamily="2" charset="2"/>
+              </a:rPr>
+              <a:t> </a:t>
+            </a:r>
+            <a:r>
+              <a:rPr kumimoji="1" lang="en-US" altLang="ko-KR" sz="1400" dirty="0">
+                <a:solidFill>
+                  <a:sysClr val="windowText" lastClr="000000"/>
+                </a:solidFill>
+                <a:sym typeface="Wingdings" pitchFamily="2" charset="2"/>
+              </a:rPr>
+              <a:t>Abstract Entity: </a:t>
+            </a:r>
+            <a:r>
+              <a:rPr kumimoji="1" lang="ko-KR" altLang="en-US" sz="1400" dirty="0">
+                <a:solidFill>
+                  <a:sysClr val="windowText" lastClr="000000"/>
+                </a:solidFill>
+                <a:sym typeface="Wingdings" pitchFamily="2" charset="2"/>
+              </a:rPr>
+              <a:t>추상 </a:t>
+            </a:r>
+            <a:r>
+              <a:rPr kumimoji="1" lang="ko-KR" altLang="en-US" sz="1400" dirty="0" err="1">
+                <a:solidFill>
+                  <a:sysClr val="windowText" lastClr="000000"/>
+                </a:solidFill>
+                <a:sym typeface="Wingdings" pitchFamily="2" charset="2"/>
+              </a:rPr>
+              <a:t>엔터티로</a:t>
+            </a:r>
+            <a:r>
+              <a:rPr kumimoji="1" lang="ko-KR" altLang="en-US" sz="1400" dirty="0">
+                <a:solidFill>
+                  <a:sysClr val="windowText" lastClr="000000"/>
+                </a:solidFill>
+                <a:sym typeface="Wingdings" pitchFamily="2" charset="2"/>
+              </a:rPr>
+              <a:t> 만들 경우 필요한 옵션 </a:t>
+            </a:r>
+            <a:r>
+              <a:rPr kumimoji="1" lang="en-US" altLang="ko-KR" sz="1400" dirty="0">
+                <a:solidFill>
+                  <a:sysClr val="windowText" lastClr="000000"/>
+                </a:solidFill>
+                <a:sym typeface="Wingdings" pitchFamily="2" charset="2"/>
+              </a:rPr>
+              <a:t>//</a:t>
+            </a:r>
+            <a:r>
+              <a:rPr kumimoji="1" lang="ko-KR" altLang="en-US" sz="1400" dirty="0">
+                <a:solidFill>
+                  <a:sysClr val="windowText" lastClr="000000"/>
+                </a:solidFill>
+                <a:sym typeface="Wingdings" pitchFamily="2" charset="2"/>
+              </a:rPr>
+              <a:t> </a:t>
+            </a:r>
+            <a:r>
+              <a:rPr kumimoji="1" lang="en-US" altLang="ko-KR" sz="1400" dirty="0">
+                <a:solidFill>
+                  <a:sysClr val="windowText" lastClr="000000"/>
+                </a:solidFill>
+                <a:sym typeface="Wingdings" pitchFamily="2" charset="2"/>
+              </a:rPr>
+              <a:t>DB</a:t>
+            </a:r>
+            <a:r>
+              <a:rPr kumimoji="1" lang="ko-KR" altLang="en-US" sz="1400" dirty="0">
+                <a:solidFill>
+                  <a:sysClr val="windowText" lastClr="000000"/>
+                </a:solidFill>
+                <a:sym typeface="Wingdings" pitchFamily="2" charset="2"/>
+              </a:rPr>
+              <a:t>는 기본적으로 구체적인 </a:t>
+            </a:r>
+            <a:r>
+              <a:rPr kumimoji="1" lang="en-US" altLang="ko-KR" sz="1400" dirty="0">
+                <a:solidFill>
+                  <a:sysClr val="windowText" lastClr="000000"/>
+                </a:solidFill>
+                <a:sym typeface="Wingdings" pitchFamily="2" charset="2"/>
+              </a:rPr>
+              <a:t>Entity</a:t>
+            </a:r>
+            <a:r>
+              <a:rPr kumimoji="1" lang="ko-KR" altLang="en-US" sz="1400" dirty="0">
+                <a:solidFill>
+                  <a:sysClr val="windowText" lastClr="000000"/>
+                </a:solidFill>
+                <a:sym typeface="Wingdings" pitchFamily="2" charset="2"/>
+              </a:rPr>
+              <a:t>로 생성됩니다</a:t>
+            </a:r>
+            <a:r>
+              <a:rPr kumimoji="1" lang="en-US" altLang="ko-KR" sz="1400" dirty="0">
+                <a:solidFill>
+                  <a:sysClr val="windowText" lastClr="000000"/>
+                </a:solidFill>
+                <a:sym typeface="Wingdings" pitchFamily="2" charset="2"/>
+              </a:rPr>
+              <a:t>.</a:t>
+            </a:r>
+            <a:r>
+              <a:rPr kumimoji="1" lang="ko-KR" altLang="en-US" sz="1400" dirty="0">
+                <a:solidFill>
+                  <a:sysClr val="windowText" lastClr="000000"/>
+                </a:solidFill>
+                <a:sym typeface="Wingdings" pitchFamily="2" charset="2"/>
+              </a:rPr>
+              <a:t> </a:t>
+            </a:r>
+            <a:endParaRPr kumimoji="1" lang="en-US" altLang="ko-KR" sz="1400" dirty="0">
+              <a:solidFill>
+                <a:sysClr val="windowText" lastClr="000000"/>
+              </a:solidFill>
+              <a:sym typeface="Wingdings" pitchFamily="2" charset="2"/>
+            </a:endParaRPr>
+          </a:p>
+          <a:p>
+            <a:r>
+              <a:rPr kumimoji="1" lang="en-US" altLang="ko-KR" sz="1400" dirty="0">
+                <a:solidFill>
+                  <a:sysClr val="windowText" lastClr="000000"/>
+                </a:solidFill>
+                <a:sym typeface="Wingdings" pitchFamily="2" charset="2"/>
+              </a:rPr>
+              <a:t>3)</a:t>
+            </a:r>
+            <a:r>
+              <a:rPr kumimoji="1" lang="ko-KR" altLang="en-US" sz="1400" dirty="0">
+                <a:solidFill>
+                  <a:sysClr val="windowText" lastClr="000000"/>
+                </a:solidFill>
+                <a:sym typeface="Wingdings" pitchFamily="2" charset="2"/>
+              </a:rPr>
+              <a:t> </a:t>
+            </a:r>
+            <a:r>
+              <a:rPr kumimoji="1" lang="en-US" altLang="ko-KR" sz="1400" dirty="0">
+                <a:solidFill>
+                  <a:sysClr val="windowText" lastClr="000000"/>
+                </a:solidFill>
+                <a:sym typeface="Wingdings" pitchFamily="2" charset="2"/>
+              </a:rPr>
+              <a:t>Parent Entity: </a:t>
+            </a:r>
+            <a:r>
+              <a:rPr kumimoji="1" lang="ko-KR" altLang="en-US" sz="1400" dirty="0">
+                <a:solidFill>
+                  <a:sysClr val="windowText" lastClr="000000"/>
+                </a:solidFill>
+                <a:sym typeface="Wingdings" pitchFamily="2" charset="2"/>
+              </a:rPr>
+              <a:t>유사한 </a:t>
+            </a:r>
+            <a:r>
+              <a:rPr kumimoji="1" lang="ko-KR" altLang="en-US" sz="1400" dirty="0" err="1">
+                <a:solidFill>
+                  <a:sysClr val="windowText" lastClr="000000"/>
+                </a:solidFill>
+                <a:sym typeface="Wingdings" pitchFamily="2" charset="2"/>
+              </a:rPr>
+              <a:t>엔터티가</a:t>
+            </a:r>
+            <a:r>
+              <a:rPr kumimoji="1" lang="ko-KR" altLang="en-US" sz="1400" dirty="0">
+                <a:solidFill>
+                  <a:sysClr val="windowText" lastClr="000000"/>
+                </a:solidFill>
+                <a:sym typeface="Wingdings" pitchFamily="2" charset="2"/>
+              </a:rPr>
+              <a:t> 여러 개 있는 경우 </a:t>
+            </a:r>
+            <a:r>
+              <a:rPr kumimoji="1" lang="en-US" altLang="ko-KR" sz="1400" dirty="0">
+                <a:solidFill>
+                  <a:sysClr val="windowText" lastClr="000000"/>
+                </a:solidFill>
+                <a:sym typeface="Wingdings" pitchFamily="2" charset="2"/>
+              </a:rPr>
+              <a:t>Parent</a:t>
+            </a:r>
+            <a:r>
+              <a:rPr kumimoji="1" lang="ko-KR" altLang="en-US" sz="1400" dirty="0">
+                <a:solidFill>
+                  <a:sysClr val="windowText" lastClr="000000"/>
+                </a:solidFill>
+                <a:sym typeface="Wingdings" pitchFamily="2" charset="2"/>
+              </a:rPr>
+              <a:t> </a:t>
+            </a:r>
+            <a:r>
+              <a:rPr kumimoji="1" lang="en-US" altLang="ko-KR" sz="1400" dirty="0">
+                <a:solidFill>
+                  <a:sysClr val="windowText" lastClr="000000"/>
+                </a:solidFill>
+                <a:sym typeface="Wingdings" pitchFamily="2" charset="2"/>
+              </a:rPr>
+              <a:t>Entity</a:t>
+            </a:r>
+            <a:r>
+              <a:rPr kumimoji="1" lang="ko-KR" altLang="en-US" sz="1400" dirty="0" err="1">
+                <a:solidFill>
+                  <a:sysClr val="windowText" lastClr="000000"/>
+                </a:solidFill>
+                <a:sym typeface="Wingdings" pitchFamily="2" charset="2"/>
+              </a:rPr>
+              <a:t>를</a:t>
+            </a:r>
+            <a:r>
+              <a:rPr kumimoji="1" lang="ko-KR" altLang="en-US" sz="1400" dirty="0">
+                <a:solidFill>
+                  <a:sysClr val="windowText" lastClr="000000"/>
+                </a:solidFill>
+                <a:sym typeface="Wingdings" pitchFamily="2" charset="2"/>
+              </a:rPr>
+              <a:t> 정의하여 공통 속성을 정의하고 </a:t>
+            </a:r>
+            <a:r>
+              <a:rPr kumimoji="1" lang="en-US" altLang="ko-KR" sz="1400" dirty="0">
+                <a:solidFill>
+                  <a:sysClr val="windowText" lastClr="000000"/>
+                </a:solidFill>
+                <a:sym typeface="Wingdings" pitchFamily="2" charset="2"/>
+              </a:rPr>
+              <a:t>Child Entity</a:t>
+            </a:r>
+            <a:r>
+              <a:rPr kumimoji="1" lang="ko-KR" altLang="en-US" sz="1400" dirty="0">
+                <a:solidFill>
+                  <a:sysClr val="windowText" lastClr="000000"/>
+                </a:solidFill>
+                <a:sym typeface="Wingdings" pitchFamily="2" charset="2"/>
+              </a:rPr>
+              <a:t>가 해당 속성을 상속하도록 한다</a:t>
+            </a:r>
+            <a:r>
+              <a:rPr kumimoji="1" lang="en-US" altLang="ko-KR" sz="1400" dirty="0">
+                <a:solidFill>
+                  <a:sysClr val="windowText" lastClr="000000"/>
+                </a:solidFill>
+                <a:sym typeface="Wingdings" pitchFamily="2" charset="2"/>
+              </a:rPr>
+              <a:t>.</a:t>
+            </a:r>
+          </a:p>
+          <a:p>
+            <a:r>
+              <a:rPr kumimoji="1" lang="en-US" altLang="ko-KR" sz="1400" dirty="0">
+                <a:solidFill>
+                  <a:sysClr val="windowText" lastClr="000000"/>
+                </a:solidFill>
+                <a:sym typeface="Wingdings" pitchFamily="2" charset="2"/>
+              </a:rPr>
+              <a:t>4)</a:t>
+            </a:r>
+            <a:r>
+              <a:rPr kumimoji="1" lang="ko-KR" altLang="en-US" sz="1400" dirty="0">
+                <a:solidFill>
+                  <a:sysClr val="windowText" lastClr="000000"/>
+                </a:solidFill>
+                <a:sym typeface="Wingdings" pitchFamily="2" charset="2"/>
+              </a:rPr>
+              <a:t> </a:t>
+            </a:r>
+            <a:r>
+              <a:rPr kumimoji="1" lang="en-US" altLang="ko-KR" sz="1400" dirty="0">
+                <a:solidFill>
+                  <a:sysClr val="windowText" lastClr="000000"/>
+                </a:solidFill>
+                <a:sym typeface="Wingdings" pitchFamily="2" charset="2"/>
+              </a:rPr>
+              <a:t>Class name: </a:t>
+            </a:r>
+            <a:r>
+              <a:rPr kumimoji="1" lang="ko-KR" altLang="en-US" sz="1400" dirty="0" err="1">
+                <a:solidFill>
+                  <a:sysClr val="windowText" lastClr="000000"/>
+                </a:solidFill>
+                <a:sym typeface="Wingdings" pitchFamily="2" charset="2"/>
+              </a:rPr>
+              <a:t>엔터티의</a:t>
+            </a:r>
+            <a:r>
+              <a:rPr kumimoji="1" lang="ko-KR" altLang="en-US" sz="1400" dirty="0">
+                <a:solidFill>
+                  <a:sysClr val="windowText" lastClr="000000"/>
+                </a:solidFill>
+                <a:sym typeface="Wingdings" pitchFamily="2" charset="2"/>
+              </a:rPr>
+              <a:t> 인스턴스를 만들 때 사용할 클래스 이름이며 기본적으로 </a:t>
+            </a:r>
+            <a:r>
+              <a:rPr kumimoji="1" lang="ko-KR" altLang="en-US" sz="1400" dirty="0" err="1">
+                <a:solidFill>
+                  <a:sysClr val="windowText" lastClr="000000"/>
+                </a:solidFill>
+                <a:sym typeface="Wingdings" pitchFamily="2" charset="2"/>
+              </a:rPr>
+              <a:t>엔터티의</a:t>
+            </a:r>
+            <a:r>
+              <a:rPr kumimoji="1" lang="ko-KR" altLang="en-US" sz="1400" dirty="0">
+                <a:solidFill>
+                  <a:sysClr val="windowText" lastClr="000000"/>
+                </a:solidFill>
+                <a:sym typeface="Wingdings" pitchFamily="2" charset="2"/>
+              </a:rPr>
+              <a:t> 이름</a:t>
+            </a:r>
+            <a:r>
+              <a:rPr kumimoji="1" lang="en-US" altLang="ko-KR" sz="1400" dirty="0">
+                <a:solidFill>
+                  <a:sysClr val="windowText" lastClr="000000"/>
+                </a:solidFill>
+                <a:sym typeface="Wingdings" pitchFamily="2" charset="2"/>
+              </a:rPr>
+              <a:t>(1)</a:t>
+            </a:r>
+            <a:r>
+              <a:rPr kumimoji="1" lang="ko-KR" altLang="en-US" sz="1400" dirty="0">
+                <a:solidFill>
+                  <a:sysClr val="windowText" lastClr="000000"/>
+                </a:solidFill>
+                <a:sym typeface="Wingdings" pitchFamily="2" charset="2"/>
+              </a:rPr>
+              <a:t>을 </a:t>
+            </a:r>
+            <a:r>
+              <a:rPr kumimoji="1" lang="ko-KR" altLang="en-US" sz="1400" dirty="0" err="1">
+                <a:solidFill>
+                  <a:sysClr val="windowText" lastClr="000000"/>
+                </a:solidFill>
+                <a:sym typeface="Wingdings" pitchFamily="2" charset="2"/>
+              </a:rPr>
+              <a:t>미러링함</a:t>
+            </a:r>
+            <a:endParaRPr kumimoji="1" lang="en-US" altLang="ko-KR" sz="1400" dirty="0">
+              <a:solidFill>
+                <a:sysClr val="windowText" lastClr="000000"/>
+              </a:solidFill>
+              <a:sym typeface="Wingdings" pitchFamily="2" charset="2"/>
+            </a:endParaRPr>
+          </a:p>
+          <a:p>
+            <a:r>
+              <a:rPr kumimoji="1" lang="en-US" altLang="ko-KR" sz="1400" dirty="0">
+                <a:solidFill>
+                  <a:sysClr val="windowText" lastClr="000000"/>
+                </a:solidFill>
+                <a:sym typeface="Wingdings" pitchFamily="2" charset="2"/>
+              </a:rPr>
+              <a:t>5)</a:t>
+            </a:r>
+            <a:r>
+              <a:rPr kumimoji="1" lang="ko-KR" altLang="en-US" sz="1400" dirty="0">
+                <a:solidFill>
+                  <a:sysClr val="windowText" lastClr="000000"/>
+                </a:solidFill>
+                <a:sym typeface="Wingdings" pitchFamily="2" charset="2"/>
+              </a:rPr>
+              <a:t> </a:t>
+            </a:r>
+            <a:r>
+              <a:rPr kumimoji="1" lang="en-US" altLang="ko-KR" sz="1400" dirty="0">
+                <a:solidFill>
+                  <a:sysClr val="windowText" lastClr="000000"/>
+                </a:solidFill>
+                <a:sym typeface="Wingdings" pitchFamily="2" charset="2"/>
+              </a:rPr>
+              <a:t>Module:</a:t>
+            </a:r>
+            <a:r>
+              <a:rPr kumimoji="1" lang="ko-KR" altLang="en-US" sz="1400" dirty="0">
+                <a:solidFill>
+                  <a:sysClr val="windowText" lastClr="000000"/>
+                </a:solidFill>
+                <a:sym typeface="Wingdings" pitchFamily="2" charset="2"/>
+              </a:rPr>
+              <a:t> </a:t>
+            </a:r>
+            <a:r>
+              <a:rPr kumimoji="1" lang="ko-KR" altLang="en-US" sz="1400" dirty="0" err="1">
+                <a:solidFill>
+                  <a:sysClr val="windowText" lastClr="000000"/>
+                </a:solidFill>
+                <a:sym typeface="Wingdings" pitchFamily="2" charset="2"/>
+              </a:rPr>
+              <a:t>엔터티</a:t>
+            </a:r>
+            <a:r>
+              <a:rPr kumimoji="1" lang="ko-KR" altLang="en-US" sz="1400" dirty="0">
+                <a:solidFill>
+                  <a:sysClr val="windowText" lastClr="000000"/>
+                </a:solidFill>
+                <a:sym typeface="Wingdings" pitchFamily="2" charset="2"/>
+              </a:rPr>
+              <a:t> 클래스가 있는 모듈</a:t>
+            </a:r>
+            <a:r>
+              <a:rPr kumimoji="1" lang="en-US" altLang="ko-KR" sz="1400" dirty="0">
+                <a:solidFill>
+                  <a:sysClr val="windowText" lastClr="000000"/>
+                </a:solidFill>
+                <a:sym typeface="Wingdings" pitchFamily="2" charset="2"/>
+              </a:rPr>
+              <a:t>,</a:t>
+            </a:r>
+            <a:r>
+              <a:rPr kumimoji="1" lang="ko-KR" altLang="en-US" sz="1400" dirty="0">
+                <a:solidFill>
+                  <a:sysClr val="windowText" lastClr="000000"/>
+                </a:solidFill>
+                <a:sym typeface="Wingdings" pitchFamily="2" charset="2"/>
+              </a:rPr>
+              <a:t> 기본적으로 코어 데이터는 전역 네임스페이스에서 클래스 파일을 찾음</a:t>
+            </a:r>
+            <a:endParaRPr kumimoji="1" lang="en-US" altLang="ko-KR" sz="1400" dirty="0">
+              <a:solidFill>
+                <a:sysClr val="windowText" lastClr="000000"/>
+              </a:solidFill>
+              <a:sym typeface="Wingdings" pitchFamily="2" charset="2"/>
+            </a:endParaRPr>
+          </a:p>
+          <a:p>
+            <a:endParaRPr kumimoji="1" lang="en-US" altLang="ko-KR" sz="1400" dirty="0">
+              <a:solidFill>
+                <a:sysClr val="windowText" lastClr="000000"/>
+              </a:solidFill>
+              <a:sym typeface="Wingdings" pitchFamily="2" charset="2"/>
+            </a:endParaRPr>
+          </a:p>
+        </p:txBody>
+      </p:sp>
+      <p:sp>
+        <p:nvSpPr>
+          <p:cNvPr id="3" name="직사각형 2">
+            <a:extLst>
+              <a:ext uri="{FF2B5EF4-FFF2-40B4-BE49-F238E27FC236}">
+                <a16:creationId xmlns:a16="http://schemas.microsoft.com/office/drawing/2014/main" id="{D113ED6F-4601-6138-1E8E-16D378D811E7}"/>
+              </a:ext>
+            </a:extLst>
+          </p:cNvPr>
+          <p:cNvSpPr/>
+          <p:nvPr/>
+        </p:nvSpPr>
+        <p:spPr>
+          <a:xfrm>
+            <a:off x="2506711" y="3915531"/>
+            <a:ext cx="7951082" cy="1484370"/>
+          </a:xfrm>
+          <a:prstGeom prst="rect">
+            <a:avLst/>
+          </a:prstGeom>
+          <a:noFill/>
+          <a:ln>
+            <a:solidFill>
+              <a:schemeClr val="accent3">
+                <a:lumMod val="20000"/>
+                <a:lumOff val="80000"/>
+              </a:schemeClr>
+            </a:solidFill>
+          </a:ln>
+        </p:spPr>
+        <p:style>
+          <a:lnRef idx="3">
+            <a:schemeClr val="lt1"/>
+          </a:lnRef>
+          <a:fillRef idx="1">
+            <a:schemeClr val="accent1"/>
+          </a:fillRef>
+          <a:effectRef idx="1">
+            <a:schemeClr val="accent1"/>
+          </a:effectRef>
+          <a:fontRef idx="minor">
+            <a:schemeClr val="lt1"/>
+          </a:fontRef>
+        </p:style>
+        <p:txBody>
+          <a:bodyPr rtlCol="0" anchor="t"/>
+          <a:lstStyle/>
+          <a:p>
+            <a:r>
+              <a:rPr kumimoji="1" lang="en-US" altLang="ko-KR" sz="1400" dirty="0">
+                <a:solidFill>
+                  <a:sysClr val="windowText" lastClr="000000"/>
+                </a:solidFill>
+                <a:sym typeface="Wingdings" pitchFamily="2" charset="2"/>
+              </a:rPr>
+              <a:t>Attribute </a:t>
+            </a:r>
+          </a:p>
+          <a:p>
+            <a:pPr marL="342900" indent="-342900">
+              <a:buAutoNum type="arabicParenR"/>
+            </a:pPr>
+            <a:r>
+              <a:rPr kumimoji="1" lang="en-US" altLang="ko-KR" sz="1400" dirty="0">
+                <a:solidFill>
+                  <a:sysClr val="windowText" lastClr="000000"/>
+                </a:solidFill>
+                <a:sym typeface="Wingdings" pitchFamily="2" charset="2"/>
+              </a:rPr>
+              <a:t>Attribute Type: </a:t>
+            </a:r>
+            <a:r>
+              <a:rPr kumimoji="1" lang="ko-KR" altLang="en-US" sz="1400" dirty="0">
+                <a:solidFill>
+                  <a:sysClr val="windowText" lastClr="000000"/>
+                </a:solidFill>
+                <a:sym typeface="Wingdings" pitchFamily="2" charset="2"/>
+              </a:rPr>
+              <a:t>데이터 형식 </a:t>
+            </a:r>
+            <a:r>
+              <a:rPr kumimoji="1" lang="en-US" altLang="ko-KR" sz="1400" dirty="0">
+                <a:solidFill>
+                  <a:sysClr val="windowText" lastClr="000000"/>
+                </a:solidFill>
+                <a:sym typeface="Wingdings" pitchFamily="2" charset="2"/>
+              </a:rPr>
+              <a:t>//</a:t>
+            </a:r>
+            <a:r>
+              <a:rPr kumimoji="1" lang="ko-KR" altLang="en-US" sz="1400" dirty="0">
+                <a:solidFill>
+                  <a:sysClr val="windowText" lastClr="000000"/>
+                </a:solidFill>
+                <a:sym typeface="Wingdings" pitchFamily="2" charset="2"/>
+              </a:rPr>
+              <a:t> 리스트에서 선택한 타입과 동일 </a:t>
+            </a:r>
+            <a:endParaRPr kumimoji="1" lang="en-US" altLang="ko-KR" sz="1400" dirty="0">
+              <a:solidFill>
+                <a:sysClr val="windowText" lastClr="000000"/>
+              </a:solidFill>
+              <a:sym typeface="Wingdings" pitchFamily="2" charset="2"/>
+            </a:endParaRPr>
+          </a:p>
+          <a:p>
+            <a:pPr marL="342900" indent="-342900">
+              <a:buAutoNum type="arabicParenR"/>
+            </a:pPr>
+            <a:r>
+              <a:rPr kumimoji="1" lang="en-US" altLang="ko-KR" sz="1400" dirty="0">
+                <a:solidFill>
+                  <a:sysClr val="windowText" lastClr="000000"/>
+                </a:solidFill>
+                <a:sym typeface="Wingdings" pitchFamily="2" charset="2"/>
+              </a:rPr>
+              <a:t>Optional: </a:t>
+            </a:r>
+            <a:r>
+              <a:rPr kumimoji="1" lang="ko-KR" altLang="en-US" sz="1400" dirty="0">
+                <a:solidFill>
+                  <a:sysClr val="windowText" lastClr="000000"/>
+                </a:solidFill>
+                <a:sym typeface="Wingdings" pitchFamily="2" charset="2"/>
+              </a:rPr>
+              <a:t>해당 </a:t>
+            </a:r>
+            <a:r>
+              <a:rPr kumimoji="1" lang="en-US" altLang="ko-KR" sz="1400" dirty="0">
+                <a:solidFill>
+                  <a:sysClr val="windowText" lastClr="000000"/>
+                </a:solidFill>
+                <a:sym typeface="Wingdings" pitchFamily="2" charset="2"/>
+              </a:rPr>
+              <a:t>Attribute</a:t>
+            </a:r>
+            <a:r>
+              <a:rPr kumimoji="1" lang="ko-KR" altLang="en-US" sz="1400" dirty="0">
+                <a:solidFill>
+                  <a:sysClr val="windowText" lastClr="000000"/>
+                </a:solidFill>
+                <a:sym typeface="Wingdings" pitchFamily="2" charset="2"/>
+              </a:rPr>
+              <a:t>의 필수 속성을 선택할 수 있음</a:t>
+            </a:r>
+            <a:endParaRPr kumimoji="1" lang="en-US" altLang="ko-KR" sz="1400" dirty="0">
+              <a:solidFill>
+                <a:sysClr val="windowText" lastClr="000000"/>
+              </a:solidFill>
+              <a:sym typeface="Wingdings" pitchFamily="2" charset="2"/>
+            </a:endParaRPr>
+          </a:p>
+          <a:p>
+            <a:pPr marL="342900" indent="-342900">
+              <a:buAutoNum type="arabicParenR"/>
+            </a:pPr>
+            <a:r>
+              <a:rPr kumimoji="1" lang="en-US" altLang="ko-KR" sz="1400" dirty="0">
+                <a:solidFill>
+                  <a:sysClr val="windowText" lastClr="000000"/>
+                </a:solidFill>
+                <a:sym typeface="Wingdings" pitchFamily="2" charset="2"/>
+              </a:rPr>
+              <a:t>Validation: </a:t>
+            </a:r>
+            <a:r>
+              <a:rPr kumimoji="1" lang="ko-KR" altLang="en-US" sz="1400" dirty="0">
+                <a:solidFill>
+                  <a:sysClr val="windowText" lastClr="000000"/>
+                </a:solidFill>
+                <a:sym typeface="Wingdings" pitchFamily="2" charset="2"/>
+              </a:rPr>
+              <a:t>해당 </a:t>
+            </a:r>
+            <a:r>
+              <a:rPr kumimoji="1" lang="en-US" altLang="ko-KR" sz="1400" dirty="0">
+                <a:solidFill>
+                  <a:sysClr val="windowText" lastClr="000000"/>
+                </a:solidFill>
+                <a:sym typeface="Wingdings" pitchFamily="2" charset="2"/>
+              </a:rPr>
+              <a:t>Attribute</a:t>
+            </a:r>
+            <a:r>
+              <a:rPr kumimoji="1" lang="ko-KR" altLang="en-US" sz="1400" dirty="0">
+                <a:solidFill>
+                  <a:sysClr val="windowText" lastClr="000000"/>
+                </a:solidFill>
+                <a:sym typeface="Wingdings" pitchFamily="2" charset="2"/>
+              </a:rPr>
+              <a:t>의 유효성 검사 옵션을 지정</a:t>
+            </a:r>
+            <a:endParaRPr kumimoji="1" lang="en-US" altLang="ko-KR" sz="1400" dirty="0">
+              <a:solidFill>
+                <a:sysClr val="windowText" lastClr="000000"/>
+              </a:solidFill>
+              <a:sym typeface="Wingdings" pitchFamily="2" charset="2"/>
+            </a:endParaRPr>
+          </a:p>
+          <a:p>
+            <a:pPr marL="342900" indent="-342900">
+              <a:buAutoNum type="arabicParenR"/>
+            </a:pPr>
+            <a:r>
+              <a:rPr kumimoji="1" lang="en-US" altLang="ko-KR" sz="1400" dirty="0">
+                <a:solidFill>
+                  <a:sysClr val="windowText" lastClr="000000"/>
+                </a:solidFill>
+                <a:sym typeface="Wingdings" pitchFamily="2" charset="2"/>
+              </a:rPr>
+              <a:t>Default</a:t>
+            </a:r>
+            <a:r>
+              <a:rPr kumimoji="1" lang="ko-KR" altLang="en-US" sz="1400" dirty="0">
+                <a:solidFill>
+                  <a:sysClr val="windowText" lastClr="000000"/>
+                </a:solidFill>
+                <a:sym typeface="Wingdings" pitchFamily="2" charset="2"/>
+              </a:rPr>
+              <a:t> </a:t>
+            </a:r>
+            <a:r>
+              <a:rPr kumimoji="1" lang="en-US" altLang="ko-KR" sz="1400" dirty="0">
+                <a:solidFill>
+                  <a:sysClr val="windowText" lastClr="000000"/>
+                </a:solidFill>
+                <a:sym typeface="Wingdings" pitchFamily="2" charset="2"/>
+              </a:rPr>
+              <a:t>Value:</a:t>
+            </a:r>
+            <a:r>
+              <a:rPr kumimoji="1" lang="ko-KR" altLang="en-US" sz="1400" dirty="0">
+                <a:solidFill>
+                  <a:sysClr val="windowText" lastClr="000000"/>
+                </a:solidFill>
+                <a:sym typeface="Wingdings" pitchFamily="2" charset="2"/>
+              </a:rPr>
+              <a:t> 데이터가 생성되는 시점에 해당 </a:t>
+            </a:r>
+            <a:r>
+              <a:rPr kumimoji="1" lang="en-US" altLang="ko-KR" sz="1400" dirty="0">
+                <a:solidFill>
+                  <a:sysClr val="windowText" lastClr="000000"/>
+                </a:solidFill>
+                <a:sym typeface="Wingdings" pitchFamily="2" charset="2"/>
+              </a:rPr>
+              <a:t>Attribute</a:t>
+            </a:r>
+            <a:r>
+              <a:rPr kumimoji="1" lang="ko-KR" altLang="en-US" sz="1400" dirty="0">
+                <a:solidFill>
+                  <a:sysClr val="windowText" lastClr="000000"/>
+                </a:solidFill>
+                <a:sym typeface="Wingdings" pitchFamily="2" charset="2"/>
+              </a:rPr>
+              <a:t>의 기본값을 지정할 수 있음</a:t>
+            </a:r>
+            <a:endParaRPr kumimoji="1" lang="en-US" altLang="ko-KR" sz="1400" dirty="0">
+              <a:solidFill>
+                <a:sysClr val="windowText" lastClr="000000"/>
+              </a:solidFill>
+              <a:sym typeface="Wingdings" pitchFamily="2" charset="2"/>
+            </a:endParaRPr>
+          </a:p>
+          <a:p>
+            <a:endParaRPr kumimoji="1" lang="en-US" altLang="ko-KR" sz="1400" dirty="0">
+              <a:solidFill>
+                <a:sysClr val="windowText" lastClr="000000"/>
+              </a:solidFill>
+              <a:sym typeface="Wingdings" pitchFamily="2" charset="2"/>
+            </a:endParaRPr>
+          </a:p>
+        </p:txBody>
+      </p:sp>
+      <p:pic>
+        <p:nvPicPr>
+          <p:cNvPr id="7" name="그림 6" descr="텍스트, 스크린샷, 소프트웨어, 멀티미디어 소프트웨어이(가) 표시된 사진&#10;&#10;자동 생성된 설명">
+            <a:extLst>
+              <a:ext uri="{FF2B5EF4-FFF2-40B4-BE49-F238E27FC236}">
+                <a16:creationId xmlns:a16="http://schemas.microsoft.com/office/drawing/2014/main" id="{8408F69B-4E88-7B57-55B8-EC8D765058AC}"/>
+              </a:ext>
+            </a:extLst>
+          </p:cNvPr>
+          <p:cNvPicPr>
+            <a:picLocks noChangeAspect="1"/>
+          </p:cNvPicPr>
+          <p:nvPr/>
+        </p:nvPicPr>
+        <p:blipFill>
+          <a:blip r:embed="rId2"/>
+          <a:stretch>
+            <a:fillRect/>
+          </a:stretch>
+        </p:blipFill>
+        <p:spPr>
+          <a:xfrm>
+            <a:off x="94588" y="3915143"/>
+            <a:ext cx="2259724" cy="2794468"/>
+          </a:xfrm>
+          <a:prstGeom prst="rect">
+            <a:avLst/>
+          </a:prstGeom>
+        </p:spPr>
+      </p:pic>
+    </p:spTree>
+    <p:extLst>
+      <p:ext uri="{BB962C8B-B14F-4D97-AF65-F5344CB8AC3E}">
+        <p14:creationId xmlns:p14="http://schemas.microsoft.com/office/powerpoint/2010/main" val="3546506992"/>
+      </p:ext>
+    </p:extLst>
+  </p:cSld>
+  <p:clrMapOvr>
+    <a:masterClrMapping/>
+  </p:clrMapOvr>
+</p:sld>
+</file>
+
+<file path=ppt/slides/slide13.xml><?xml version="1.0" encoding="utf-8"?>
+<p:sld xmlns:a="http://schemas.openxmlformats.org/drawingml/2006/main" xmlns:r="http://schemas.openxmlformats.org/officeDocument/2006/relationships" xmlns:p="http://schemas.openxmlformats.org/presentationml/2006/main">
+  <p:cSld>
+    <p:spTree>
+      <p:nvGrpSpPr>
+        <p:cNvPr id="1" name=""/>
+        <p:cNvGrpSpPr/>
+        <p:nvPr/>
+      </p:nvGrpSpPr>
+      <p:grpSpPr>
+        <a:xfrm>
+          <a:off x="0" y="0"/>
+          <a:ext cx="0" cy="0"/>
+          <a:chOff x="0" y="0"/>
+          <a:chExt cx="0" cy="0"/>
+        </a:xfrm>
+      </p:grpSpPr>
+      <p:sp>
+        <p:nvSpPr>
+          <p:cNvPr id="5" name="TextBox 4">
+            <a:extLst>
+              <a:ext uri="{FF2B5EF4-FFF2-40B4-BE49-F238E27FC236}">
+                <a16:creationId xmlns:a16="http://schemas.microsoft.com/office/drawing/2014/main" id="{2F17E136-0EDC-4EB6-C252-21DCE0AB9B04}"/>
+              </a:ext>
+            </a:extLst>
+          </p:cNvPr>
+          <p:cNvSpPr txBox="1"/>
+          <p:nvPr/>
+        </p:nvSpPr>
+        <p:spPr>
+          <a:xfrm>
+            <a:off x="94589" y="148389"/>
+            <a:ext cx="1749197" cy="369332"/>
+          </a:xfrm>
+          <a:prstGeom prst="rect">
+            <a:avLst/>
+          </a:prstGeom>
+          <a:noFill/>
+        </p:spPr>
+        <p:txBody>
+          <a:bodyPr wrap="none" rtlCol="0">
+            <a:spAutoFit/>
+          </a:bodyPr>
+          <a:lstStyle/>
+          <a:p>
+            <a:r>
+              <a:rPr kumimoji="1" lang="en-US" altLang="ko-KR" dirty="0"/>
+              <a:t>Data Modeling</a:t>
+            </a:r>
+            <a:endParaRPr kumimoji="1" lang="ko-KR" altLang="en-US" dirty="0"/>
+          </a:p>
+        </p:txBody>
+      </p:sp>
+      <p:sp>
+        <p:nvSpPr>
+          <p:cNvPr id="8" name="직사각형 7">
+            <a:extLst>
+              <a:ext uri="{FF2B5EF4-FFF2-40B4-BE49-F238E27FC236}">
+                <a16:creationId xmlns:a16="http://schemas.microsoft.com/office/drawing/2014/main" id="{ACA47405-BF30-4E71-72A9-3D883747CA1C}"/>
+              </a:ext>
+            </a:extLst>
+          </p:cNvPr>
+          <p:cNvSpPr/>
+          <p:nvPr/>
+        </p:nvSpPr>
+        <p:spPr>
+          <a:xfrm>
+            <a:off x="94589" y="721464"/>
+            <a:ext cx="11834653" cy="1590811"/>
+          </a:xfrm>
+          <a:prstGeom prst="rect">
+            <a:avLst/>
+          </a:prstGeom>
+          <a:noFill/>
+          <a:ln>
+            <a:solidFill>
+              <a:schemeClr val="accent4">
+                <a:lumMod val="75000"/>
+              </a:schemeClr>
+            </a:solidFill>
+          </a:ln>
+        </p:spPr>
+        <p:style>
+          <a:lnRef idx="3">
+            <a:schemeClr val="lt1"/>
+          </a:lnRef>
+          <a:fillRef idx="1">
+            <a:schemeClr val="accent1"/>
+          </a:fillRef>
+          <a:effectRef idx="1">
+            <a:schemeClr val="accent1"/>
+          </a:effectRef>
+          <a:fontRef idx="minor">
+            <a:schemeClr val="lt1"/>
+          </a:fontRef>
+        </p:style>
+        <p:txBody>
+          <a:bodyPr rtlCol="0" anchor="t"/>
+          <a:lstStyle/>
+          <a:p>
+            <a:r>
+              <a:rPr kumimoji="1" lang="en-US" altLang="ko-KR" sz="1400" dirty="0" err="1">
+                <a:solidFill>
+                  <a:sysClr val="windowText" lastClr="000000"/>
+                </a:solidFill>
+                <a:sym typeface="Wingdings" pitchFamily="2" charset="2"/>
+              </a:rPr>
+              <a:t>RelationShip</a:t>
+            </a:r>
+            <a:endParaRPr kumimoji="1" lang="en-US" altLang="ko-KR" sz="1400" dirty="0">
+              <a:solidFill>
+                <a:sysClr val="windowText" lastClr="000000"/>
+              </a:solidFill>
+              <a:sym typeface="Wingdings" pitchFamily="2" charset="2"/>
+            </a:endParaRPr>
+          </a:p>
+          <a:p>
+            <a:r>
+              <a:rPr kumimoji="1" lang="en-US" altLang="ko-KR" sz="1400" dirty="0">
+                <a:solidFill>
+                  <a:sysClr val="windowText" lastClr="000000"/>
+                </a:solidFill>
+                <a:sym typeface="Wingdings" pitchFamily="2" charset="2"/>
+              </a:rPr>
+              <a:t> </a:t>
+            </a:r>
+            <a:r>
+              <a:rPr kumimoji="1" lang="ko-KR" altLang="en-US" sz="1400" dirty="0" err="1">
+                <a:solidFill>
+                  <a:sysClr val="windowText" lastClr="000000"/>
+                </a:solidFill>
+                <a:sym typeface="Wingdings" pitchFamily="2" charset="2"/>
+              </a:rPr>
+              <a:t>엔터티가</a:t>
+            </a:r>
+            <a:r>
+              <a:rPr kumimoji="1" lang="ko-KR" altLang="en-US" sz="1400" dirty="0">
+                <a:solidFill>
+                  <a:sysClr val="windowText" lastClr="000000"/>
+                </a:solidFill>
+                <a:sym typeface="Wingdings" pitchFamily="2" charset="2"/>
+              </a:rPr>
+              <a:t> 두 개 이상인 경우 관계 추가가 가능합니다</a:t>
+            </a:r>
+            <a:r>
+              <a:rPr kumimoji="1" lang="en-US" altLang="ko-KR" sz="1400" dirty="0">
+                <a:solidFill>
+                  <a:sysClr val="windowText" lastClr="000000"/>
+                </a:solidFill>
+                <a:sym typeface="Wingdings" pitchFamily="2" charset="2"/>
+              </a:rPr>
+              <a:t>.</a:t>
+            </a:r>
+          </a:p>
+          <a:p>
+            <a:pPr marL="342900" indent="-342900">
+              <a:buAutoNum type="arabicParenR"/>
+            </a:pPr>
+            <a:r>
+              <a:rPr kumimoji="1" lang="en-US" altLang="ko-KR" sz="1400" dirty="0">
+                <a:solidFill>
+                  <a:sysClr val="windowText" lastClr="000000"/>
+                </a:solidFill>
+                <a:sym typeface="Wingdings" pitchFamily="2" charset="2"/>
+              </a:rPr>
+              <a:t>Optional: </a:t>
+            </a:r>
+            <a:r>
+              <a:rPr kumimoji="1" lang="ko-KR" altLang="en-US" sz="1400" dirty="0">
+                <a:solidFill>
+                  <a:sysClr val="windowText" lastClr="000000"/>
+                </a:solidFill>
+                <a:sym typeface="Wingdings" pitchFamily="2" charset="2"/>
+              </a:rPr>
+              <a:t>해당 관계의 필수 속성을 선택할 수 있음</a:t>
+            </a:r>
+            <a:endParaRPr kumimoji="1" lang="en-US" altLang="ko-KR" sz="1400" dirty="0">
+              <a:solidFill>
+                <a:sysClr val="windowText" lastClr="000000"/>
+              </a:solidFill>
+              <a:sym typeface="Wingdings" pitchFamily="2" charset="2"/>
+            </a:endParaRPr>
+          </a:p>
+          <a:p>
+            <a:pPr marL="342900" indent="-342900">
+              <a:buAutoNum type="arabicParenR"/>
+            </a:pPr>
+            <a:r>
+              <a:rPr kumimoji="1" lang="en-US" altLang="ko-KR" sz="1400" dirty="0">
+                <a:solidFill>
+                  <a:sysClr val="windowText" lastClr="000000"/>
+                </a:solidFill>
+                <a:sym typeface="Wingdings" pitchFamily="2" charset="2"/>
+              </a:rPr>
+              <a:t>Destination: </a:t>
+            </a:r>
+            <a:r>
+              <a:rPr kumimoji="1" lang="ko-KR" altLang="en-US" sz="1400" dirty="0">
+                <a:solidFill>
+                  <a:sysClr val="windowText" lastClr="000000"/>
+                </a:solidFill>
+                <a:sym typeface="Wingdings" pitchFamily="2" charset="2"/>
+              </a:rPr>
+              <a:t>관계를 설정할 대상이 되는 </a:t>
+            </a:r>
+            <a:r>
+              <a:rPr kumimoji="1" lang="ko-KR" altLang="en-US" sz="1400" dirty="0" err="1">
+                <a:solidFill>
+                  <a:sysClr val="windowText" lastClr="000000"/>
+                </a:solidFill>
+                <a:sym typeface="Wingdings" pitchFamily="2" charset="2"/>
+              </a:rPr>
+              <a:t>엔터티를</a:t>
+            </a:r>
+            <a:r>
+              <a:rPr kumimoji="1" lang="ko-KR" altLang="en-US" sz="1400" dirty="0">
+                <a:solidFill>
+                  <a:sysClr val="windowText" lastClr="000000"/>
+                </a:solidFill>
+                <a:sym typeface="Wingdings" pitchFamily="2" charset="2"/>
+              </a:rPr>
+              <a:t> 선택</a:t>
+            </a:r>
+            <a:endParaRPr kumimoji="1" lang="en-US" altLang="ko-KR" sz="1400" dirty="0">
+              <a:solidFill>
+                <a:sysClr val="windowText" lastClr="000000"/>
+              </a:solidFill>
+              <a:sym typeface="Wingdings" pitchFamily="2" charset="2"/>
+            </a:endParaRPr>
+          </a:p>
+          <a:p>
+            <a:pPr marL="342900" indent="-342900">
+              <a:buAutoNum type="arabicParenR"/>
+            </a:pPr>
+            <a:r>
+              <a:rPr kumimoji="1" lang="en-US" altLang="ko-KR" sz="1400" dirty="0">
+                <a:solidFill>
+                  <a:sysClr val="windowText" lastClr="000000"/>
+                </a:solidFill>
+                <a:sym typeface="Wingdings" pitchFamily="2" charset="2"/>
+              </a:rPr>
+              <a:t>Delete Rule: </a:t>
+            </a:r>
+            <a:r>
+              <a:rPr kumimoji="1" lang="ko-KR" altLang="en-US" sz="1400" dirty="0">
+                <a:solidFill>
+                  <a:sysClr val="windowText" lastClr="000000"/>
+                </a:solidFill>
+                <a:sym typeface="Wingdings" pitchFamily="2" charset="2"/>
+              </a:rPr>
+              <a:t>코어 데이터가 원본 인스턴스를 삭제할 때 변경 내용이 관계간에 전파되는 방식을 지정</a:t>
+            </a:r>
+            <a:endParaRPr kumimoji="1" lang="en-US" altLang="ko-KR" sz="1400" dirty="0">
+              <a:solidFill>
+                <a:sysClr val="windowText" lastClr="000000"/>
+              </a:solidFill>
+              <a:sym typeface="Wingdings" pitchFamily="2" charset="2"/>
+            </a:endParaRPr>
+          </a:p>
+          <a:p>
+            <a:pPr marL="342900" indent="-342900">
+              <a:buAutoNum type="arabicParenR"/>
+            </a:pPr>
+            <a:r>
+              <a:rPr kumimoji="1" lang="en-US" altLang="ko-KR" sz="1400" dirty="0">
+                <a:solidFill>
+                  <a:sysClr val="windowText" lastClr="000000"/>
+                </a:solidFill>
+                <a:sym typeface="Wingdings" pitchFamily="2" charset="2"/>
+              </a:rPr>
+              <a:t>Type: Relationship 1:1 or 1:N</a:t>
+            </a:r>
+          </a:p>
+          <a:p>
+            <a:pPr marL="342900" indent="-342900">
+              <a:buAutoNum type="arabicParenR"/>
+            </a:pPr>
+            <a:endParaRPr kumimoji="1" lang="en-US" altLang="ko-KR" sz="1400" dirty="0">
+              <a:solidFill>
+                <a:sysClr val="windowText" lastClr="000000"/>
+              </a:solidFill>
+              <a:sym typeface="Wingdings" pitchFamily="2" charset="2"/>
+            </a:endParaRPr>
+          </a:p>
+        </p:txBody>
+      </p:sp>
+      <p:sp>
+        <p:nvSpPr>
+          <p:cNvPr id="4" name="직사각형 3">
+            <a:extLst>
+              <a:ext uri="{FF2B5EF4-FFF2-40B4-BE49-F238E27FC236}">
+                <a16:creationId xmlns:a16="http://schemas.microsoft.com/office/drawing/2014/main" id="{D305AE3B-2BE5-4540-F9EC-63BBC6C81109}"/>
+              </a:ext>
+            </a:extLst>
+          </p:cNvPr>
+          <p:cNvSpPr/>
+          <p:nvPr/>
+        </p:nvSpPr>
+        <p:spPr>
+          <a:xfrm>
+            <a:off x="4645568" y="3615777"/>
+            <a:ext cx="6884275" cy="2112360"/>
+          </a:xfrm>
+          <a:prstGeom prst="rect">
+            <a:avLst/>
+          </a:prstGeom>
+          <a:noFill/>
+          <a:ln>
+            <a:solidFill>
+              <a:schemeClr val="accent4">
+                <a:lumMod val="75000"/>
+              </a:schemeClr>
+            </a:solidFill>
+          </a:ln>
+        </p:spPr>
+        <p:style>
+          <a:lnRef idx="3">
+            <a:schemeClr val="lt1"/>
+          </a:lnRef>
+          <a:fillRef idx="1">
+            <a:schemeClr val="accent1"/>
+          </a:fillRef>
+          <a:effectRef idx="1">
+            <a:schemeClr val="accent1"/>
+          </a:effectRef>
+          <a:fontRef idx="minor">
+            <a:schemeClr val="lt1"/>
+          </a:fontRef>
+        </p:style>
+        <p:txBody>
+          <a:bodyPr rtlCol="0" anchor="t"/>
+          <a:lstStyle/>
+          <a:p>
+            <a:r>
+              <a:rPr kumimoji="1" lang="en-US" altLang="ko-KR" sz="1400" dirty="0">
+                <a:solidFill>
+                  <a:sysClr val="windowText" lastClr="000000"/>
+                </a:solidFill>
+                <a:sym typeface="Wingdings" pitchFamily="2" charset="2"/>
+              </a:rPr>
+              <a:t>Core Data </a:t>
+            </a:r>
+            <a:r>
+              <a:rPr kumimoji="1" lang="ko-KR" altLang="en-US" sz="1400" dirty="0">
+                <a:solidFill>
+                  <a:sysClr val="windowText" lastClr="000000"/>
+                </a:solidFill>
+                <a:sym typeface="Wingdings" pitchFamily="2" charset="2"/>
+              </a:rPr>
+              <a:t>사용하기</a:t>
+            </a:r>
+            <a:endParaRPr kumimoji="1" lang="en-US" altLang="ko-KR" sz="1400" dirty="0">
+              <a:solidFill>
+                <a:sysClr val="windowText" lastClr="000000"/>
+              </a:solidFill>
+              <a:sym typeface="Wingdings" pitchFamily="2" charset="2"/>
+            </a:endParaRPr>
+          </a:p>
+          <a:p>
+            <a:pPr marL="342900" indent="-342900">
+              <a:buAutoNum type="arabicParenR"/>
+            </a:pPr>
+            <a:r>
+              <a:rPr kumimoji="1" lang="en-US" altLang="ko-KR" sz="1400" dirty="0">
+                <a:solidFill>
+                  <a:sysClr val="windowText" lastClr="000000"/>
+                </a:solidFill>
+                <a:sym typeface="Wingdings" pitchFamily="2" charset="2"/>
+              </a:rPr>
+              <a:t>MVC</a:t>
+            </a:r>
+            <a:r>
+              <a:rPr kumimoji="1" lang="ko-KR" altLang="en-US" sz="1400" dirty="0">
+                <a:solidFill>
+                  <a:sysClr val="windowText" lastClr="000000"/>
+                </a:solidFill>
+                <a:sym typeface="Wingdings" pitchFamily="2" charset="2"/>
+              </a:rPr>
+              <a:t> 기준으로 본다면 </a:t>
+            </a:r>
+            <a:r>
+              <a:rPr kumimoji="1" lang="ko-KR" altLang="en-US" sz="1400" dirty="0" err="1">
+                <a:solidFill>
+                  <a:sysClr val="windowText" lastClr="000000"/>
+                </a:solidFill>
+                <a:sym typeface="Wingdings" pitchFamily="2" charset="2"/>
+              </a:rPr>
+              <a:t>사용하고자하는</a:t>
+            </a:r>
+            <a:r>
+              <a:rPr kumimoji="1" lang="ko-KR" altLang="en-US" sz="1400" dirty="0">
+                <a:solidFill>
+                  <a:sysClr val="windowText" lastClr="000000"/>
+                </a:solidFill>
+                <a:sym typeface="Wingdings" pitchFamily="2" charset="2"/>
+              </a:rPr>
+              <a:t> </a:t>
+            </a:r>
+            <a:r>
+              <a:rPr kumimoji="1" lang="ko-KR" altLang="en-US" sz="1400" dirty="0" err="1">
+                <a:solidFill>
+                  <a:sysClr val="windowText" lastClr="000000"/>
+                </a:solidFill>
+                <a:sym typeface="Wingdings" pitchFamily="2" charset="2"/>
+              </a:rPr>
+              <a:t>뷰컨트롤러</a:t>
+            </a:r>
+            <a:r>
+              <a:rPr kumimoji="1" lang="ko-KR" altLang="en-US" sz="1400" dirty="0">
+                <a:solidFill>
+                  <a:sysClr val="windowText" lastClr="000000"/>
+                </a:solidFill>
+                <a:sym typeface="Wingdings" pitchFamily="2" charset="2"/>
+              </a:rPr>
+              <a:t> 파일 코드에서</a:t>
+            </a:r>
+            <a:br>
+              <a:rPr kumimoji="1" lang="en-US" altLang="ko-KR" sz="1400" dirty="0">
+                <a:solidFill>
+                  <a:sysClr val="windowText" lastClr="000000"/>
+                </a:solidFill>
+                <a:sym typeface="Wingdings" pitchFamily="2" charset="2"/>
+              </a:rPr>
+            </a:br>
+            <a:r>
+              <a:rPr kumimoji="1" lang="en-US" altLang="ko-KR" sz="1400" dirty="0" err="1">
+                <a:solidFill>
+                  <a:sysClr val="windowText" lastClr="000000"/>
+                </a:solidFill>
+                <a:sym typeface="Wingdings" pitchFamily="2" charset="2"/>
+              </a:rPr>
+              <a:t>AppDelegate</a:t>
+            </a:r>
+            <a:r>
+              <a:rPr kumimoji="1" lang="ko-KR" altLang="en-US" sz="1400" dirty="0" err="1">
+                <a:solidFill>
+                  <a:sysClr val="windowText" lastClr="000000"/>
+                </a:solidFill>
+                <a:sym typeface="Wingdings" pitchFamily="2" charset="2"/>
+              </a:rPr>
+              <a:t>에</a:t>
+            </a:r>
+            <a:r>
+              <a:rPr kumimoji="1" lang="ko-KR" altLang="en-US" sz="1400" dirty="0">
+                <a:solidFill>
+                  <a:sysClr val="windowText" lastClr="000000"/>
+                </a:solidFill>
+                <a:sym typeface="Wingdings" pitchFamily="2" charset="2"/>
+              </a:rPr>
+              <a:t> 정의된 </a:t>
+            </a:r>
+            <a:r>
+              <a:rPr kumimoji="1" lang="en-US" altLang="ko-KR" sz="1400" dirty="0" err="1">
+                <a:solidFill>
+                  <a:sysClr val="windowText" lastClr="000000"/>
+                </a:solidFill>
+                <a:sym typeface="Wingdings" pitchFamily="2" charset="2"/>
+              </a:rPr>
+              <a:t>persistentController</a:t>
+            </a:r>
+            <a:r>
+              <a:rPr kumimoji="1" lang="ko-KR" altLang="en-US" sz="1400" dirty="0" err="1">
+                <a:solidFill>
+                  <a:sysClr val="windowText" lastClr="000000"/>
+                </a:solidFill>
+                <a:sym typeface="Wingdings" pitchFamily="2" charset="2"/>
+              </a:rPr>
+              <a:t>에</a:t>
+            </a:r>
+            <a:r>
+              <a:rPr kumimoji="1" lang="ko-KR" altLang="en-US" sz="1400" dirty="0">
+                <a:solidFill>
+                  <a:sysClr val="windowText" lastClr="000000"/>
+                </a:solidFill>
+                <a:sym typeface="Wingdings" pitchFamily="2" charset="2"/>
+              </a:rPr>
+              <a:t> 접근할 것</a:t>
+            </a:r>
+            <a:endParaRPr kumimoji="1" lang="en-US" altLang="ko-KR" sz="1400" dirty="0">
+              <a:solidFill>
+                <a:sysClr val="windowText" lastClr="000000"/>
+              </a:solidFill>
+              <a:sym typeface="Wingdings" pitchFamily="2" charset="2"/>
+            </a:endParaRPr>
+          </a:p>
+          <a:p>
+            <a:pPr marL="342900" indent="-342900">
+              <a:buAutoNum type="arabicParenR"/>
+            </a:pPr>
+            <a:r>
+              <a:rPr kumimoji="1" lang="en-US" altLang="ko-KR" sz="1400" dirty="0">
+                <a:solidFill>
+                  <a:sysClr val="windowText" lastClr="000000"/>
+                </a:solidFill>
+                <a:sym typeface="Wingdings" pitchFamily="2" charset="2"/>
+              </a:rPr>
+              <a:t>Editor &gt; Create </a:t>
+            </a:r>
+            <a:r>
+              <a:rPr kumimoji="1" lang="en-US" altLang="ko-KR" sz="1400" dirty="0" err="1">
+                <a:solidFill>
+                  <a:sysClr val="windowText" lastClr="000000"/>
+                </a:solidFill>
+                <a:sym typeface="Wingdings" pitchFamily="2" charset="2"/>
+              </a:rPr>
+              <a:t>NSManagedObject</a:t>
+            </a:r>
+            <a:r>
+              <a:rPr kumimoji="1" lang="en-US" altLang="ko-KR" sz="1400" dirty="0">
+                <a:solidFill>
+                  <a:sysClr val="windowText" lastClr="000000"/>
+                </a:solidFill>
+                <a:sym typeface="Wingdings" pitchFamily="2" charset="2"/>
+              </a:rPr>
+              <a:t> Subclass</a:t>
+            </a:r>
+            <a:r>
+              <a:rPr kumimoji="1" lang="ko-KR" altLang="en-US" sz="1400" dirty="0" err="1">
+                <a:solidFill>
+                  <a:sysClr val="windowText" lastClr="000000"/>
+                </a:solidFill>
+                <a:sym typeface="Wingdings" pitchFamily="2" charset="2"/>
+              </a:rPr>
+              <a:t>를</a:t>
+            </a:r>
+            <a:r>
+              <a:rPr kumimoji="1" lang="ko-KR" altLang="en-US" sz="1400" dirty="0">
+                <a:solidFill>
+                  <a:sysClr val="windowText" lastClr="000000"/>
+                </a:solidFill>
+                <a:sym typeface="Wingdings" pitchFamily="2" charset="2"/>
+              </a:rPr>
+              <a:t> 선택하여 </a:t>
+            </a:r>
+            <a:r>
+              <a:rPr kumimoji="1" lang="en-US" altLang="ko-KR" sz="1400" dirty="0">
+                <a:solidFill>
+                  <a:sysClr val="windowText" lastClr="000000"/>
+                </a:solidFill>
+                <a:sym typeface="Wingdings" pitchFamily="2" charset="2"/>
+              </a:rPr>
+              <a:t>Entity</a:t>
+            </a:r>
+            <a:r>
+              <a:rPr kumimoji="1" lang="ko-KR" altLang="en-US" sz="1400" dirty="0" err="1">
+                <a:solidFill>
+                  <a:sysClr val="windowText" lastClr="000000"/>
+                </a:solidFill>
+                <a:sym typeface="Wingdings" pitchFamily="2" charset="2"/>
+              </a:rPr>
+              <a:t>를</a:t>
+            </a:r>
+            <a:r>
+              <a:rPr kumimoji="1" lang="ko-KR" altLang="en-US" sz="1400" dirty="0">
+                <a:solidFill>
+                  <a:sysClr val="windowText" lastClr="000000"/>
+                </a:solidFill>
+                <a:sym typeface="Wingdings" pitchFamily="2" charset="2"/>
+              </a:rPr>
+              <a:t> 구현하는</a:t>
+            </a:r>
+            <a:br>
+              <a:rPr kumimoji="1" lang="en-US" altLang="ko-KR" sz="1400" dirty="0">
+                <a:solidFill>
+                  <a:sysClr val="windowText" lastClr="000000"/>
+                </a:solidFill>
+                <a:sym typeface="Wingdings" pitchFamily="2" charset="2"/>
+              </a:rPr>
+            </a:br>
+            <a:r>
+              <a:rPr kumimoji="1" lang="en-US" altLang="ko-KR" sz="1400" dirty="0">
+                <a:solidFill>
+                  <a:sysClr val="windowText" lastClr="000000"/>
+                </a:solidFill>
+                <a:sym typeface="Wingdings" pitchFamily="2" charset="2"/>
+              </a:rPr>
+              <a:t>extension</a:t>
+            </a:r>
+            <a:r>
+              <a:rPr kumimoji="1" lang="ko-KR" altLang="en-US" sz="1400" dirty="0">
+                <a:solidFill>
+                  <a:sysClr val="windowText" lastClr="000000"/>
+                </a:solidFill>
+                <a:sym typeface="Wingdings" pitchFamily="2" charset="2"/>
+              </a:rPr>
+              <a:t>을 만들거나 자동 생성된 것을 활용합니다</a:t>
+            </a:r>
+            <a:r>
+              <a:rPr kumimoji="1" lang="en-US" altLang="ko-KR" sz="1400" dirty="0">
+                <a:solidFill>
+                  <a:sysClr val="windowText" lastClr="000000"/>
+                </a:solidFill>
+                <a:sym typeface="Wingdings" pitchFamily="2" charset="2"/>
+              </a:rPr>
+              <a:t>.</a:t>
+            </a:r>
+            <a:br>
+              <a:rPr kumimoji="1" lang="en-US" altLang="ko-KR" sz="1400" dirty="0">
+                <a:solidFill>
+                  <a:sysClr val="windowText" lastClr="000000"/>
+                </a:solidFill>
+                <a:sym typeface="Wingdings" pitchFamily="2" charset="2"/>
+              </a:rPr>
+            </a:br>
+            <a:endParaRPr kumimoji="1" lang="en-US" altLang="ko-KR" sz="1400" dirty="0">
+              <a:solidFill>
+                <a:sysClr val="windowText" lastClr="000000"/>
+              </a:solidFill>
+              <a:sym typeface="Wingdings" pitchFamily="2" charset="2"/>
+            </a:endParaRPr>
+          </a:p>
+          <a:p>
+            <a:pPr marL="342900" indent="-342900">
+              <a:buAutoNum type="arabicParenR"/>
+            </a:pPr>
+            <a:r>
+              <a:rPr kumimoji="1" lang="en-US" altLang="ko-KR" sz="1400" dirty="0" err="1">
+                <a:solidFill>
+                  <a:sysClr val="windowText" lastClr="000000"/>
+                </a:solidFill>
+                <a:sym typeface="Wingdings" pitchFamily="2" charset="2"/>
+              </a:rPr>
+              <a:t>fetchRequest</a:t>
+            </a:r>
+            <a:r>
+              <a:rPr kumimoji="1" lang="ko-KR" altLang="en-US" sz="1400" dirty="0">
+                <a:solidFill>
+                  <a:sysClr val="windowText" lastClr="000000"/>
+                </a:solidFill>
+                <a:sym typeface="Wingdings" pitchFamily="2" charset="2"/>
+              </a:rPr>
+              <a:t>는 </a:t>
+            </a:r>
+            <a:r>
+              <a:rPr kumimoji="1" lang="en-US" altLang="ko-KR" sz="1400" dirty="0">
+                <a:solidFill>
+                  <a:sysClr val="windowText" lastClr="000000"/>
+                </a:solidFill>
+                <a:sym typeface="Wingdings" pitchFamily="2" charset="2"/>
+              </a:rPr>
+              <a:t>Entity</a:t>
+            </a:r>
+            <a:r>
+              <a:rPr kumimoji="1" lang="ko-KR" altLang="en-US" sz="1400" dirty="0" err="1">
+                <a:solidFill>
+                  <a:sysClr val="windowText" lastClr="000000"/>
+                </a:solidFill>
+                <a:sym typeface="Wingdings" pitchFamily="2" charset="2"/>
+              </a:rPr>
+              <a:t>에</a:t>
+            </a:r>
+            <a:r>
+              <a:rPr kumimoji="1" lang="ko-KR" altLang="en-US" sz="1400" dirty="0">
+                <a:solidFill>
+                  <a:sysClr val="windowText" lastClr="000000"/>
+                </a:solidFill>
+                <a:sym typeface="Wingdings" pitchFamily="2" charset="2"/>
+              </a:rPr>
+              <a:t> 접근하는 오브젝트로 </a:t>
+            </a:r>
+            <a:r>
+              <a:rPr kumimoji="1" lang="en-US" altLang="ko-KR" sz="1400" dirty="0" err="1">
+                <a:solidFill>
+                  <a:sysClr val="windowText" lastClr="000000"/>
+                </a:solidFill>
+                <a:sym typeface="Wingdings" pitchFamily="2" charset="2"/>
+              </a:rPr>
+              <a:t>ViewController</a:t>
+            </a:r>
+            <a:r>
+              <a:rPr kumimoji="1" lang="ko-KR" altLang="en-US" sz="1400" dirty="0">
+                <a:solidFill>
+                  <a:sysClr val="windowText" lastClr="000000"/>
+                </a:solidFill>
+                <a:sym typeface="Wingdings" pitchFamily="2" charset="2"/>
+              </a:rPr>
+              <a:t>에서 선언한 </a:t>
+            </a:r>
+            <a:r>
+              <a:rPr kumimoji="1" lang="en-US" altLang="ko-KR" sz="1400" dirty="0" err="1">
+                <a:solidFill>
+                  <a:sysClr val="windowText" lastClr="000000"/>
+                </a:solidFill>
+                <a:sym typeface="Wingdings" pitchFamily="2" charset="2"/>
+              </a:rPr>
+              <a:t>persistentController</a:t>
+            </a:r>
+            <a:r>
+              <a:rPr kumimoji="1" lang="ko-KR" altLang="en-US" sz="1400" dirty="0" err="1">
+                <a:solidFill>
+                  <a:sysClr val="windowText" lastClr="000000"/>
+                </a:solidFill>
+                <a:sym typeface="Wingdings" pitchFamily="2" charset="2"/>
+              </a:rPr>
+              <a:t>를</a:t>
+            </a:r>
+            <a:r>
+              <a:rPr kumimoji="1" lang="ko-KR" altLang="en-US" sz="1400" dirty="0">
+                <a:solidFill>
+                  <a:sysClr val="windowText" lastClr="000000"/>
+                </a:solidFill>
+                <a:sym typeface="Wingdings" pitchFamily="2" charset="2"/>
+              </a:rPr>
+              <a:t> 통해 호출될 것입니다</a:t>
+            </a:r>
+            <a:r>
+              <a:rPr kumimoji="1" lang="en-US" altLang="ko-KR" sz="1400" dirty="0">
+                <a:solidFill>
+                  <a:sysClr val="windowText" lastClr="000000"/>
+                </a:solidFill>
+                <a:sym typeface="Wingdings" pitchFamily="2" charset="2"/>
+              </a:rPr>
+              <a:t>.</a:t>
+            </a:r>
+          </a:p>
+        </p:txBody>
+      </p:sp>
+      <p:pic>
+        <p:nvPicPr>
+          <p:cNvPr id="9" name="그림 8" descr="텍스트, 스크린샷, 폰트이(가) 표시된 사진&#10;&#10;자동 생성된 설명">
+            <a:extLst>
+              <a:ext uri="{FF2B5EF4-FFF2-40B4-BE49-F238E27FC236}">
+                <a16:creationId xmlns:a16="http://schemas.microsoft.com/office/drawing/2014/main" id="{5E8ED753-177A-EF83-5951-01DF24CF7385}"/>
+              </a:ext>
+            </a:extLst>
+          </p:cNvPr>
+          <p:cNvPicPr>
+            <a:picLocks noChangeAspect="1"/>
+          </p:cNvPicPr>
+          <p:nvPr/>
+        </p:nvPicPr>
+        <p:blipFill>
+          <a:blip r:embed="rId2"/>
+          <a:stretch>
+            <a:fillRect/>
+          </a:stretch>
+        </p:blipFill>
+        <p:spPr>
+          <a:xfrm>
+            <a:off x="94589" y="2414970"/>
+            <a:ext cx="4646376" cy="1014030"/>
+          </a:xfrm>
+          <a:prstGeom prst="rect">
+            <a:avLst/>
+          </a:prstGeom>
+        </p:spPr>
+      </p:pic>
+      <p:pic>
+        <p:nvPicPr>
+          <p:cNvPr id="11" name="그림 10" descr="텍스트, 스크린샷, 폰트이(가) 표시된 사진&#10;&#10;자동 생성된 설명">
+            <a:extLst>
+              <a:ext uri="{FF2B5EF4-FFF2-40B4-BE49-F238E27FC236}">
+                <a16:creationId xmlns:a16="http://schemas.microsoft.com/office/drawing/2014/main" id="{6E1AE25C-E03A-5C7B-DAED-028E75D7B569}"/>
+              </a:ext>
+            </a:extLst>
+          </p:cNvPr>
+          <p:cNvPicPr>
+            <a:picLocks noChangeAspect="1"/>
+          </p:cNvPicPr>
+          <p:nvPr/>
+        </p:nvPicPr>
+        <p:blipFill>
+          <a:blip r:embed="rId3"/>
+          <a:stretch>
+            <a:fillRect/>
+          </a:stretch>
+        </p:blipFill>
+        <p:spPr>
+          <a:xfrm>
+            <a:off x="94589" y="3479800"/>
+            <a:ext cx="4406900" cy="3378200"/>
+          </a:xfrm>
+          <a:prstGeom prst="rect">
+            <a:avLst/>
+          </a:prstGeom>
+        </p:spPr>
+      </p:pic>
+    </p:spTree>
+    <p:extLst>
+      <p:ext uri="{BB962C8B-B14F-4D97-AF65-F5344CB8AC3E}">
+        <p14:creationId xmlns:p14="http://schemas.microsoft.com/office/powerpoint/2010/main" val="3792147370"/>
+      </p:ext>
+    </p:extLst>
+  </p:cSld>
+  <p:clrMapOvr>
+    <a:masterClrMapping/>
+  </p:clrMapOvr>
+</p:sld>
+</file>
+
+<file path=ppt/slides/slide14.xml><?xml version="1.0" encoding="utf-8"?>
+<p:sld xmlns:a="http://schemas.openxmlformats.org/drawingml/2006/main" xmlns:r="http://schemas.openxmlformats.org/officeDocument/2006/relationships" xmlns:p="http://schemas.openxmlformats.org/presentationml/2006/main">
+  <p:cSld>
+    <p:spTree>
+      <p:nvGrpSpPr>
+        <p:cNvPr id="1" name=""/>
+        <p:cNvGrpSpPr/>
+        <p:nvPr/>
+      </p:nvGrpSpPr>
+      <p:grpSpPr>
+        <a:xfrm>
+          <a:off x="0" y="0"/>
+          <a:ext cx="0" cy="0"/>
+          <a:chOff x="0" y="0"/>
+          <a:chExt cx="0" cy="0"/>
+        </a:xfrm>
+      </p:grpSpPr>
+      <p:sp>
+        <p:nvSpPr>
+          <p:cNvPr id="5" name="TextBox 4">
+            <a:extLst>
+              <a:ext uri="{FF2B5EF4-FFF2-40B4-BE49-F238E27FC236}">
+                <a16:creationId xmlns:a16="http://schemas.microsoft.com/office/drawing/2014/main" id="{2F17E136-0EDC-4EB6-C252-21DCE0AB9B04}"/>
+              </a:ext>
+            </a:extLst>
+          </p:cNvPr>
+          <p:cNvSpPr txBox="1"/>
+          <p:nvPr/>
+        </p:nvSpPr>
+        <p:spPr>
+          <a:xfrm>
+            <a:off x="94589" y="148389"/>
+            <a:ext cx="1749197" cy="369332"/>
+          </a:xfrm>
+          <a:prstGeom prst="rect">
+            <a:avLst/>
+          </a:prstGeom>
+          <a:noFill/>
+        </p:spPr>
+        <p:txBody>
+          <a:bodyPr wrap="none" rtlCol="0">
+            <a:spAutoFit/>
+          </a:bodyPr>
+          <a:lstStyle/>
+          <a:p>
+            <a:r>
+              <a:rPr kumimoji="1" lang="en-US" altLang="ko-KR" dirty="0"/>
+              <a:t>Data Modeling</a:t>
+            </a:r>
+            <a:endParaRPr kumimoji="1" lang="ko-KR" altLang="en-US" dirty="0"/>
+          </a:p>
+        </p:txBody>
+      </p:sp>
+      <p:sp>
+        <p:nvSpPr>
+          <p:cNvPr id="8" name="직사각형 7">
+            <a:extLst>
+              <a:ext uri="{FF2B5EF4-FFF2-40B4-BE49-F238E27FC236}">
+                <a16:creationId xmlns:a16="http://schemas.microsoft.com/office/drawing/2014/main" id="{ACA47405-BF30-4E71-72A9-3D883747CA1C}"/>
+              </a:ext>
+            </a:extLst>
+          </p:cNvPr>
+          <p:cNvSpPr/>
+          <p:nvPr/>
+        </p:nvSpPr>
+        <p:spPr>
+          <a:xfrm>
+            <a:off x="94589" y="721464"/>
+            <a:ext cx="11834653" cy="1590811"/>
+          </a:xfrm>
+          <a:prstGeom prst="rect">
+            <a:avLst/>
+          </a:prstGeom>
+          <a:noFill/>
+          <a:ln>
+            <a:solidFill>
+              <a:schemeClr val="accent4">
+                <a:lumMod val="75000"/>
+              </a:schemeClr>
+            </a:solidFill>
+          </a:ln>
+        </p:spPr>
+        <p:style>
+          <a:lnRef idx="3">
+            <a:schemeClr val="lt1"/>
+          </a:lnRef>
+          <a:fillRef idx="1">
+            <a:schemeClr val="accent1"/>
+          </a:fillRef>
+          <a:effectRef idx="1">
+            <a:schemeClr val="accent1"/>
+          </a:effectRef>
+          <a:fontRef idx="minor">
+            <a:schemeClr val="lt1"/>
+          </a:fontRef>
+        </p:style>
+        <p:txBody>
+          <a:bodyPr rtlCol="0" anchor="t"/>
+          <a:lstStyle/>
+          <a:p>
+            <a:r>
+              <a:rPr kumimoji="1" lang="en-US" altLang="ko-KR" sz="1400" dirty="0" err="1">
+                <a:solidFill>
+                  <a:sysClr val="windowText" lastClr="000000"/>
+                </a:solidFill>
+                <a:sym typeface="Wingdings" pitchFamily="2" charset="2"/>
+              </a:rPr>
+              <a:t>fetchRequest</a:t>
+            </a:r>
+            <a:r>
+              <a:rPr kumimoji="1" lang="en-US" altLang="ko-KR" sz="1400" dirty="0">
+                <a:solidFill>
+                  <a:sysClr val="windowText" lastClr="000000"/>
+                </a:solidFill>
+                <a:sym typeface="Wingdings" pitchFamily="2" charset="2"/>
+              </a:rPr>
+              <a:t>()</a:t>
+            </a:r>
+          </a:p>
+          <a:p>
+            <a:r>
+              <a:rPr kumimoji="1" lang="en-US" altLang="ko-KR" sz="1400" dirty="0">
+                <a:solidFill>
+                  <a:sysClr val="windowText" lastClr="000000"/>
+                </a:solidFill>
+                <a:sym typeface="Wingdings" pitchFamily="2" charset="2"/>
+              </a:rPr>
+              <a:t>: Core Data</a:t>
+            </a:r>
+            <a:r>
+              <a:rPr kumimoji="1" lang="ko-KR" altLang="en-US" sz="1400" dirty="0">
+                <a:solidFill>
+                  <a:sysClr val="windowText" lastClr="000000"/>
+                </a:solidFill>
+                <a:sym typeface="Wingdings" pitchFamily="2" charset="2"/>
+              </a:rPr>
+              <a:t>에서 데이터를 검색하기 위한 </a:t>
+            </a:r>
+            <a:r>
+              <a:rPr kumimoji="1" lang="en-US" altLang="ko-KR" sz="1400" dirty="0" err="1">
+                <a:solidFill>
+                  <a:sysClr val="windowText" lastClr="000000"/>
+                </a:solidFill>
+                <a:sym typeface="Wingdings" pitchFamily="2" charset="2"/>
+              </a:rPr>
+              <a:t>NSFetchRequest</a:t>
+            </a:r>
+            <a:r>
+              <a:rPr kumimoji="1" lang="en-US" altLang="ko-KR" sz="1400" dirty="0">
+                <a:solidFill>
+                  <a:sysClr val="windowText" lastClr="000000"/>
+                </a:solidFill>
+                <a:sym typeface="Wingdings" pitchFamily="2" charset="2"/>
+              </a:rPr>
+              <a:t> </a:t>
+            </a:r>
+            <a:r>
+              <a:rPr kumimoji="1" lang="ko-KR" altLang="en-US" sz="1400" dirty="0">
+                <a:solidFill>
+                  <a:sysClr val="windowText" lastClr="000000"/>
+                </a:solidFill>
+                <a:sym typeface="Wingdings" pitchFamily="2" charset="2"/>
+              </a:rPr>
+              <a:t>객체를 생성하는 역할</a:t>
+            </a:r>
+            <a:endParaRPr kumimoji="1" lang="en-US" altLang="ko-KR" sz="1400" dirty="0">
+              <a:solidFill>
+                <a:sysClr val="windowText" lastClr="000000"/>
+              </a:solidFill>
+              <a:sym typeface="Wingdings" pitchFamily="2" charset="2"/>
+            </a:endParaRPr>
+          </a:p>
+          <a:p>
+            <a:r>
+              <a:rPr kumimoji="1" lang="en-US" altLang="ko-KR" sz="1400" dirty="0">
+                <a:solidFill>
+                  <a:sysClr val="windowText" lastClr="000000"/>
+                </a:solidFill>
+                <a:sym typeface="Wingdings" pitchFamily="2" charset="2"/>
+              </a:rPr>
+              <a:t>Core Data</a:t>
+            </a:r>
+            <a:r>
+              <a:rPr kumimoji="1" lang="ko-KR" altLang="en-US" sz="1400" dirty="0">
+                <a:solidFill>
+                  <a:sysClr val="windowText" lastClr="000000"/>
+                </a:solidFill>
+                <a:sym typeface="Wingdings" pitchFamily="2" charset="2"/>
+              </a:rPr>
+              <a:t> 영구 저장소에서 특정 </a:t>
+            </a:r>
+            <a:r>
+              <a:rPr kumimoji="1" lang="en-US" altLang="ko-KR" sz="1400" dirty="0">
+                <a:solidFill>
+                  <a:sysClr val="windowText" lastClr="000000"/>
+                </a:solidFill>
+                <a:sym typeface="Wingdings" pitchFamily="2" charset="2"/>
+              </a:rPr>
+              <a:t>Entity</a:t>
+            </a:r>
+            <a:r>
+              <a:rPr kumimoji="1" lang="ko-KR" altLang="en-US" sz="1400" dirty="0">
+                <a:solidFill>
+                  <a:sysClr val="windowText" lastClr="000000"/>
+                </a:solidFill>
+                <a:sym typeface="Wingdings" pitchFamily="2" charset="2"/>
+              </a:rPr>
+              <a:t>와 데이터를 가져오도록 설정된 요청을 정의</a:t>
+            </a:r>
+            <a:endParaRPr kumimoji="1" lang="en-US" altLang="ko-KR" sz="1400" dirty="0">
+              <a:solidFill>
+                <a:sysClr val="windowText" lastClr="000000"/>
+              </a:solidFill>
+              <a:sym typeface="Wingdings" pitchFamily="2" charset="2"/>
+            </a:endParaRPr>
+          </a:p>
+          <a:p>
+            <a:r>
+              <a:rPr kumimoji="1" lang="ko-KR" altLang="en-US" sz="1400" dirty="0">
+                <a:solidFill>
+                  <a:sysClr val="windowText" lastClr="000000"/>
+                </a:solidFill>
+                <a:sym typeface="Wingdings" pitchFamily="2" charset="2"/>
+              </a:rPr>
+              <a:t>특정 </a:t>
+            </a:r>
+            <a:r>
+              <a:rPr kumimoji="1" lang="en-US" altLang="ko-KR" sz="1400" dirty="0">
+                <a:solidFill>
+                  <a:sysClr val="windowText" lastClr="000000"/>
+                </a:solidFill>
+                <a:sym typeface="Wingdings" pitchFamily="2" charset="2"/>
+              </a:rPr>
+              <a:t>Entity</a:t>
+            </a:r>
+            <a:r>
+              <a:rPr kumimoji="1" lang="ko-KR" altLang="en-US" sz="1400" dirty="0" err="1">
+                <a:solidFill>
+                  <a:sysClr val="windowText" lastClr="000000"/>
+                </a:solidFill>
+                <a:sym typeface="Wingdings" pitchFamily="2" charset="2"/>
+              </a:rPr>
+              <a:t>에</a:t>
+            </a:r>
+            <a:r>
+              <a:rPr kumimoji="1" lang="ko-KR" altLang="en-US" sz="1400" dirty="0">
+                <a:solidFill>
+                  <a:sysClr val="windowText" lastClr="000000"/>
+                </a:solidFill>
+                <a:sym typeface="Wingdings" pitchFamily="2" charset="2"/>
+              </a:rPr>
+              <a:t> 해당하는 모든 레코드를 가져오고 </a:t>
+            </a:r>
+            <a:r>
+              <a:rPr kumimoji="1" lang="ko-KR" altLang="en-US" sz="1400" dirty="0" err="1">
+                <a:solidFill>
+                  <a:sysClr val="windowText" lastClr="000000"/>
+                </a:solidFill>
+                <a:sym typeface="Wingdings" pitchFamily="2" charset="2"/>
+              </a:rPr>
+              <a:t>싶을때</a:t>
+            </a:r>
+            <a:r>
+              <a:rPr kumimoji="1" lang="ko-KR" altLang="en-US" sz="1400" dirty="0">
+                <a:solidFill>
+                  <a:sysClr val="windowText" lastClr="000000"/>
+                </a:solidFill>
+                <a:sym typeface="Wingdings" pitchFamily="2" charset="2"/>
+              </a:rPr>
+              <a:t> 사용</a:t>
+            </a:r>
+            <a:endParaRPr kumimoji="1" lang="en-US" altLang="ko-KR" sz="1400" dirty="0">
+              <a:solidFill>
+                <a:sysClr val="windowText" lastClr="000000"/>
+              </a:solidFill>
+              <a:sym typeface="Wingdings" pitchFamily="2" charset="2"/>
+            </a:endParaRPr>
+          </a:p>
+        </p:txBody>
+      </p:sp>
+      <p:sp>
+        <p:nvSpPr>
+          <p:cNvPr id="4" name="직사각형 3">
+            <a:extLst>
+              <a:ext uri="{FF2B5EF4-FFF2-40B4-BE49-F238E27FC236}">
+                <a16:creationId xmlns:a16="http://schemas.microsoft.com/office/drawing/2014/main" id="{D305AE3B-2BE5-4540-F9EC-63BBC6C81109}"/>
+              </a:ext>
+            </a:extLst>
+          </p:cNvPr>
+          <p:cNvSpPr/>
+          <p:nvPr/>
+        </p:nvSpPr>
+        <p:spPr>
+          <a:xfrm>
+            <a:off x="4073119" y="2992584"/>
+            <a:ext cx="7585597" cy="2161308"/>
+          </a:xfrm>
+          <a:prstGeom prst="rect">
+            <a:avLst/>
+          </a:prstGeom>
+          <a:noFill/>
+          <a:ln>
+            <a:solidFill>
+              <a:schemeClr val="accent4">
+                <a:lumMod val="75000"/>
+              </a:schemeClr>
+            </a:solidFill>
+          </a:ln>
+        </p:spPr>
+        <p:style>
+          <a:lnRef idx="3">
+            <a:schemeClr val="lt1"/>
+          </a:lnRef>
+          <a:fillRef idx="1">
+            <a:schemeClr val="accent1"/>
+          </a:fillRef>
+          <a:effectRef idx="1">
+            <a:schemeClr val="accent1"/>
+          </a:effectRef>
+          <a:fontRef idx="minor">
+            <a:schemeClr val="lt1"/>
+          </a:fontRef>
+        </p:style>
+        <p:txBody>
+          <a:bodyPr rtlCol="0" anchor="t"/>
+          <a:lstStyle/>
+          <a:p>
+            <a:pPr marL="342900" indent="-342900">
+              <a:buAutoNum type="arabicParenR"/>
+            </a:pPr>
+            <a:r>
+              <a:rPr kumimoji="1" lang="en-US" altLang="ko-KR" sz="1400" dirty="0" err="1">
+                <a:solidFill>
+                  <a:sysClr val="windowText" lastClr="000000"/>
+                </a:solidFill>
+                <a:sym typeface="Wingdings" pitchFamily="2" charset="2"/>
+              </a:rPr>
+              <a:t>viewContext</a:t>
+            </a:r>
+            <a:r>
+              <a:rPr kumimoji="1" lang="ko-KR" altLang="en-US" sz="1400" dirty="0" err="1">
+                <a:solidFill>
+                  <a:sysClr val="windowText" lastClr="000000"/>
+                </a:solidFill>
+                <a:sym typeface="Wingdings" pitchFamily="2" charset="2"/>
+              </a:rPr>
+              <a:t>를</a:t>
+            </a:r>
+            <a:r>
+              <a:rPr kumimoji="1" lang="ko-KR" altLang="en-US" sz="1400" dirty="0">
+                <a:solidFill>
+                  <a:sysClr val="windowText" lastClr="000000"/>
+                </a:solidFill>
+                <a:sym typeface="Wingdings" pitchFamily="2" charset="2"/>
+              </a:rPr>
+              <a:t> </a:t>
+            </a:r>
+            <a:r>
+              <a:rPr kumimoji="1" lang="ko-KR" altLang="en-US" sz="1400" dirty="0" err="1">
+                <a:solidFill>
+                  <a:sysClr val="windowText" lastClr="000000"/>
+                </a:solidFill>
+                <a:sym typeface="Wingdings" pitchFamily="2" charset="2"/>
+              </a:rPr>
+              <a:t>가지고와서</a:t>
+            </a:r>
+            <a:r>
+              <a:rPr kumimoji="1" lang="ko-KR" altLang="en-US" sz="1400" dirty="0">
+                <a:solidFill>
+                  <a:sysClr val="windowText" lastClr="000000"/>
+                </a:solidFill>
+                <a:sym typeface="Wingdings" pitchFamily="2" charset="2"/>
+              </a:rPr>
+              <a:t> 현재 컨텍스트에서 </a:t>
+            </a:r>
+            <a:r>
+              <a:rPr kumimoji="1" lang="en-US" altLang="ko-KR" sz="1400" dirty="0" err="1">
+                <a:solidFill>
+                  <a:sysClr val="windowText" lastClr="000000"/>
+                </a:solidFill>
+                <a:sym typeface="Wingdings" pitchFamily="2" charset="2"/>
+              </a:rPr>
+              <a:t>persistentContainer</a:t>
+            </a:r>
+            <a:r>
+              <a:rPr kumimoji="1" lang="en-US" altLang="ko-KR" sz="1400" dirty="0">
+                <a:solidFill>
+                  <a:sysClr val="windowText" lastClr="000000"/>
+                </a:solidFill>
+                <a:sym typeface="Wingdings" pitchFamily="2" charset="2"/>
+              </a:rPr>
+              <a:t> </a:t>
+            </a:r>
+            <a:r>
+              <a:rPr kumimoji="1" lang="ko-KR" altLang="en-US" sz="1400" dirty="0">
+                <a:solidFill>
+                  <a:sysClr val="windowText" lastClr="000000"/>
+                </a:solidFill>
+                <a:sym typeface="Wingdings" pitchFamily="2" charset="2"/>
+              </a:rPr>
+              <a:t>작업 수행할 것임을 인지시킨다</a:t>
+            </a:r>
+            <a:r>
+              <a:rPr kumimoji="1" lang="en-US" altLang="ko-KR" sz="1400" dirty="0">
+                <a:solidFill>
+                  <a:sysClr val="windowText" lastClr="000000"/>
+                </a:solidFill>
+                <a:sym typeface="Wingdings" pitchFamily="2" charset="2"/>
+              </a:rPr>
+              <a:t>.</a:t>
+            </a:r>
+          </a:p>
+          <a:p>
+            <a:pPr marL="342900" indent="-342900">
+              <a:buAutoNum type="arabicParenR"/>
+            </a:pPr>
+            <a:r>
+              <a:rPr kumimoji="1" lang="en-US" altLang="ko-KR" sz="1400" dirty="0" err="1">
+                <a:solidFill>
+                  <a:sysClr val="windowText" lastClr="000000"/>
+                </a:solidFill>
+                <a:sym typeface="Wingdings" pitchFamily="2" charset="2"/>
+              </a:rPr>
+              <a:t>fetchRequest</a:t>
+            </a:r>
+            <a:r>
+              <a:rPr kumimoji="1" lang="ko-KR" altLang="en-US" sz="1400" dirty="0" err="1">
+                <a:solidFill>
+                  <a:sysClr val="windowText" lastClr="000000"/>
+                </a:solidFill>
+                <a:sym typeface="Wingdings" pitchFamily="2" charset="2"/>
+              </a:rPr>
+              <a:t>를</a:t>
+            </a:r>
+            <a:r>
+              <a:rPr kumimoji="1" lang="ko-KR" altLang="en-US" sz="1400" dirty="0">
+                <a:solidFill>
+                  <a:sysClr val="windowText" lastClr="000000"/>
+                </a:solidFill>
+                <a:sym typeface="Wingdings" pitchFamily="2" charset="2"/>
+              </a:rPr>
+              <a:t> </a:t>
+            </a:r>
+            <a:r>
+              <a:rPr kumimoji="1" lang="ko-KR" altLang="en-US" sz="1400" dirty="0" err="1">
+                <a:solidFill>
+                  <a:sysClr val="windowText" lastClr="000000"/>
+                </a:solidFill>
+                <a:sym typeface="Wingdings" pitchFamily="2" charset="2"/>
+              </a:rPr>
+              <a:t>엔터티로부터</a:t>
+            </a:r>
+            <a:r>
+              <a:rPr kumimoji="1" lang="ko-KR" altLang="en-US" sz="1400" dirty="0">
+                <a:solidFill>
+                  <a:sysClr val="windowText" lastClr="000000"/>
+                </a:solidFill>
+                <a:sym typeface="Wingdings" pitchFamily="2" charset="2"/>
+              </a:rPr>
+              <a:t> 가지고 온다</a:t>
+            </a:r>
+            <a:r>
+              <a:rPr kumimoji="1" lang="en-US" altLang="ko-KR" sz="1400" dirty="0">
+                <a:solidFill>
+                  <a:sysClr val="windowText" lastClr="000000"/>
+                </a:solidFill>
+                <a:sym typeface="Wingdings" pitchFamily="2" charset="2"/>
+              </a:rPr>
+              <a:t>.   </a:t>
+            </a:r>
+            <a:r>
+              <a:rPr kumimoji="1" lang="ko-KR" altLang="en-US" sz="1400" dirty="0">
+                <a:solidFill>
+                  <a:sysClr val="windowText" lastClr="000000"/>
+                </a:solidFill>
+                <a:sym typeface="Wingdings" pitchFamily="2" charset="2"/>
+              </a:rPr>
+              <a:t>이 </a:t>
+            </a:r>
+            <a:r>
+              <a:rPr kumimoji="1" lang="ko-KR" altLang="en-US" sz="1400" dirty="0" err="1">
+                <a:solidFill>
+                  <a:sysClr val="windowText" lastClr="000000"/>
+                </a:solidFill>
+                <a:sym typeface="Wingdings" pitchFamily="2" charset="2"/>
+              </a:rPr>
+              <a:t>엔터티의</a:t>
+            </a:r>
+            <a:r>
+              <a:rPr kumimoji="1" lang="ko-KR" altLang="en-US" sz="1400" dirty="0">
+                <a:solidFill>
+                  <a:sysClr val="windowText" lastClr="000000"/>
+                </a:solidFill>
+                <a:sym typeface="Wingdings" pitchFamily="2" charset="2"/>
+              </a:rPr>
+              <a:t> 레코드에 접근을 시작한다</a:t>
+            </a:r>
+            <a:r>
+              <a:rPr kumimoji="1" lang="en-US" altLang="ko-KR" sz="1400" dirty="0">
+                <a:solidFill>
+                  <a:sysClr val="windowText" lastClr="000000"/>
+                </a:solidFill>
+                <a:sym typeface="Wingdings" pitchFamily="2" charset="2"/>
+              </a:rPr>
+              <a:t>.</a:t>
+            </a:r>
+          </a:p>
+          <a:p>
+            <a:pPr marL="342900" indent="-342900">
+              <a:buAutoNum type="arabicParenR"/>
+            </a:pPr>
+            <a:r>
+              <a:rPr kumimoji="1" lang="ko-KR" altLang="en-US" sz="1400" dirty="0">
+                <a:solidFill>
+                  <a:sysClr val="windowText" lastClr="000000"/>
+                </a:solidFill>
+                <a:sym typeface="Wingdings" pitchFamily="2" charset="2"/>
+              </a:rPr>
+              <a:t>가져온 </a:t>
+            </a:r>
+            <a:r>
+              <a:rPr kumimoji="1" lang="en-US" altLang="ko-KR" sz="1400" dirty="0">
+                <a:solidFill>
+                  <a:sysClr val="windowText" lastClr="000000"/>
+                </a:solidFill>
+                <a:sym typeface="Wingdings" pitchFamily="2" charset="2"/>
+              </a:rPr>
+              <a:t>request</a:t>
+            </a:r>
+            <a:r>
+              <a:rPr kumimoji="1" lang="ko-KR" altLang="en-US" sz="1400" dirty="0">
+                <a:solidFill>
+                  <a:sysClr val="windowText" lastClr="000000"/>
+                </a:solidFill>
+                <a:sym typeface="Wingdings" pitchFamily="2" charset="2"/>
+              </a:rPr>
+              <a:t>는 컨텍스트에 </a:t>
+            </a:r>
+            <a:r>
+              <a:rPr kumimoji="1" lang="en-US" altLang="ko-KR" sz="1400" dirty="0">
+                <a:solidFill>
+                  <a:sysClr val="windowText" lastClr="000000"/>
+                </a:solidFill>
+                <a:sym typeface="Wingdings" pitchFamily="2" charset="2"/>
+              </a:rPr>
+              <a:t>fetch</a:t>
+            </a:r>
+            <a:r>
+              <a:rPr kumimoji="1" lang="ko-KR" altLang="en-US" sz="1400" dirty="0">
+                <a:solidFill>
+                  <a:sysClr val="windowText" lastClr="000000"/>
+                </a:solidFill>
+                <a:sym typeface="Wingdings" pitchFamily="2" charset="2"/>
+              </a:rPr>
+              <a:t>하여 </a:t>
+            </a:r>
+            <a:r>
+              <a:rPr kumimoji="1" lang="ko-KR" altLang="en-US" sz="1400" dirty="0" err="1">
+                <a:solidFill>
+                  <a:sysClr val="windowText" lastClr="000000"/>
+                </a:solidFill>
+                <a:sym typeface="Wingdings" pitchFamily="2" charset="2"/>
+              </a:rPr>
+              <a:t>엔터티</a:t>
+            </a:r>
+            <a:r>
+              <a:rPr kumimoji="1" lang="ko-KR" altLang="en-US" sz="1400" dirty="0">
+                <a:solidFill>
+                  <a:sysClr val="windowText" lastClr="000000"/>
+                </a:solidFill>
+                <a:sym typeface="Wingdings" pitchFamily="2" charset="2"/>
+              </a:rPr>
+              <a:t> 객체를 생성한다</a:t>
+            </a:r>
+            <a:r>
+              <a:rPr kumimoji="1" lang="en-US" altLang="ko-KR" sz="1400" dirty="0">
+                <a:solidFill>
+                  <a:sysClr val="windowText" lastClr="000000"/>
+                </a:solidFill>
+                <a:sym typeface="Wingdings" pitchFamily="2" charset="2"/>
+              </a:rPr>
+              <a:t>.</a:t>
+            </a:r>
+          </a:p>
+          <a:p>
+            <a:pPr marL="342900" indent="-342900">
+              <a:buAutoNum type="arabicParenR"/>
+            </a:pPr>
+            <a:r>
+              <a:rPr kumimoji="1" lang="ko-KR" altLang="en-US" sz="1400" dirty="0" err="1">
+                <a:solidFill>
+                  <a:sysClr val="windowText" lastClr="000000"/>
+                </a:solidFill>
+                <a:sym typeface="Wingdings" pitchFamily="2" charset="2"/>
+              </a:rPr>
+              <a:t>엔터티</a:t>
+            </a:r>
+            <a:r>
+              <a:rPr kumimoji="1" lang="ko-KR" altLang="en-US" sz="1400" dirty="0">
+                <a:solidFill>
+                  <a:sysClr val="windowText" lastClr="000000"/>
+                </a:solidFill>
+                <a:sym typeface="Wingdings" pitchFamily="2" charset="2"/>
+              </a:rPr>
+              <a:t> 객체를 통해 레코드를 접근할 수 있고 조건을 달아서 조회도 가능하며 </a:t>
+            </a:r>
+            <a:br>
+              <a:rPr kumimoji="1" lang="en-US" altLang="ko-KR" sz="1400" dirty="0">
+                <a:solidFill>
+                  <a:sysClr val="windowText" lastClr="000000"/>
+                </a:solidFill>
+                <a:sym typeface="Wingdings" pitchFamily="2" charset="2"/>
+              </a:rPr>
+            </a:br>
+            <a:r>
+              <a:rPr kumimoji="1" lang="ko-KR" altLang="en-US" sz="1400" dirty="0">
+                <a:solidFill>
+                  <a:sysClr val="windowText" lastClr="000000"/>
+                </a:solidFill>
+                <a:sym typeface="Wingdings" pitchFamily="2" charset="2"/>
+              </a:rPr>
+              <a:t>수정</a:t>
+            </a:r>
+            <a:r>
+              <a:rPr kumimoji="1" lang="en-US" altLang="ko-KR" sz="1400" dirty="0">
+                <a:solidFill>
+                  <a:sysClr val="windowText" lastClr="000000"/>
+                </a:solidFill>
+                <a:sym typeface="Wingdings" pitchFamily="2" charset="2"/>
+              </a:rPr>
+              <a:t>/</a:t>
+            </a:r>
+            <a:r>
+              <a:rPr kumimoji="1" lang="ko-KR" altLang="en-US" sz="1400" dirty="0">
+                <a:solidFill>
+                  <a:sysClr val="windowText" lastClr="000000"/>
+                </a:solidFill>
+                <a:sym typeface="Wingdings" pitchFamily="2" charset="2"/>
+              </a:rPr>
+              <a:t>삭제</a:t>
+            </a:r>
+            <a:r>
+              <a:rPr kumimoji="1" lang="en-US" altLang="ko-KR" sz="1400" dirty="0">
+                <a:solidFill>
+                  <a:sysClr val="windowText" lastClr="000000"/>
+                </a:solidFill>
+                <a:sym typeface="Wingdings" pitchFamily="2" charset="2"/>
+              </a:rPr>
+              <a:t>/</a:t>
+            </a:r>
+            <a:r>
+              <a:rPr kumimoji="1" lang="ko-KR" altLang="en-US" sz="1400" dirty="0">
+                <a:solidFill>
+                  <a:sysClr val="windowText" lastClr="000000"/>
+                </a:solidFill>
+                <a:sym typeface="Wingdings" pitchFamily="2" charset="2"/>
+              </a:rPr>
+              <a:t>갱신 등 모두 가능합니다</a:t>
+            </a:r>
+            <a:r>
+              <a:rPr kumimoji="1" lang="en-US" altLang="ko-KR" sz="1400" dirty="0">
+                <a:solidFill>
+                  <a:sysClr val="windowText" lastClr="000000"/>
+                </a:solidFill>
+                <a:sym typeface="Wingdings" pitchFamily="2" charset="2"/>
+              </a:rPr>
+              <a:t>. </a:t>
+            </a:r>
+          </a:p>
+          <a:p>
+            <a:pPr marL="342900" indent="-342900">
+              <a:buAutoNum type="arabicParenR"/>
+            </a:pPr>
+            <a:r>
+              <a:rPr kumimoji="1" lang="ko-KR" altLang="en-US" sz="1400" dirty="0">
+                <a:solidFill>
+                  <a:sysClr val="windowText" lastClr="000000"/>
+                </a:solidFill>
+                <a:sym typeface="Wingdings" pitchFamily="2" charset="2"/>
+              </a:rPr>
+              <a:t>레코드에 변경이 가하는 것에 대해서는 컨텍스트의 변화를 감지하여 </a:t>
+            </a:r>
+            <a:r>
+              <a:rPr kumimoji="1" lang="en-US" altLang="ko-KR" sz="1400" dirty="0">
+                <a:solidFill>
+                  <a:sysClr val="windowText" lastClr="000000"/>
+                </a:solidFill>
+                <a:sym typeface="Wingdings" pitchFamily="2" charset="2"/>
+              </a:rPr>
+              <a:t>save</a:t>
+            </a:r>
+            <a:r>
+              <a:rPr kumimoji="1" lang="ko-KR" altLang="en-US" sz="1400" dirty="0" err="1">
+                <a:solidFill>
+                  <a:sysClr val="windowText" lastClr="000000"/>
+                </a:solidFill>
+                <a:sym typeface="Wingdings" pitchFamily="2" charset="2"/>
+              </a:rPr>
+              <a:t>를</a:t>
+            </a:r>
+            <a:r>
+              <a:rPr kumimoji="1" lang="ko-KR" altLang="en-US" sz="1400" dirty="0">
+                <a:solidFill>
+                  <a:sysClr val="windowText" lastClr="000000"/>
+                </a:solidFill>
+                <a:sym typeface="Wingdings" pitchFamily="2" charset="2"/>
+              </a:rPr>
+              <a:t> </a:t>
+            </a:r>
+            <a:r>
+              <a:rPr kumimoji="1" lang="ko-KR" altLang="en-US" sz="1400" dirty="0" err="1">
+                <a:solidFill>
+                  <a:sysClr val="windowText" lastClr="000000"/>
+                </a:solidFill>
+                <a:sym typeface="Wingdings" pitchFamily="2" charset="2"/>
+              </a:rPr>
+              <a:t>진행해야합니다</a:t>
+            </a:r>
+            <a:r>
+              <a:rPr kumimoji="1" lang="en-US" altLang="ko-KR" sz="1400" dirty="0">
+                <a:solidFill>
+                  <a:sysClr val="windowText" lastClr="000000"/>
+                </a:solidFill>
+                <a:sym typeface="Wingdings" pitchFamily="2" charset="2"/>
+              </a:rPr>
+              <a:t>.   (</a:t>
+            </a:r>
+            <a:r>
+              <a:rPr kumimoji="1" lang="ko-KR" altLang="en-US" sz="1400" dirty="0">
+                <a:solidFill>
+                  <a:sysClr val="windowText" lastClr="000000"/>
+                </a:solidFill>
+                <a:sym typeface="Wingdings" pitchFamily="2" charset="2"/>
+              </a:rPr>
+              <a:t>단순 조회는 </a:t>
+            </a:r>
+            <a:r>
+              <a:rPr kumimoji="1" lang="en-US" altLang="ko-KR" sz="1400" dirty="0">
+                <a:solidFill>
+                  <a:sysClr val="windowText" lastClr="000000"/>
+                </a:solidFill>
+                <a:sym typeface="Wingdings" pitchFamily="2" charset="2"/>
+              </a:rPr>
+              <a:t>save </a:t>
+            </a:r>
+            <a:r>
+              <a:rPr kumimoji="1" lang="ko-KR" altLang="en-US" sz="1400" dirty="0">
+                <a:solidFill>
+                  <a:sysClr val="windowText" lastClr="000000"/>
+                </a:solidFill>
+                <a:sym typeface="Wingdings" pitchFamily="2" charset="2"/>
+              </a:rPr>
+              <a:t>할 </a:t>
+            </a:r>
+            <a:r>
+              <a:rPr kumimoji="1" lang="ko-KR" altLang="en-US" sz="1400" dirty="0" err="1">
+                <a:solidFill>
+                  <a:sysClr val="windowText" lastClr="000000"/>
+                </a:solidFill>
+                <a:sym typeface="Wingdings" pitchFamily="2" charset="2"/>
+              </a:rPr>
+              <a:t>필요없음</a:t>
+            </a:r>
+            <a:r>
+              <a:rPr kumimoji="1" lang="en-US" altLang="ko-KR" sz="1400" dirty="0">
+                <a:solidFill>
+                  <a:sysClr val="windowText" lastClr="000000"/>
+                </a:solidFill>
+                <a:sym typeface="Wingdings" pitchFamily="2" charset="2"/>
+              </a:rPr>
+              <a:t>)</a:t>
+            </a:r>
+            <a:br>
+              <a:rPr kumimoji="1" lang="en-US" altLang="ko-KR" sz="1400" dirty="0">
+                <a:solidFill>
+                  <a:sysClr val="windowText" lastClr="000000"/>
+                </a:solidFill>
+                <a:sym typeface="Wingdings" pitchFamily="2" charset="2"/>
+              </a:rPr>
+            </a:br>
+            <a:endParaRPr kumimoji="1" lang="en-US" altLang="ko-KR" sz="1400" dirty="0">
+              <a:solidFill>
+                <a:sysClr val="windowText" lastClr="000000"/>
+              </a:solidFill>
+              <a:sym typeface="Wingdings" pitchFamily="2" charset="2"/>
+            </a:endParaRPr>
+          </a:p>
+          <a:p>
+            <a:pPr marL="342900" indent="-342900">
+              <a:buAutoNum type="arabicParenR"/>
+            </a:pPr>
+            <a:endParaRPr kumimoji="1" lang="en-US" altLang="ko-KR" sz="1400" dirty="0">
+              <a:solidFill>
+                <a:sysClr val="windowText" lastClr="000000"/>
+              </a:solidFill>
+              <a:sym typeface="Wingdings" pitchFamily="2" charset="2"/>
+            </a:endParaRPr>
+          </a:p>
+        </p:txBody>
+      </p:sp>
+      <p:pic>
+        <p:nvPicPr>
+          <p:cNvPr id="13" name="그림 12" descr="텍스트, 스크린샷, 폰트이(가) 표시된 사진&#10;&#10;자동 생성된 설명">
+            <a:extLst>
+              <a:ext uri="{FF2B5EF4-FFF2-40B4-BE49-F238E27FC236}">
+                <a16:creationId xmlns:a16="http://schemas.microsoft.com/office/drawing/2014/main" id="{81952BCB-2F36-57F6-0012-562E94B24231}"/>
+              </a:ext>
+            </a:extLst>
+          </p:cNvPr>
+          <p:cNvPicPr>
+            <a:picLocks noChangeAspect="1"/>
+          </p:cNvPicPr>
+          <p:nvPr/>
+        </p:nvPicPr>
+        <p:blipFill>
+          <a:blip r:embed="rId2"/>
+          <a:stretch>
+            <a:fillRect/>
+          </a:stretch>
+        </p:blipFill>
+        <p:spPr>
+          <a:xfrm>
+            <a:off x="94589" y="2361861"/>
+            <a:ext cx="3848100" cy="1625600"/>
+          </a:xfrm>
+          <a:prstGeom prst="rect">
+            <a:avLst/>
+          </a:prstGeom>
+        </p:spPr>
+      </p:pic>
+    </p:spTree>
+    <p:extLst>
+      <p:ext uri="{BB962C8B-B14F-4D97-AF65-F5344CB8AC3E}">
+        <p14:creationId xmlns:p14="http://schemas.microsoft.com/office/powerpoint/2010/main" val="954372840"/>
       </p:ext>
     </p:extLst>
   </p:cSld>
@@ -7964,6 +12178,487 @@
           </a:prstGeom>
         </p:spPr>
       </p:pic>
+      <p:sp>
+        <p:nvSpPr>
+          <p:cNvPr id="2" name="직사각형 1">
+            <a:extLst>
+              <a:ext uri="{FF2B5EF4-FFF2-40B4-BE49-F238E27FC236}">
+                <a16:creationId xmlns:a16="http://schemas.microsoft.com/office/drawing/2014/main" id="{6947F092-E3BD-7222-F360-8BBF317ADAC7}"/>
+              </a:ext>
+            </a:extLst>
+          </p:cNvPr>
+          <p:cNvSpPr/>
+          <p:nvPr/>
+        </p:nvSpPr>
+        <p:spPr>
+          <a:xfrm>
+            <a:off x="91073" y="5029200"/>
+            <a:ext cx="6004927" cy="786368"/>
+          </a:xfrm>
+          <a:prstGeom prst="rect">
+            <a:avLst/>
+          </a:prstGeom>
+        </p:spPr>
+        <p:style>
+          <a:lnRef idx="2">
+            <a:schemeClr val="accent6"/>
+          </a:lnRef>
+          <a:fillRef idx="1">
+            <a:schemeClr val="lt1"/>
+          </a:fillRef>
+          <a:effectRef idx="0">
+            <a:schemeClr val="accent6"/>
+          </a:effectRef>
+          <a:fontRef idx="minor">
+            <a:schemeClr val="dk1"/>
+          </a:fontRef>
+        </p:style>
+        <p:txBody>
+          <a:bodyPr rtlCol="0" anchor="t"/>
+          <a:lstStyle/>
+          <a:p>
+            <a:r>
+              <a:rPr kumimoji="1" lang="en-US" altLang="ko-KR" sz="1400" dirty="0" err="1"/>
+              <a:t>NSManagedObjectModel</a:t>
+            </a:r>
+            <a:br>
+              <a:rPr kumimoji="1" lang="en-US" altLang="ko-KR" sz="1400" dirty="0"/>
+            </a:br>
+            <a:r>
+              <a:rPr kumimoji="1" lang="en-US" altLang="ko-KR" sz="1400" dirty="0"/>
+              <a:t>&gt; </a:t>
+            </a:r>
+            <a:r>
+              <a:rPr kumimoji="1" lang="ko-KR" altLang="en-US" sz="1400" dirty="0"/>
+              <a:t>애플리케이션 데이터 모델을 정의하는 객체</a:t>
+            </a:r>
+            <a:endParaRPr kumimoji="1" lang="en-US" altLang="ko-KR" sz="1400" dirty="0"/>
+          </a:p>
+          <a:p>
+            <a:r>
+              <a:rPr kumimoji="1" lang="en-US" altLang="ko-KR" sz="1400" dirty="0"/>
+              <a:t>&gt;</a:t>
+            </a:r>
+            <a:r>
+              <a:rPr kumimoji="1" lang="ko-KR" altLang="en-US" sz="1400" dirty="0"/>
+              <a:t> </a:t>
+            </a:r>
+            <a:r>
+              <a:rPr kumimoji="1" lang="en-US" altLang="ko-KR" sz="1400" dirty="0"/>
+              <a:t>Entity</a:t>
+            </a:r>
+            <a:r>
+              <a:rPr kumimoji="1" lang="ko-KR" altLang="en-US" sz="1400" dirty="0"/>
+              <a:t> </a:t>
+            </a:r>
+            <a:r>
+              <a:rPr kumimoji="1" lang="en-US" altLang="ko-KR" sz="1400" dirty="0"/>
+              <a:t>&amp;</a:t>
+            </a:r>
+            <a:r>
+              <a:rPr kumimoji="1" lang="ko-KR" altLang="en-US" sz="1400" dirty="0"/>
+              <a:t> </a:t>
+            </a:r>
+            <a:r>
+              <a:rPr kumimoji="1" lang="en-US" altLang="ko-KR" sz="1400" dirty="0"/>
+              <a:t>Attribute</a:t>
+            </a:r>
+            <a:r>
+              <a:rPr kumimoji="1" lang="ko-KR" altLang="en-US" sz="1400" dirty="0"/>
+              <a:t> 정의 </a:t>
+            </a:r>
+            <a:r>
+              <a:rPr kumimoji="1" lang="en-US" altLang="ko-KR" sz="1400" dirty="0"/>
+              <a:t>=</a:t>
+            </a:r>
+            <a:r>
+              <a:rPr kumimoji="1" lang="ko-KR" altLang="en-US" sz="1400" dirty="0"/>
+              <a:t> </a:t>
+            </a:r>
+            <a:r>
+              <a:rPr kumimoji="1" lang="en-US" altLang="ko-KR" sz="1400" dirty="0"/>
+              <a:t>DB</a:t>
+            </a:r>
+            <a:r>
+              <a:rPr kumimoji="1" lang="ko-KR" altLang="en-US" sz="1400" dirty="0"/>
+              <a:t> 스키마</a:t>
+            </a:r>
+            <a:endParaRPr kumimoji="1" lang="en-US" altLang="ko-KR" sz="1400" dirty="0"/>
+          </a:p>
+          <a:p>
+            <a:endParaRPr kumimoji="1" lang="ko-KR" altLang="en-US" sz="1400" dirty="0"/>
+          </a:p>
+        </p:txBody>
+      </p:sp>
+      <p:sp>
+        <p:nvSpPr>
+          <p:cNvPr id="5" name="직사각형 4">
+            <a:extLst>
+              <a:ext uri="{FF2B5EF4-FFF2-40B4-BE49-F238E27FC236}">
+                <a16:creationId xmlns:a16="http://schemas.microsoft.com/office/drawing/2014/main" id="{E6A29D5E-7F95-F336-4FDA-79262278FD8F}"/>
+              </a:ext>
+            </a:extLst>
+          </p:cNvPr>
+          <p:cNvSpPr/>
+          <p:nvPr/>
+        </p:nvSpPr>
+        <p:spPr>
+          <a:xfrm>
+            <a:off x="91073" y="5871535"/>
+            <a:ext cx="6004927" cy="786368"/>
+          </a:xfrm>
+          <a:prstGeom prst="rect">
+            <a:avLst/>
+          </a:prstGeom>
+          <a:noFill/>
+          <a:ln>
+            <a:solidFill>
+              <a:schemeClr val="accent1">
+                <a:lumMod val="60000"/>
+                <a:lumOff val="40000"/>
+              </a:schemeClr>
+            </a:solidFill>
+          </a:ln>
+        </p:spPr>
+        <p:style>
+          <a:lnRef idx="3">
+            <a:schemeClr val="lt1"/>
+          </a:lnRef>
+          <a:fillRef idx="1">
+            <a:schemeClr val="accent1"/>
+          </a:fillRef>
+          <a:effectRef idx="1">
+            <a:schemeClr val="accent1"/>
+          </a:effectRef>
+          <a:fontRef idx="minor">
+            <a:schemeClr val="lt1"/>
+          </a:fontRef>
+        </p:style>
+        <p:txBody>
+          <a:bodyPr rtlCol="0" anchor="t"/>
+          <a:lstStyle/>
+          <a:p>
+            <a:r>
+              <a:rPr kumimoji="1" lang="en-US" altLang="ko-KR" sz="1400" dirty="0" err="1">
+                <a:solidFill>
+                  <a:sysClr val="windowText" lastClr="000000"/>
+                </a:solidFill>
+              </a:rPr>
+              <a:t>NSManagedObjectContext</a:t>
+            </a:r>
+            <a:br>
+              <a:rPr kumimoji="1" lang="en-US" altLang="ko-KR" sz="1400" dirty="0">
+                <a:solidFill>
+                  <a:sysClr val="windowText" lastClr="000000"/>
+                </a:solidFill>
+              </a:rPr>
+            </a:br>
+            <a:r>
+              <a:rPr kumimoji="1" lang="en-US" altLang="ko-KR" sz="1400" dirty="0">
+                <a:solidFill>
+                  <a:sysClr val="windowText" lastClr="000000"/>
+                </a:solidFill>
+              </a:rPr>
+              <a:t>&gt; </a:t>
+            </a:r>
+            <a:r>
+              <a:rPr kumimoji="1" lang="ko-KR" altLang="en-US" sz="1400" dirty="0">
+                <a:solidFill>
+                  <a:sysClr val="windowText" lastClr="000000"/>
+                </a:solidFill>
+              </a:rPr>
+              <a:t>애플리케이션의 데이터를 가져오거나 수정하는데 사용하는 객체</a:t>
+            </a:r>
+            <a:endParaRPr kumimoji="1" lang="en-US" altLang="ko-KR" sz="1400" dirty="0">
+              <a:solidFill>
+                <a:sysClr val="windowText" lastClr="000000"/>
+              </a:solidFill>
+            </a:endParaRPr>
+          </a:p>
+          <a:p>
+            <a:r>
+              <a:rPr kumimoji="1" lang="en-US" altLang="ko-KR" sz="1400" dirty="0">
+                <a:solidFill>
+                  <a:sysClr val="windowText" lastClr="000000"/>
+                </a:solidFill>
+              </a:rPr>
+              <a:t>&gt;</a:t>
+            </a:r>
+            <a:r>
+              <a:rPr kumimoji="1" lang="ko-KR" altLang="en-US" sz="1400" dirty="0">
+                <a:solidFill>
+                  <a:sysClr val="windowText" lastClr="000000"/>
+                </a:solidFill>
+              </a:rPr>
+              <a:t> 주로 메모리에서 데이터를 관리하고 </a:t>
+            </a:r>
+            <a:r>
+              <a:rPr kumimoji="1" lang="en-US" altLang="ko-KR" sz="1400" dirty="0">
+                <a:solidFill>
+                  <a:sysClr val="windowText" lastClr="000000"/>
+                </a:solidFill>
+              </a:rPr>
+              <a:t>DB</a:t>
+            </a:r>
+            <a:r>
+              <a:rPr kumimoji="1" lang="ko-KR" altLang="en-US" sz="1400" dirty="0">
+                <a:solidFill>
+                  <a:sysClr val="windowText" lastClr="000000"/>
+                </a:solidFill>
+              </a:rPr>
+              <a:t>와 상호작용함</a:t>
+            </a:r>
+            <a:endParaRPr kumimoji="1" lang="en-US" altLang="ko-KR" sz="1400" dirty="0">
+              <a:solidFill>
+                <a:sysClr val="windowText" lastClr="000000"/>
+              </a:solidFill>
+            </a:endParaRPr>
+          </a:p>
+          <a:p>
+            <a:endParaRPr kumimoji="1" lang="ko-KR" altLang="en-US" sz="1400" dirty="0">
+              <a:solidFill>
+                <a:sysClr val="windowText" lastClr="000000"/>
+              </a:solidFill>
+            </a:endParaRPr>
+          </a:p>
+        </p:txBody>
+      </p:sp>
+      <p:sp>
+        <p:nvSpPr>
+          <p:cNvPr id="8" name="직사각형 7">
+            <a:extLst>
+              <a:ext uri="{FF2B5EF4-FFF2-40B4-BE49-F238E27FC236}">
+                <a16:creationId xmlns:a16="http://schemas.microsoft.com/office/drawing/2014/main" id="{C822C52B-20CC-E936-6CAC-17389A2769E6}"/>
+              </a:ext>
+            </a:extLst>
+          </p:cNvPr>
+          <p:cNvSpPr/>
+          <p:nvPr/>
+        </p:nvSpPr>
+        <p:spPr>
+          <a:xfrm>
+            <a:off x="6187073" y="6022562"/>
+            <a:ext cx="6004927" cy="786368"/>
+          </a:xfrm>
+          <a:prstGeom prst="rect">
+            <a:avLst/>
+          </a:prstGeom>
+          <a:noFill/>
+          <a:ln>
+            <a:solidFill>
+              <a:schemeClr val="accent5">
+                <a:lumMod val="60000"/>
+                <a:lumOff val="40000"/>
+              </a:schemeClr>
+            </a:solidFill>
+          </a:ln>
+        </p:spPr>
+        <p:style>
+          <a:lnRef idx="3">
+            <a:schemeClr val="lt1"/>
+          </a:lnRef>
+          <a:fillRef idx="1">
+            <a:schemeClr val="accent1"/>
+          </a:fillRef>
+          <a:effectRef idx="1">
+            <a:schemeClr val="accent1"/>
+          </a:effectRef>
+          <a:fontRef idx="minor">
+            <a:schemeClr val="lt1"/>
+          </a:fontRef>
+        </p:style>
+        <p:txBody>
+          <a:bodyPr rtlCol="0" anchor="t"/>
+          <a:lstStyle/>
+          <a:p>
+            <a:r>
+              <a:rPr kumimoji="1" lang="en-US" altLang="ko-KR" sz="1400" dirty="0" err="1">
+                <a:solidFill>
+                  <a:sysClr val="windowText" lastClr="000000"/>
+                </a:solidFill>
+              </a:rPr>
+              <a:t>NSPersistentStoreCoordinator</a:t>
+            </a:r>
+            <a:br>
+              <a:rPr kumimoji="1" lang="en-US" altLang="ko-KR" sz="1400" dirty="0">
+                <a:solidFill>
+                  <a:sysClr val="windowText" lastClr="000000"/>
+                </a:solidFill>
+              </a:rPr>
+            </a:br>
+            <a:r>
+              <a:rPr kumimoji="1" lang="en-US" altLang="ko-KR" sz="1400" dirty="0">
+                <a:solidFill>
+                  <a:sysClr val="windowText" lastClr="000000"/>
+                </a:solidFill>
+              </a:rPr>
+              <a:t>&gt;</a:t>
+            </a:r>
+            <a:r>
+              <a:rPr kumimoji="1" lang="ko-KR" altLang="en-US" sz="1400" dirty="0">
+                <a:solidFill>
+                  <a:sysClr val="windowText" lastClr="000000"/>
+                </a:solidFill>
+              </a:rPr>
+              <a:t> 영구 저장소를 관리하고 </a:t>
+            </a:r>
+            <a:r>
+              <a:rPr kumimoji="1" lang="en-US" altLang="ko-KR" sz="1400" dirty="0">
+                <a:solidFill>
+                  <a:sysClr val="windowText" lastClr="000000"/>
+                </a:solidFill>
+              </a:rPr>
+              <a:t>DB</a:t>
+            </a:r>
+            <a:r>
+              <a:rPr kumimoji="1" lang="ko-KR" altLang="en-US" sz="1400" dirty="0">
+                <a:solidFill>
+                  <a:sysClr val="windowText" lastClr="000000"/>
+                </a:solidFill>
+              </a:rPr>
+              <a:t>와 통신하는 객체</a:t>
+            </a:r>
+            <a:endParaRPr kumimoji="1" lang="en-US" altLang="ko-KR" sz="1400" dirty="0">
+              <a:solidFill>
+                <a:sysClr val="windowText" lastClr="000000"/>
+              </a:solidFill>
+            </a:endParaRPr>
+          </a:p>
+          <a:p>
+            <a:r>
+              <a:rPr kumimoji="1" lang="en-US" altLang="ko-KR" sz="1400" dirty="0">
+                <a:solidFill>
+                  <a:sysClr val="windowText" lastClr="000000"/>
+                </a:solidFill>
+              </a:rPr>
+              <a:t>&gt;</a:t>
+            </a:r>
+            <a:r>
+              <a:rPr kumimoji="1" lang="ko-KR" altLang="en-US" sz="1400" dirty="0">
+                <a:solidFill>
+                  <a:sysClr val="windowText" lastClr="000000"/>
+                </a:solidFill>
+              </a:rPr>
+              <a:t> </a:t>
+            </a:r>
+            <a:r>
+              <a:rPr kumimoji="1" lang="en-US" altLang="ko-KR" sz="1400" dirty="0">
+                <a:solidFill>
+                  <a:sysClr val="windowText" lastClr="000000"/>
+                </a:solidFill>
+              </a:rPr>
+              <a:t>SQLite, XML, Binary </a:t>
+            </a:r>
+            <a:r>
+              <a:rPr kumimoji="1" lang="ko-KR" altLang="en-US" sz="1400" dirty="0">
+                <a:solidFill>
+                  <a:sysClr val="windowText" lastClr="000000"/>
+                </a:solidFill>
+              </a:rPr>
+              <a:t>등 다양한 데이터 저장소 유형과의 연결을 관리</a:t>
+            </a:r>
+            <a:endParaRPr kumimoji="1" lang="en-US" altLang="ko-KR" sz="1400" dirty="0">
+              <a:solidFill>
+                <a:sysClr val="windowText" lastClr="000000"/>
+              </a:solidFill>
+            </a:endParaRPr>
+          </a:p>
+          <a:p>
+            <a:endParaRPr kumimoji="1" lang="ko-KR" altLang="en-US" sz="1400" dirty="0">
+              <a:solidFill>
+                <a:sysClr val="windowText" lastClr="000000"/>
+              </a:solidFill>
+            </a:endParaRPr>
+          </a:p>
+        </p:txBody>
+      </p:sp>
+      <p:sp>
+        <p:nvSpPr>
+          <p:cNvPr id="9" name="직사각형 8">
+            <a:extLst>
+              <a:ext uri="{FF2B5EF4-FFF2-40B4-BE49-F238E27FC236}">
+                <a16:creationId xmlns:a16="http://schemas.microsoft.com/office/drawing/2014/main" id="{E2E67E1D-26B2-1EF8-F53F-6D1371A8AB64}"/>
+              </a:ext>
+            </a:extLst>
+          </p:cNvPr>
+          <p:cNvSpPr/>
+          <p:nvPr/>
+        </p:nvSpPr>
+        <p:spPr>
+          <a:xfrm>
+            <a:off x="4701939" y="1528800"/>
+            <a:ext cx="6004927" cy="786368"/>
+          </a:xfrm>
+          <a:prstGeom prst="rect">
+            <a:avLst/>
+          </a:prstGeom>
+          <a:noFill/>
+          <a:ln>
+            <a:solidFill>
+              <a:srgbClr val="FF0000"/>
+            </a:solidFill>
+          </a:ln>
+        </p:spPr>
+        <p:style>
+          <a:lnRef idx="3">
+            <a:schemeClr val="lt1"/>
+          </a:lnRef>
+          <a:fillRef idx="1">
+            <a:schemeClr val="accent1"/>
+          </a:fillRef>
+          <a:effectRef idx="1">
+            <a:schemeClr val="accent1"/>
+          </a:effectRef>
+          <a:fontRef idx="minor">
+            <a:schemeClr val="lt1"/>
+          </a:fontRef>
+        </p:style>
+        <p:txBody>
+          <a:bodyPr rtlCol="0" anchor="t"/>
+          <a:lstStyle/>
+          <a:p>
+            <a:r>
+              <a:rPr kumimoji="1" lang="en-US" altLang="ko-KR" sz="1400" dirty="0">
+                <a:solidFill>
+                  <a:sysClr val="windowText" lastClr="000000"/>
+                </a:solidFill>
+              </a:rPr>
+              <a:t>Persistent Store - </a:t>
+            </a:r>
+            <a:r>
+              <a:rPr kumimoji="1" lang="en-US" altLang="ko-KR" sz="1400" dirty="0" err="1">
+                <a:solidFill>
+                  <a:sysClr val="windowText" lastClr="000000"/>
+                </a:solidFill>
+              </a:rPr>
+              <a:t>NSPersistentStore</a:t>
+            </a:r>
+            <a:br>
+              <a:rPr kumimoji="1" lang="en-US" altLang="ko-KR" sz="1400" dirty="0">
+                <a:solidFill>
+                  <a:sysClr val="windowText" lastClr="000000"/>
+                </a:solidFill>
+              </a:rPr>
+            </a:br>
+            <a:r>
+              <a:rPr kumimoji="1" lang="en-US" altLang="ko-KR" sz="1400" dirty="0">
+                <a:solidFill>
+                  <a:sysClr val="windowText" lastClr="000000"/>
+                </a:solidFill>
+              </a:rPr>
+              <a:t>&gt;</a:t>
+            </a:r>
+            <a:r>
+              <a:rPr kumimoji="1" lang="ko-KR" altLang="en-US" sz="1400" dirty="0">
+                <a:solidFill>
+                  <a:sysClr val="windowText" lastClr="000000"/>
+                </a:solidFill>
+              </a:rPr>
+              <a:t> 데이터를 영구적으로 저장하는데 사용되는 데이터베이스 파일 또는 다른 형태의 저장소</a:t>
+            </a:r>
+          </a:p>
+        </p:txBody>
+      </p:sp>
     </p:spTree>
     <p:extLst>
       <p:ext uri="{BB962C8B-B14F-4D97-AF65-F5344CB8AC3E}">
